--- a/Find breast cancers in screening mammograms.pptx
+++ b/Find breast cancers in screening mammograms.pptx
@@ -1,32 +1,32 @@
 
 <file path=ppt/presentation.xml><?xml version="1.0" encoding="utf-8"?>
-<p:presentation xmlns:a="http://schemas.openxmlformats.org/drawingml/2006/main" xmlns:r="http://schemas.openxmlformats.org/officeDocument/2006/relationships" xmlns:mc="http://schemas.openxmlformats.org/markup-compatibility/2006" xmlns:mv="urn:schemas-microsoft-com:mac:vml" xmlns:p="http://schemas.openxmlformats.org/presentationml/2006/main" xmlns:c="http://schemas.openxmlformats.org/drawingml/2006/chart" xmlns:dgm="http://schemas.openxmlformats.org/drawingml/2006/diagram" xmlns:o="urn:schemas-microsoft-com:office:office" xmlns:v="urn:schemas-microsoft-com:vml" xmlns:pvml="urn:schemas-microsoft-com:office:powerpoint" xmlns:com="http://schemas.openxmlformats.org/drawingml/2006/compatibility" xmlns:p14="http://schemas.microsoft.com/office/powerpoint/2010/main" xmlns:p15="http://schemas.microsoft.com/office/powerpoint/2012/main" xmlns:ahyp="http://schemas.microsoft.com/office/drawing/2018/hyperlinkcolor" autoCompressPictures="0" embedTrueTypeFonts="1" strictFirstAndLastChars="0" saveSubsetFonts="1">
+<p:presentation xmlns:a="http://schemas.openxmlformats.org/drawingml/2006/main" xmlns:r="http://schemas.openxmlformats.org/officeDocument/2006/relationships" xmlns:p="http://schemas.openxmlformats.org/presentationml/2006/main" strictFirstAndLastChars="0" embedTrueTypeFonts="1" saveSubsetFonts="1" autoCompressPictures="0">
   <p:sldMasterIdLst>
-    <p:sldMasterId id="2147483659" r:id="rId4"/>
+    <p:sldMasterId id="2147483659" r:id="rId1"/>
   </p:sldMasterIdLst>
   <p:notesMasterIdLst>
-    <p:notesMasterId r:id="rId5"/>
+    <p:notesMasterId r:id="rId7"/>
   </p:notesMasterIdLst>
   <p:sldIdLst>
-    <p:sldId id="256" r:id="rId6"/>
-    <p:sldId id="257" r:id="rId7"/>
-    <p:sldId id="258" r:id="rId8"/>
-    <p:sldId id="259" r:id="rId9"/>
-    <p:sldId id="260" r:id="rId10"/>
+    <p:sldId id="256" r:id="rId2"/>
+    <p:sldId id="257" r:id="rId3"/>
+    <p:sldId id="258" r:id="rId4"/>
+    <p:sldId id="259" r:id="rId5"/>
+    <p:sldId id="260" r:id="rId6"/>
   </p:sldIdLst>
-  <p:sldSz cy="5143500" cx="9144000"/>
+  <p:sldSz cx="9144000" cy="5143500" type="screen16x9"/>
   <p:notesSz cx="6858000" cy="9144000"/>
   <p:embeddedFontLst>
     <p:embeddedFont>
-      <p:font typeface="Proxima Nova"/>
-      <p:regular r:id="rId11"/>
-      <p:bold r:id="rId12"/>
-      <p:italic r:id="rId13"/>
-      <p:boldItalic r:id="rId14"/>
+      <p:font typeface="Proxima Nova" panose="020B0604020202020204" charset="0"/>
+      <p:regular r:id="rId8"/>
+      <p:bold r:id="rId9"/>
+      <p:italic r:id="rId10"/>
+      <p:boldItalic r:id="rId11"/>
     </p:embeddedFont>
   </p:embeddedFontLst>
   <p:defaultTextStyle>
-    <a:defPPr lvl="0" marR="0" rtl="0" algn="l">
+    <a:defPPr marR="0" lvl="0" algn="l" rtl="0">
       <a:lnSpc>
         <a:spcPct val="100000"/>
       </a:lnSpc>
@@ -37,7 +37,7 @@
         <a:spcPts val="0"/>
       </a:spcAft>
     </a:defPPr>
-    <a:lvl1pPr lvl="0" marR="0" rtl="0" algn="l">
+    <a:lvl1pPr marR="0" lvl="0" algn="l" rtl="0">
       <a:lnSpc>
         <a:spcPct val="100000"/>
       </a:lnSpc>
@@ -51,7 +51,7 @@
         <a:srgbClr val="000000"/>
       </a:buClr>
       <a:buFont typeface="Arial"/>
-      <a:defRPr b="0" i="0" sz="1400" u="none" cap="none" strike="noStrike">
+      <a:defRPr sz="1400" b="0" i="0" u="none" strike="noStrike" cap="none">
         <a:solidFill>
           <a:srgbClr val="000000"/>
         </a:solidFill>
@@ -61,7 +61,7 @@
         <a:sym typeface="Arial"/>
       </a:defRPr>
     </a:lvl1pPr>
-    <a:lvl2pPr lvl="1" marR="0" rtl="0" algn="l">
+    <a:lvl2pPr marR="0" lvl="1" algn="l" rtl="0">
       <a:lnSpc>
         <a:spcPct val="100000"/>
       </a:lnSpc>
@@ -75,7 +75,7 @@
         <a:srgbClr val="000000"/>
       </a:buClr>
       <a:buFont typeface="Arial"/>
-      <a:defRPr b="0" i="0" sz="1400" u="none" cap="none" strike="noStrike">
+      <a:defRPr sz="1400" b="0" i="0" u="none" strike="noStrike" cap="none">
         <a:solidFill>
           <a:srgbClr val="000000"/>
         </a:solidFill>
@@ -85,7 +85,7 @@
         <a:sym typeface="Arial"/>
       </a:defRPr>
     </a:lvl2pPr>
-    <a:lvl3pPr lvl="2" marR="0" rtl="0" algn="l">
+    <a:lvl3pPr marR="0" lvl="2" algn="l" rtl="0">
       <a:lnSpc>
         <a:spcPct val="100000"/>
       </a:lnSpc>
@@ -99,7 +99,7 @@
         <a:srgbClr val="000000"/>
       </a:buClr>
       <a:buFont typeface="Arial"/>
-      <a:defRPr b="0" i="0" sz="1400" u="none" cap="none" strike="noStrike">
+      <a:defRPr sz="1400" b="0" i="0" u="none" strike="noStrike" cap="none">
         <a:solidFill>
           <a:srgbClr val="000000"/>
         </a:solidFill>
@@ -109,7 +109,7 @@
         <a:sym typeface="Arial"/>
       </a:defRPr>
     </a:lvl3pPr>
-    <a:lvl4pPr lvl="3" marR="0" rtl="0" algn="l">
+    <a:lvl4pPr marR="0" lvl="3" algn="l" rtl="0">
       <a:lnSpc>
         <a:spcPct val="100000"/>
       </a:lnSpc>
@@ -123,7 +123,7 @@
         <a:srgbClr val="000000"/>
       </a:buClr>
       <a:buFont typeface="Arial"/>
-      <a:defRPr b="0" i="0" sz="1400" u="none" cap="none" strike="noStrike">
+      <a:defRPr sz="1400" b="0" i="0" u="none" strike="noStrike" cap="none">
         <a:solidFill>
           <a:srgbClr val="000000"/>
         </a:solidFill>
@@ -133,7 +133,7 @@
         <a:sym typeface="Arial"/>
       </a:defRPr>
     </a:lvl4pPr>
-    <a:lvl5pPr lvl="4" marR="0" rtl="0" algn="l">
+    <a:lvl5pPr marR="0" lvl="4" algn="l" rtl="0">
       <a:lnSpc>
         <a:spcPct val="100000"/>
       </a:lnSpc>
@@ -147,7 +147,7 @@
         <a:srgbClr val="000000"/>
       </a:buClr>
       <a:buFont typeface="Arial"/>
-      <a:defRPr b="0" i="0" sz="1400" u="none" cap="none" strike="noStrike">
+      <a:defRPr sz="1400" b="0" i="0" u="none" strike="noStrike" cap="none">
         <a:solidFill>
           <a:srgbClr val="000000"/>
         </a:solidFill>
@@ -157,7 +157,7 @@
         <a:sym typeface="Arial"/>
       </a:defRPr>
     </a:lvl5pPr>
-    <a:lvl6pPr lvl="5" marR="0" rtl="0" algn="l">
+    <a:lvl6pPr marR="0" lvl="5" algn="l" rtl="0">
       <a:lnSpc>
         <a:spcPct val="100000"/>
       </a:lnSpc>
@@ -171,7 +171,7 @@
         <a:srgbClr val="000000"/>
       </a:buClr>
       <a:buFont typeface="Arial"/>
-      <a:defRPr b="0" i="0" sz="1400" u="none" cap="none" strike="noStrike">
+      <a:defRPr sz="1400" b="0" i="0" u="none" strike="noStrike" cap="none">
         <a:solidFill>
           <a:srgbClr val="000000"/>
         </a:solidFill>
@@ -181,7 +181,7 @@
         <a:sym typeface="Arial"/>
       </a:defRPr>
     </a:lvl6pPr>
-    <a:lvl7pPr lvl="6" marR="0" rtl="0" algn="l">
+    <a:lvl7pPr marR="0" lvl="6" algn="l" rtl="0">
       <a:lnSpc>
         <a:spcPct val="100000"/>
       </a:lnSpc>
@@ -195,7 +195,7 @@
         <a:srgbClr val="000000"/>
       </a:buClr>
       <a:buFont typeface="Arial"/>
-      <a:defRPr b="0" i="0" sz="1400" u="none" cap="none" strike="noStrike">
+      <a:defRPr sz="1400" b="0" i="0" u="none" strike="noStrike" cap="none">
         <a:solidFill>
           <a:srgbClr val="000000"/>
         </a:solidFill>
@@ -205,7 +205,7 @@
         <a:sym typeface="Arial"/>
       </a:defRPr>
     </a:lvl7pPr>
-    <a:lvl8pPr lvl="7" marR="0" rtl="0" algn="l">
+    <a:lvl8pPr marR="0" lvl="7" algn="l" rtl="0">
       <a:lnSpc>
         <a:spcPct val="100000"/>
       </a:lnSpc>
@@ -219,7 +219,7 @@
         <a:srgbClr val="000000"/>
       </a:buClr>
       <a:buFont typeface="Arial"/>
-      <a:defRPr b="0" i="0" sz="1400" u="none" cap="none" strike="noStrike">
+      <a:defRPr sz="1400" b="0" i="0" u="none" strike="noStrike" cap="none">
         <a:solidFill>
           <a:srgbClr val="000000"/>
         </a:solidFill>
@@ -229,7 +229,7 @@
         <a:sym typeface="Arial"/>
       </a:defRPr>
     </a:lvl8pPr>
-    <a:lvl9pPr lvl="8" marR="0" rtl="0" algn="l">
+    <a:lvl9pPr marR="0" lvl="8" algn="l" rtl="0">
       <a:lnSpc>
         <a:spcPct val="100000"/>
       </a:lnSpc>
@@ -243,7 +243,7 @@
         <a:srgbClr val="000000"/>
       </a:buClr>
       <a:buFont typeface="Arial"/>
-      <a:defRPr b="0" i="0" sz="1400" u="none" cap="none" strike="noStrike">
+      <a:defRPr sz="1400" b="0" i="0" u="none" strike="noStrike" cap="none">
         <a:solidFill>
           <a:srgbClr val="000000"/>
         </a:solidFill>
@@ -256,7 +256,7 @@
   </p:defaultTextStyle>
   <p:extLst>
     <p:ext uri="{EFAFB233-063F-42B5-8137-9DF3F51BA10A}">
-      <p15:sldGuideLst>
+      <p15:sldGuideLst xmlns:p15="http://schemas.microsoft.com/office/powerpoint/2012/main">
         <p15:guide id="1" orient="horz" pos="1620">
           <p15:clr>
             <a:srgbClr val="747775"/>
@@ -274,11 +274,16 @@
 </file>
 
 <file path=ppt/notesMasters/notesMaster1.xml><?xml version="1.0" encoding="utf-8"?>
-<p:notesMaster xmlns:a="http://schemas.openxmlformats.org/drawingml/2006/main" xmlns:r="http://schemas.openxmlformats.org/officeDocument/2006/relationships" xmlns:mc="http://schemas.openxmlformats.org/markup-compatibility/2006" xmlns:mv="urn:schemas-microsoft-com:mac:vml" xmlns:p="http://schemas.openxmlformats.org/presentationml/2006/main" xmlns:c="http://schemas.openxmlformats.org/drawingml/2006/chart" xmlns:dgm="http://schemas.openxmlformats.org/drawingml/2006/diagram" xmlns:o="urn:schemas-microsoft-com:office:office" xmlns:v="urn:schemas-microsoft-com:vml" xmlns:pvml="urn:schemas-microsoft-com:office:powerpoint" xmlns:com="http://schemas.openxmlformats.org/drawingml/2006/compatibility" xmlns:p14="http://schemas.microsoft.com/office/powerpoint/2010/main" xmlns:p15="http://schemas.microsoft.com/office/powerpoint/2012/main" xmlns:ahyp="http://schemas.microsoft.com/office/drawing/2018/hyperlinkcolor">
+<p:notesMaster xmlns:a="http://schemas.openxmlformats.org/drawingml/2006/main" xmlns:r="http://schemas.openxmlformats.org/officeDocument/2006/relationships" xmlns:p="http://schemas.openxmlformats.org/presentationml/2006/main">
   <p:cSld>
+    <p:bg>
+      <p:bgRef idx="1001">
+        <a:schemeClr val="bg1"/>
+      </p:bgRef>
+    </p:bg>
     <p:spTree>
       <p:nvGrpSpPr>
-        <p:cNvPr id="2" name="Shape 2"/>
+        <p:cNvPr id="1" name="Shape 2"/>
         <p:cNvGrpSpPr/>
         <p:nvPr/>
       </p:nvGrpSpPr>
@@ -293,9 +298,11 @@
       <p:sp>
         <p:nvSpPr>
           <p:cNvPr id="3" name="Google Shape;3;n"/>
-          <p:cNvSpPr/>
+          <p:cNvSpPr>
+            <a:spLocks noGrp="1" noRot="1" noChangeAspect="1"/>
+          </p:cNvSpPr>
           <p:nvPr>
-            <p:ph idx="2" type="sldImg"/>
+            <p:ph type="sldImg" idx="2"/>
           </p:nvPr>
         </p:nvSpPr>
         <p:spPr>
@@ -304,9 +311,13 @@
             <a:ext cx="6096075" cy="3429000"/>
           </a:xfrm>
           <a:custGeom>
-            <a:rect b="b" l="l" r="r" t="t"/>
+            <a:avLst/>
+            <a:gdLst/>
+            <a:ahLst/>
+            <a:cxnLst/>
+            <a:rect l="l" t="t" r="r" b="b"/>
             <a:pathLst>
-              <a:path extrusionOk="0" h="120000" w="120000">
+              <a:path w="120000" h="120000" extrusionOk="0">
                 <a:moveTo>
                   <a:pt x="0" y="0"/>
                 </a:moveTo>
@@ -324,23 +335,25 @@
             </a:pathLst>
           </a:custGeom>
           <a:noFill/>
-          <a:ln cap="flat" cmpd="sng" w="9525">
+          <a:ln w="9525" cap="flat" cmpd="sng">
             <a:solidFill>
               <a:srgbClr val="000000"/>
             </a:solidFill>
             <a:prstDash val="solid"/>
             <a:round/>
-            <a:headEnd len="sm" w="sm" type="none"/>
-            <a:tailEnd len="sm" w="sm" type="none"/>
+            <a:headEnd type="none" w="sm" len="sm"/>
+            <a:tailEnd type="none" w="sm" len="sm"/>
           </a:ln>
         </p:spPr>
       </p:sp>
       <p:sp>
         <p:nvSpPr>
           <p:cNvPr id="4" name="Google Shape;4;n"/>
-          <p:cNvSpPr txBox="1"/>
+          <p:cNvSpPr txBox="1">
+            <a:spLocks noGrp="1"/>
+          </p:cNvSpPr>
           <p:nvPr>
-            <p:ph idx="1" type="body"/>
+            <p:ph type="body" idx="1"/>
           </p:nvPr>
         </p:nvSpPr>
         <p:spPr>
@@ -357,11 +370,11 @@
           </a:ln>
         </p:spPr>
         <p:txBody>
-          <a:bodyPr anchorCtr="0" anchor="t" bIns="91425" lIns="91425" spcFirstLastPara="1" rIns="91425" wrap="square" tIns="91425">
+          <a:bodyPr spcFirstLastPara="1" wrap="square" lIns="91425" tIns="91425" rIns="91425" bIns="91425" anchor="t" anchorCtr="0">
             <a:noAutofit/>
           </a:bodyPr>
           <a:lstStyle>
-            <a:lvl1pPr indent="-298450" lvl="0" marL="457200">
+            <a:lvl1pPr marL="457200" lvl="0" indent="-298450">
               <a:spcBef>
                 <a:spcPts val="0"/>
               </a:spcBef>
@@ -372,7 +385,7 @@
               <a:buChar char="●"/>
               <a:defRPr sz="1100"/>
             </a:lvl1pPr>
-            <a:lvl2pPr indent="-298450" lvl="1" marL="914400">
+            <a:lvl2pPr marL="914400" lvl="1" indent="-298450">
               <a:spcBef>
                 <a:spcPts val="0"/>
               </a:spcBef>
@@ -383,7 +396,7 @@
               <a:buChar char="○"/>
               <a:defRPr sz="1100"/>
             </a:lvl2pPr>
-            <a:lvl3pPr indent="-298450" lvl="2" marL="1371600">
+            <a:lvl3pPr marL="1371600" lvl="2" indent="-298450">
               <a:spcBef>
                 <a:spcPts val="0"/>
               </a:spcBef>
@@ -394,7 +407,7 @@
               <a:buChar char="■"/>
               <a:defRPr sz="1100"/>
             </a:lvl3pPr>
-            <a:lvl4pPr indent="-298450" lvl="3" marL="1828800">
+            <a:lvl4pPr marL="1828800" lvl="3" indent="-298450">
               <a:spcBef>
                 <a:spcPts val="0"/>
               </a:spcBef>
@@ -405,7 +418,7 @@
               <a:buChar char="●"/>
               <a:defRPr sz="1100"/>
             </a:lvl4pPr>
-            <a:lvl5pPr indent="-298450" lvl="4" marL="2286000">
+            <a:lvl5pPr marL="2286000" lvl="4" indent="-298450">
               <a:spcBef>
                 <a:spcPts val="0"/>
               </a:spcBef>
@@ -416,7 +429,7 @@
               <a:buChar char="○"/>
               <a:defRPr sz="1100"/>
             </a:lvl5pPr>
-            <a:lvl6pPr indent="-298450" lvl="5" marL="2743200">
+            <a:lvl6pPr marL="2743200" lvl="5" indent="-298450">
               <a:spcBef>
                 <a:spcPts val="0"/>
               </a:spcBef>
@@ -427,7 +440,7 @@
               <a:buChar char="■"/>
               <a:defRPr sz="1100"/>
             </a:lvl6pPr>
-            <a:lvl7pPr indent="-298450" lvl="6" marL="3200400">
+            <a:lvl7pPr marL="3200400" lvl="6" indent="-298450">
               <a:spcBef>
                 <a:spcPts val="0"/>
               </a:spcBef>
@@ -438,7 +451,7 @@
               <a:buChar char="●"/>
               <a:defRPr sz="1100"/>
             </a:lvl7pPr>
-            <a:lvl8pPr indent="-298450" lvl="7" marL="3657600">
+            <a:lvl8pPr marL="3657600" lvl="7" indent="-298450">
               <a:spcBef>
                 <a:spcPts val="0"/>
               </a:spcBef>
@@ -449,7 +462,7 @@
               <a:buChar char="○"/>
               <a:defRPr sz="1100"/>
             </a:lvl8pPr>
-            <a:lvl9pPr indent="-298450" lvl="8" marL="4114800">
+            <a:lvl9pPr marL="4114800" lvl="8" indent="-298450">
               <a:spcBef>
                 <a:spcPts val="0"/>
               </a:spcBef>
@@ -461,14 +474,16 @@
               <a:defRPr sz="1100"/>
             </a:lvl9pPr>
           </a:lstStyle>
-          <a:p/>
+          <a:p>
+            <a:endParaRPr/>
+          </a:p>
         </p:txBody>
       </p:sp>
     </p:spTree>
   </p:cSld>
-  <p:clrMap accent1="accent1" accent2="accent2" accent3="accent3" accent4="accent4" accent5="accent5" accent6="accent6" bg1="lt1" bg2="dk2" tx1="dk1" tx2="lt2" folHlink="folHlink" hlink="hlink"/>
+  <p:clrMap bg1="lt1" tx1="dk1" bg2="dk2" tx2="lt2" accent1="accent1" accent2="accent2" accent3="accent3" accent4="accent4" accent5="accent5" accent6="accent6" hlink="hlink" folHlink="folHlink"/>
   <p:notesStyle>
-    <a:defPPr lvl="0" marR="0" rtl="0" algn="l">
+    <a:defPPr marR="0" lvl="0" algn="l" rtl="0">
       <a:lnSpc>
         <a:spcPct val="100000"/>
       </a:lnSpc>
@@ -479,7 +494,7 @@
         <a:spcPts val="0"/>
       </a:spcAft>
     </a:defPPr>
-    <a:lvl1pPr lvl="0" marR="0" rtl="0" algn="l">
+    <a:lvl1pPr marR="0" lvl="0" algn="l" rtl="0">
       <a:lnSpc>
         <a:spcPct val="100000"/>
       </a:lnSpc>
@@ -493,7 +508,7 @@
         <a:srgbClr val="000000"/>
       </a:buClr>
       <a:buFont typeface="Arial"/>
-      <a:defRPr b="0" i="0" sz="1400" u="none" cap="none" strike="noStrike">
+      <a:defRPr sz="1400" b="0" i="0" u="none" strike="noStrike" cap="none">
         <a:solidFill>
           <a:srgbClr val="000000"/>
         </a:solidFill>
@@ -503,7 +518,7 @@
         <a:sym typeface="Arial"/>
       </a:defRPr>
     </a:lvl1pPr>
-    <a:lvl2pPr lvl="1" marR="0" rtl="0" algn="l">
+    <a:lvl2pPr marR="0" lvl="1" algn="l" rtl="0">
       <a:lnSpc>
         <a:spcPct val="100000"/>
       </a:lnSpc>
@@ -517,7 +532,7 @@
         <a:srgbClr val="000000"/>
       </a:buClr>
       <a:buFont typeface="Arial"/>
-      <a:defRPr b="0" i="0" sz="1400" u="none" cap="none" strike="noStrike">
+      <a:defRPr sz="1400" b="0" i="0" u="none" strike="noStrike" cap="none">
         <a:solidFill>
           <a:srgbClr val="000000"/>
         </a:solidFill>
@@ -527,7 +542,7 @@
         <a:sym typeface="Arial"/>
       </a:defRPr>
     </a:lvl2pPr>
-    <a:lvl3pPr lvl="2" marR="0" rtl="0" algn="l">
+    <a:lvl3pPr marR="0" lvl="2" algn="l" rtl="0">
       <a:lnSpc>
         <a:spcPct val="100000"/>
       </a:lnSpc>
@@ -541,7 +556,7 @@
         <a:srgbClr val="000000"/>
       </a:buClr>
       <a:buFont typeface="Arial"/>
-      <a:defRPr b="0" i="0" sz="1400" u="none" cap="none" strike="noStrike">
+      <a:defRPr sz="1400" b="0" i="0" u="none" strike="noStrike" cap="none">
         <a:solidFill>
           <a:srgbClr val="000000"/>
         </a:solidFill>
@@ -551,7 +566,7 @@
         <a:sym typeface="Arial"/>
       </a:defRPr>
     </a:lvl3pPr>
-    <a:lvl4pPr lvl="3" marR="0" rtl="0" algn="l">
+    <a:lvl4pPr marR="0" lvl="3" algn="l" rtl="0">
       <a:lnSpc>
         <a:spcPct val="100000"/>
       </a:lnSpc>
@@ -565,7 +580,7 @@
         <a:srgbClr val="000000"/>
       </a:buClr>
       <a:buFont typeface="Arial"/>
-      <a:defRPr b="0" i="0" sz="1400" u="none" cap="none" strike="noStrike">
+      <a:defRPr sz="1400" b="0" i="0" u="none" strike="noStrike" cap="none">
         <a:solidFill>
           <a:srgbClr val="000000"/>
         </a:solidFill>
@@ -575,7 +590,7 @@
         <a:sym typeface="Arial"/>
       </a:defRPr>
     </a:lvl4pPr>
-    <a:lvl5pPr lvl="4" marR="0" rtl="0" algn="l">
+    <a:lvl5pPr marR="0" lvl="4" algn="l" rtl="0">
       <a:lnSpc>
         <a:spcPct val="100000"/>
       </a:lnSpc>
@@ -589,7 +604,7 @@
         <a:srgbClr val="000000"/>
       </a:buClr>
       <a:buFont typeface="Arial"/>
-      <a:defRPr b="0" i="0" sz="1400" u="none" cap="none" strike="noStrike">
+      <a:defRPr sz="1400" b="0" i="0" u="none" strike="noStrike" cap="none">
         <a:solidFill>
           <a:srgbClr val="000000"/>
         </a:solidFill>
@@ -599,7 +614,7 @@
         <a:sym typeface="Arial"/>
       </a:defRPr>
     </a:lvl5pPr>
-    <a:lvl6pPr lvl="5" marR="0" rtl="0" algn="l">
+    <a:lvl6pPr marR="0" lvl="5" algn="l" rtl="0">
       <a:lnSpc>
         <a:spcPct val="100000"/>
       </a:lnSpc>
@@ -613,7 +628,7 @@
         <a:srgbClr val="000000"/>
       </a:buClr>
       <a:buFont typeface="Arial"/>
-      <a:defRPr b="0" i="0" sz="1400" u="none" cap="none" strike="noStrike">
+      <a:defRPr sz="1400" b="0" i="0" u="none" strike="noStrike" cap="none">
         <a:solidFill>
           <a:srgbClr val="000000"/>
         </a:solidFill>
@@ -623,7 +638,7 @@
         <a:sym typeface="Arial"/>
       </a:defRPr>
     </a:lvl6pPr>
-    <a:lvl7pPr lvl="6" marR="0" rtl="0" algn="l">
+    <a:lvl7pPr marR="0" lvl="6" algn="l" rtl="0">
       <a:lnSpc>
         <a:spcPct val="100000"/>
       </a:lnSpc>
@@ -637,7 +652,7 @@
         <a:srgbClr val="000000"/>
       </a:buClr>
       <a:buFont typeface="Arial"/>
-      <a:defRPr b="0" i="0" sz="1400" u="none" cap="none" strike="noStrike">
+      <a:defRPr sz="1400" b="0" i="0" u="none" strike="noStrike" cap="none">
         <a:solidFill>
           <a:srgbClr val="000000"/>
         </a:solidFill>
@@ -647,7 +662,7 @@
         <a:sym typeface="Arial"/>
       </a:defRPr>
     </a:lvl7pPr>
-    <a:lvl8pPr lvl="7" marR="0" rtl="0" algn="l">
+    <a:lvl8pPr marR="0" lvl="7" algn="l" rtl="0">
       <a:lnSpc>
         <a:spcPct val="100000"/>
       </a:lnSpc>
@@ -661,7 +676,7 @@
         <a:srgbClr val="000000"/>
       </a:buClr>
       <a:buFont typeface="Arial"/>
-      <a:defRPr b="0" i="0" sz="1400" u="none" cap="none" strike="noStrike">
+      <a:defRPr sz="1400" b="0" i="0" u="none" strike="noStrike" cap="none">
         <a:solidFill>
           <a:srgbClr val="000000"/>
         </a:solidFill>
@@ -671,7 +686,7 @@
         <a:sym typeface="Arial"/>
       </a:defRPr>
     </a:lvl8pPr>
-    <a:lvl9pPr lvl="8" marR="0" rtl="0" algn="l">
+    <a:lvl9pPr marR="0" lvl="8" algn="l" rtl="0">
       <a:lnSpc>
         <a:spcPct val="100000"/>
       </a:lnSpc>
@@ -685,7 +700,7 @@
         <a:srgbClr val="000000"/>
       </a:buClr>
       <a:buFont typeface="Arial"/>
-      <a:defRPr b="0" i="0" sz="1400" u="none" cap="none" strike="noStrike">
+      <a:defRPr sz="1400" b="0" i="0" u="none" strike="noStrike" cap="none">
         <a:solidFill>
           <a:srgbClr val="000000"/>
         </a:solidFill>
@@ -700,11 +715,11 @@
 </file>
 
 <file path=ppt/notesSlides/notesSlide1.xml><?xml version="1.0" encoding="utf-8"?>
-<p:notes xmlns:a="http://schemas.openxmlformats.org/drawingml/2006/main" xmlns:r="http://schemas.openxmlformats.org/officeDocument/2006/relationships" xmlns:mc="http://schemas.openxmlformats.org/markup-compatibility/2006" xmlns:mv="urn:schemas-microsoft-com:mac:vml" xmlns:p="http://schemas.openxmlformats.org/presentationml/2006/main" xmlns:c="http://schemas.openxmlformats.org/drawingml/2006/chart" xmlns:dgm="http://schemas.openxmlformats.org/drawingml/2006/diagram" xmlns:o="urn:schemas-microsoft-com:office:office" xmlns:v="urn:schemas-microsoft-com:vml" xmlns:pvml="urn:schemas-microsoft-com:office:powerpoint" xmlns:com="http://schemas.openxmlformats.org/drawingml/2006/compatibility" xmlns:p14="http://schemas.microsoft.com/office/powerpoint/2010/main" xmlns:p15="http://schemas.microsoft.com/office/powerpoint/2012/main" xmlns:ahyp="http://schemas.microsoft.com/office/drawing/2018/hyperlinkcolor" showMasterPhAnim="0" showMasterSp="0">
+<p:notes xmlns:a="http://schemas.openxmlformats.org/drawingml/2006/main" xmlns:r="http://schemas.openxmlformats.org/officeDocument/2006/relationships" xmlns:p="http://schemas.openxmlformats.org/presentationml/2006/main" showMasterSp="0" showMasterPhAnim="0">
   <p:cSld>
     <p:spTree>
       <p:nvGrpSpPr>
-        <p:cNvPr id="55" name="Shape 55"/>
+        <p:cNvPr id="1" name="Shape 55"/>
         <p:cNvGrpSpPr/>
         <p:nvPr/>
       </p:nvGrpSpPr>
@@ -719,9 +734,11 @@
       <p:sp>
         <p:nvSpPr>
           <p:cNvPr id="56" name="Google Shape;56;p:notes"/>
-          <p:cNvSpPr/>
+          <p:cNvSpPr>
+            <a:spLocks noGrp="1" noRot="1" noChangeAspect="1"/>
+          </p:cNvSpPr>
           <p:nvPr>
-            <p:ph idx="2" type="sldImg"/>
+            <p:ph type="sldImg" idx="2"/>
           </p:nvPr>
         </p:nvSpPr>
         <p:spPr>
@@ -730,9 +747,13 @@
             <a:ext cx="6096075" cy="3429000"/>
           </a:xfrm>
           <a:custGeom>
-            <a:rect b="b" l="l" r="r" t="t"/>
+            <a:avLst/>
+            <a:gdLst/>
+            <a:ahLst/>
+            <a:cxnLst/>
+            <a:rect l="l" t="t" r="r" b="b"/>
             <a:pathLst>
-              <a:path extrusionOk="0" h="120000" w="120000">
+              <a:path w="120000" h="120000" extrusionOk="0">
                 <a:moveTo>
                   <a:pt x="0" y="0"/>
                 </a:moveTo>
@@ -754,9 +775,11 @@
       <p:sp>
         <p:nvSpPr>
           <p:cNvPr id="57" name="Google Shape;57;p:notes"/>
-          <p:cNvSpPr txBox="1"/>
+          <p:cNvSpPr txBox="1">
+            <a:spLocks noGrp="1"/>
+          </p:cNvSpPr>
           <p:nvPr>
-            <p:ph idx="1" type="body"/>
+            <p:ph type="body" idx="1"/>
           </p:nvPr>
         </p:nvSpPr>
         <p:spPr>
@@ -769,12 +792,12 @@
           </a:prstGeom>
         </p:spPr>
         <p:txBody>
-          <a:bodyPr anchorCtr="0" anchor="t" bIns="91425" lIns="91425" spcFirstLastPara="1" rIns="91425" wrap="square" tIns="91425">
+          <a:bodyPr spcFirstLastPara="1" wrap="square" lIns="91425" tIns="91425" rIns="91425" bIns="91425" anchor="t" anchorCtr="0">
             <a:noAutofit/>
           </a:bodyPr>
           <a:lstStyle/>
           <a:p>
-            <a:pPr indent="0" lvl="0" marL="0" rtl="0" algn="l">
+            <a:pPr marL="0" lvl="0" indent="0" algn="l" rtl="0">
               <a:spcBef>
                 <a:spcPts val="0"/>
               </a:spcBef>
@@ -783,9 +806,6 @@
               </a:spcAft>
               <a:buNone/>
             </a:pPr>
-            <a:r>
-              <a:t/>
-            </a:r>
             <a:endParaRPr/>
           </a:p>
         </p:txBody>
@@ -799,11 +819,11 @@
 </file>
 
 <file path=ppt/notesSlides/notesSlide2.xml><?xml version="1.0" encoding="utf-8"?>
-<p:notes xmlns:a="http://schemas.openxmlformats.org/drawingml/2006/main" xmlns:r="http://schemas.openxmlformats.org/officeDocument/2006/relationships" xmlns:mc="http://schemas.openxmlformats.org/markup-compatibility/2006" xmlns:mv="urn:schemas-microsoft-com:mac:vml" xmlns:p="http://schemas.openxmlformats.org/presentationml/2006/main" xmlns:c="http://schemas.openxmlformats.org/drawingml/2006/chart" xmlns:dgm="http://schemas.openxmlformats.org/drawingml/2006/diagram" xmlns:o="urn:schemas-microsoft-com:office:office" xmlns:v="urn:schemas-microsoft-com:vml" xmlns:pvml="urn:schemas-microsoft-com:office:powerpoint" xmlns:com="http://schemas.openxmlformats.org/drawingml/2006/compatibility" xmlns:p14="http://schemas.microsoft.com/office/powerpoint/2010/main" xmlns:p15="http://schemas.microsoft.com/office/powerpoint/2012/main" xmlns:ahyp="http://schemas.microsoft.com/office/drawing/2018/hyperlinkcolor" showMasterPhAnim="0" showMasterSp="0">
+<p:notes xmlns:a="http://schemas.openxmlformats.org/drawingml/2006/main" xmlns:r="http://schemas.openxmlformats.org/officeDocument/2006/relationships" xmlns:p="http://schemas.openxmlformats.org/presentationml/2006/main" showMasterSp="0" showMasterPhAnim="0">
   <p:cSld>
     <p:spTree>
       <p:nvGrpSpPr>
-        <p:cNvPr id="61" name="Shape 61"/>
+        <p:cNvPr id="1" name="Shape 61"/>
         <p:cNvGrpSpPr/>
         <p:nvPr/>
       </p:nvGrpSpPr>
@@ -818,9 +838,11 @@
       <p:sp>
         <p:nvSpPr>
           <p:cNvPr id="62" name="Google Shape;62;g22d404bea53_0_50:notes"/>
-          <p:cNvSpPr/>
+          <p:cNvSpPr>
+            <a:spLocks noGrp="1" noRot="1" noChangeAspect="1"/>
+          </p:cNvSpPr>
           <p:nvPr>
-            <p:ph idx="2" type="sldImg"/>
+            <p:ph type="sldImg" idx="2"/>
           </p:nvPr>
         </p:nvSpPr>
         <p:spPr>
@@ -829,9 +851,13 @@
             <a:ext cx="6096000" cy="3429000"/>
           </a:xfrm>
           <a:custGeom>
-            <a:rect b="b" l="l" r="r" t="t"/>
+            <a:avLst/>
+            <a:gdLst/>
+            <a:ahLst/>
+            <a:cxnLst/>
+            <a:rect l="l" t="t" r="r" b="b"/>
             <a:pathLst>
-              <a:path extrusionOk="0" h="120000" w="120000">
+              <a:path w="120000" h="120000" extrusionOk="0">
                 <a:moveTo>
                   <a:pt x="0" y="0"/>
                 </a:moveTo>
@@ -853,9 +879,11 @@
       <p:sp>
         <p:nvSpPr>
           <p:cNvPr id="63" name="Google Shape;63;g22d404bea53_0_50:notes"/>
-          <p:cNvSpPr txBox="1"/>
+          <p:cNvSpPr txBox="1">
+            <a:spLocks noGrp="1"/>
+          </p:cNvSpPr>
           <p:nvPr>
-            <p:ph idx="1" type="body"/>
+            <p:ph type="body" idx="1"/>
           </p:nvPr>
         </p:nvSpPr>
         <p:spPr>
@@ -868,12 +896,12 @@
           </a:prstGeom>
         </p:spPr>
         <p:txBody>
-          <a:bodyPr anchorCtr="0" anchor="t" bIns="91425" lIns="91425" spcFirstLastPara="1" rIns="91425" wrap="square" tIns="91425">
+          <a:bodyPr spcFirstLastPara="1" wrap="square" lIns="91425" tIns="91425" rIns="91425" bIns="91425" anchor="t" anchorCtr="0">
             <a:noAutofit/>
           </a:bodyPr>
           <a:lstStyle/>
           <a:p>
-            <a:pPr indent="0" lvl="0" marL="0" rtl="0" algn="l">
+            <a:pPr marL="0" lvl="0" indent="0" algn="l" rtl="0">
               <a:spcBef>
                 <a:spcPts val="0"/>
               </a:spcBef>
@@ -882,9 +910,6 @@
               </a:spcAft>
               <a:buNone/>
             </a:pPr>
-            <a:r>
-              <a:t/>
-            </a:r>
             <a:endParaRPr/>
           </a:p>
         </p:txBody>
@@ -898,11 +923,11 @@
 </file>
 
 <file path=ppt/notesSlides/notesSlide3.xml><?xml version="1.0" encoding="utf-8"?>
-<p:notes xmlns:a="http://schemas.openxmlformats.org/drawingml/2006/main" xmlns:r="http://schemas.openxmlformats.org/officeDocument/2006/relationships" xmlns:mc="http://schemas.openxmlformats.org/markup-compatibility/2006" xmlns:mv="urn:schemas-microsoft-com:mac:vml" xmlns:p="http://schemas.openxmlformats.org/presentationml/2006/main" xmlns:c="http://schemas.openxmlformats.org/drawingml/2006/chart" xmlns:dgm="http://schemas.openxmlformats.org/drawingml/2006/diagram" xmlns:o="urn:schemas-microsoft-com:office:office" xmlns:v="urn:schemas-microsoft-com:vml" xmlns:pvml="urn:schemas-microsoft-com:office:powerpoint" xmlns:com="http://schemas.openxmlformats.org/drawingml/2006/compatibility" xmlns:p14="http://schemas.microsoft.com/office/powerpoint/2010/main" xmlns:p15="http://schemas.microsoft.com/office/powerpoint/2012/main" xmlns:ahyp="http://schemas.microsoft.com/office/drawing/2018/hyperlinkcolor" showMasterPhAnim="0" showMasterSp="0">
+<p:notes xmlns:a="http://schemas.openxmlformats.org/drawingml/2006/main" xmlns:r="http://schemas.openxmlformats.org/officeDocument/2006/relationships" xmlns:p="http://schemas.openxmlformats.org/presentationml/2006/main" showMasterSp="0" showMasterPhAnim="0">
   <p:cSld>
     <p:spTree>
       <p:nvGrpSpPr>
-        <p:cNvPr id="67" name="Shape 67"/>
+        <p:cNvPr id="1" name="Shape 67"/>
         <p:cNvGrpSpPr/>
         <p:nvPr/>
       </p:nvGrpSpPr>
@@ -917,9 +942,11 @@
       <p:sp>
         <p:nvSpPr>
           <p:cNvPr id="68" name="Google Shape;68;g22d404bea53_0_60:notes"/>
-          <p:cNvSpPr/>
+          <p:cNvSpPr>
+            <a:spLocks noGrp="1" noRot="1" noChangeAspect="1"/>
+          </p:cNvSpPr>
           <p:nvPr>
-            <p:ph idx="2" type="sldImg"/>
+            <p:ph type="sldImg" idx="2"/>
           </p:nvPr>
         </p:nvSpPr>
         <p:spPr>
@@ -928,9 +955,13 @@
             <a:ext cx="6096000" cy="3429000"/>
           </a:xfrm>
           <a:custGeom>
-            <a:rect b="b" l="l" r="r" t="t"/>
+            <a:avLst/>
+            <a:gdLst/>
+            <a:ahLst/>
+            <a:cxnLst/>
+            <a:rect l="l" t="t" r="r" b="b"/>
             <a:pathLst>
-              <a:path extrusionOk="0" h="120000" w="120000">
+              <a:path w="120000" h="120000" extrusionOk="0">
                 <a:moveTo>
                   <a:pt x="0" y="0"/>
                 </a:moveTo>
@@ -952,9 +983,11 @@
       <p:sp>
         <p:nvSpPr>
           <p:cNvPr id="69" name="Google Shape;69;g22d404bea53_0_60:notes"/>
-          <p:cNvSpPr txBox="1"/>
+          <p:cNvSpPr txBox="1">
+            <a:spLocks noGrp="1"/>
+          </p:cNvSpPr>
           <p:nvPr>
-            <p:ph idx="1" type="body"/>
+            <p:ph type="body" idx="1"/>
           </p:nvPr>
         </p:nvSpPr>
         <p:spPr>
@@ -967,12 +1000,12 @@
           </a:prstGeom>
         </p:spPr>
         <p:txBody>
-          <a:bodyPr anchorCtr="0" anchor="t" bIns="91425" lIns="91425" spcFirstLastPara="1" rIns="91425" wrap="square" tIns="91425">
+          <a:bodyPr spcFirstLastPara="1" wrap="square" lIns="91425" tIns="91425" rIns="91425" bIns="91425" anchor="t" anchorCtr="0">
             <a:noAutofit/>
           </a:bodyPr>
           <a:lstStyle/>
           <a:p>
-            <a:pPr indent="0" lvl="0" marL="0" rtl="0" algn="l">
+            <a:pPr marL="0" lvl="0" indent="0" algn="l" rtl="0">
               <a:spcBef>
                 <a:spcPts val="0"/>
               </a:spcBef>
@@ -981,9 +1014,6 @@
               </a:spcAft>
               <a:buNone/>
             </a:pPr>
-            <a:r>
-              <a:t/>
-            </a:r>
             <a:endParaRPr/>
           </a:p>
         </p:txBody>
@@ -997,11 +1027,11 @@
 </file>
 
 <file path=ppt/notesSlides/notesSlide4.xml><?xml version="1.0" encoding="utf-8"?>
-<p:notes xmlns:a="http://schemas.openxmlformats.org/drawingml/2006/main" xmlns:r="http://schemas.openxmlformats.org/officeDocument/2006/relationships" xmlns:mc="http://schemas.openxmlformats.org/markup-compatibility/2006" xmlns:mv="urn:schemas-microsoft-com:mac:vml" xmlns:p="http://schemas.openxmlformats.org/presentationml/2006/main" xmlns:c="http://schemas.openxmlformats.org/drawingml/2006/chart" xmlns:dgm="http://schemas.openxmlformats.org/drawingml/2006/diagram" xmlns:o="urn:schemas-microsoft-com:office:office" xmlns:v="urn:schemas-microsoft-com:vml" xmlns:pvml="urn:schemas-microsoft-com:office:powerpoint" xmlns:com="http://schemas.openxmlformats.org/drawingml/2006/compatibility" xmlns:p14="http://schemas.microsoft.com/office/powerpoint/2010/main" xmlns:p15="http://schemas.microsoft.com/office/powerpoint/2012/main" xmlns:ahyp="http://schemas.microsoft.com/office/drawing/2018/hyperlinkcolor" showMasterPhAnim="0" showMasterSp="0">
+<p:notes xmlns:a="http://schemas.openxmlformats.org/drawingml/2006/main" xmlns:r="http://schemas.openxmlformats.org/officeDocument/2006/relationships" xmlns:p="http://schemas.openxmlformats.org/presentationml/2006/main" showMasterSp="0" showMasterPhAnim="0">
   <p:cSld>
     <p:spTree>
       <p:nvGrpSpPr>
-        <p:cNvPr id="73" name="Shape 73"/>
+        <p:cNvPr id="1" name="Shape 73"/>
         <p:cNvGrpSpPr/>
         <p:nvPr/>
       </p:nvGrpSpPr>
@@ -1016,20 +1046,26 @@
       <p:sp>
         <p:nvSpPr>
           <p:cNvPr id="74" name="Google Shape;74;g22d404bea53_0_71:notes"/>
-          <p:cNvSpPr/>
+          <p:cNvSpPr>
+            <a:spLocks noGrp="1" noRot="1" noChangeAspect="1"/>
+          </p:cNvSpPr>
           <p:nvPr>
-            <p:ph idx="2" type="sldImg"/>
+            <p:ph type="sldImg" idx="2"/>
           </p:nvPr>
         </p:nvSpPr>
         <p:spPr>
           <a:xfrm>
-            <a:off x="381300" y="685800"/>
+            <a:off x="381000" y="685800"/>
             <a:ext cx="6096000" cy="3429000"/>
           </a:xfrm>
           <a:custGeom>
-            <a:rect b="b" l="l" r="r" t="t"/>
+            <a:avLst/>
+            <a:gdLst/>
+            <a:ahLst/>
+            <a:cxnLst/>
+            <a:rect l="l" t="t" r="r" b="b"/>
             <a:pathLst>
-              <a:path extrusionOk="0" h="120000" w="120000">
+              <a:path w="120000" h="120000" extrusionOk="0">
                 <a:moveTo>
                   <a:pt x="0" y="0"/>
                 </a:moveTo>
@@ -1051,9 +1087,11 @@
       <p:sp>
         <p:nvSpPr>
           <p:cNvPr id="75" name="Google Shape;75;g22d404bea53_0_71:notes"/>
-          <p:cNvSpPr txBox="1"/>
+          <p:cNvSpPr txBox="1">
+            <a:spLocks noGrp="1"/>
+          </p:cNvSpPr>
           <p:nvPr>
-            <p:ph idx="1" type="body"/>
+            <p:ph type="body" idx="1"/>
           </p:nvPr>
         </p:nvSpPr>
         <p:spPr>
@@ -1066,12 +1104,12 @@
           </a:prstGeom>
         </p:spPr>
         <p:txBody>
-          <a:bodyPr anchorCtr="0" anchor="t" bIns="91425" lIns="91425" spcFirstLastPara="1" rIns="91425" wrap="square" tIns="91425">
+          <a:bodyPr spcFirstLastPara="1" wrap="square" lIns="91425" tIns="91425" rIns="91425" bIns="91425" anchor="t" anchorCtr="0">
             <a:noAutofit/>
           </a:bodyPr>
           <a:lstStyle/>
           <a:p>
-            <a:pPr indent="0" lvl="0" marL="0" rtl="0" algn="l">
+            <a:pPr marL="0" lvl="0" indent="0" algn="l" rtl="0">
               <a:spcBef>
                 <a:spcPts val="0"/>
               </a:spcBef>
@@ -1080,9 +1118,6 @@
               </a:spcAft>
               <a:buNone/>
             </a:pPr>
-            <a:r>
-              <a:t/>
-            </a:r>
             <a:endParaRPr/>
           </a:p>
         </p:txBody>
@@ -1096,11 +1131,11 @@
 </file>
 
 <file path=ppt/notesSlides/notesSlide5.xml><?xml version="1.0" encoding="utf-8"?>
-<p:notes xmlns:a="http://schemas.openxmlformats.org/drawingml/2006/main" xmlns:r="http://schemas.openxmlformats.org/officeDocument/2006/relationships" xmlns:mc="http://schemas.openxmlformats.org/markup-compatibility/2006" xmlns:mv="urn:schemas-microsoft-com:mac:vml" xmlns:p="http://schemas.openxmlformats.org/presentationml/2006/main" xmlns:c="http://schemas.openxmlformats.org/drawingml/2006/chart" xmlns:dgm="http://schemas.openxmlformats.org/drawingml/2006/diagram" xmlns:o="urn:schemas-microsoft-com:office:office" xmlns:v="urn:schemas-microsoft-com:vml" xmlns:pvml="urn:schemas-microsoft-com:office:powerpoint" xmlns:com="http://schemas.openxmlformats.org/drawingml/2006/compatibility" xmlns:p14="http://schemas.microsoft.com/office/powerpoint/2010/main" xmlns:p15="http://schemas.microsoft.com/office/powerpoint/2012/main" xmlns:ahyp="http://schemas.microsoft.com/office/drawing/2018/hyperlinkcolor" showMasterPhAnim="0" showMasterSp="0">
+<p:notes xmlns:a="http://schemas.openxmlformats.org/drawingml/2006/main" xmlns:r="http://schemas.openxmlformats.org/officeDocument/2006/relationships" xmlns:p="http://schemas.openxmlformats.org/presentationml/2006/main" showMasterSp="0" showMasterPhAnim="0">
   <p:cSld>
     <p:spTree>
       <p:nvGrpSpPr>
-        <p:cNvPr id="80" name="Shape 80"/>
+        <p:cNvPr id="1" name="Shape 80"/>
         <p:cNvGrpSpPr/>
         <p:nvPr/>
       </p:nvGrpSpPr>
@@ -1115,9 +1150,11 @@
       <p:sp>
         <p:nvSpPr>
           <p:cNvPr id="81" name="Google Shape;81;g22d404bea53_0_65:notes"/>
-          <p:cNvSpPr/>
+          <p:cNvSpPr>
+            <a:spLocks noGrp="1" noRot="1" noChangeAspect="1"/>
+          </p:cNvSpPr>
           <p:nvPr>
-            <p:ph idx="2" type="sldImg"/>
+            <p:ph type="sldImg" idx="2"/>
           </p:nvPr>
         </p:nvSpPr>
         <p:spPr>
@@ -1126,9 +1163,13 @@
             <a:ext cx="6096000" cy="3429000"/>
           </a:xfrm>
           <a:custGeom>
-            <a:rect b="b" l="l" r="r" t="t"/>
+            <a:avLst/>
+            <a:gdLst/>
+            <a:ahLst/>
+            <a:cxnLst/>
+            <a:rect l="l" t="t" r="r" b="b"/>
             <a:pathLst>
-              <a:path extrusionOk="0" h="120000" w="120000">
+              <a:path w="120000" h="120000" extrusionOk="0">
                 <a:moveTo>
                   <a:pt x="0" y="0"/>
                 </a:moveTo>
@@ -1150,9 +1191,11 @@
       <p:sp>
         <p:nvSpPr>
           <p:cNvPr id="82" name="Google Shape;82;g22d404bea53_0_65:notes"/>
-          <p:cNvSpPr txBox="1"/>
+          <p:cNvSpPr txBox="1">
+            <a:spLocks noGrp="1"/>
+          </p:cNvSpPr>
           <p:nvPr>
-            <p:ph idx="1" type="body"/>
+            <p:ph type="body" idx="1"/>
           </p:nvPr>
         </p:nvSpPr>
         <p:spPr>
@@ -1165,12 +1208,12 @@
           </a:prstGeom>
         </p:spPr>
         <p:txBody>
-          <a:bodyPr anchorCtr="0" anchor="t" bIns="91425" lIns="91425" spcFirstLastPara="1" rIns="91425" wrap="square" tIns="91425">
+          <a:bodyPr spcFirstLastPara="1" wrap="square" lIns="91425" tIns="91425" rIns="91425" bIns="91425" anchor="t" anchorCtr="0">
             <a:noAutofit/>
           </a:bodyPr>
           <a:lstStyle/>
           <a:p>
-            <a:pPr indent="0" lvl="0" marL="0" rtl="0" algn="l">
+            <a:pPr marL="0" lvl="0" indent="0" algn="l" rtl="0">
               <a:spcBef>
                 <a:spcPts val="0"/>
               </a:spcBef>
@@ -1179,9 +1222,6 @@
               </a:spcAft>
               <a:buNone/>
             </a:pPr>
-            <a:r>
-              <a:t/>
-            </a:r>
             <a:endParaRPr/>
           </a:p>
         </p:txBody>
@@ -1195,18 +1235,19 @@
 </file>
 
 <file path=ppt/slideLayouts/slideLayout1.xml><?xml version="1.0" encoding="utf-8"?>
-<p:sldLayout xmlns:a="http://schemas.openxmlformats.org/drawingml/2006/main" xmlns:r="http://schemas.openxmlformats.org/officeDocument/2006/relationships" xmlns:mc="http://schemas.openxmlformats.org/markup-compatibility/2006" xmlns:mv="urn:schemas-microsoft-com:mac:vml" xmlns:p="http://schemas.openxmlformats.org/presentationml/2006/main" xmlns:c="http://schemas.openxmlformats.org/drawingml/2006/chart" xmlns:dgm="http://schemas.openxmlformats.org/drawingml/2006/diagram" xmlns:o="urn:schemas-microsoft-com:office:office" xmlns:v="urn:schemas-microsoft-com:vml" xmlns:pvml="urn:schemas-microsoft-com:office:powerpoint" xmlns:com="http://schemas.openxmlformats.org/drawingml/2006/compatibility" xmlns:p14="http://schemas.microsoft.com/office/powerpoint/2010/main" xmlns:p15="http://schemas.microsoft.com/office/powerpoint/2012/main" xmlns:ahyp="http://schemas.microsoft.com/office/drawing/2018/hyperlinkcolor" matchingName="Title slide" type="title">
+<p:sldLayout xmlns:a="http://schemas.openxmlformats.org/drawingml/2006/main" xmlns:r="http://schemas.openxmlformats.org/officeDocument/2006/relationships" xmlns:p="http://schemas.openxmlformats.org/presentationml/2006/main" matchingName="Title slide" type="title">
   <p:cSld name="TITLE">
     <p:bg>
       <p:bgPr>
         <a:solidFill>
           <a:schemeClr val="dk1"/>
         </a:solidFill>
+        <a:effectLst/>
       </p:bgPr>
     </p:bg>
     <p:spTree>
       <p:nvGrpSpPr>
-        <p:cNvPr id="9" name="Shape 9"/>
+        <p:cNvPr id="1" name="Shape 9"/>
         <p:cNvGrpSpPr/>
         <p:nvPr/>
       </p:nvGrpSpPr>
@@ -1233,21 +1274,23 @@
             <a:avLst/>
           </a:prstGeom>
           <a:noFill/>
-          <a:ln cap="flat" cmpd="sng" w="19050">
+          <a:ln w="19050" cap="flat" cmpd="sng">
             <a:solidFill>
               <a:schemeClr val="lt2"/>
             </a:solidFill>
             <a:prstDash val="solid"/>
             <a:round/>
-            <a:headEnd len="sm" w="sm" type="none"/>
-            <a:tailEnd len="sm" w="sm" type="none"/>
+            <a:headEnd type="none" w="sm" len="sm"/>
+            <a:tailEnd type="none" w="sm" len="sm"/>
           </a:ln>
         </p:spPr>
       </p:cxnSp>
       <p:sp>
         <p:nvSpPr>
           <p:cNvPr id="11" name="Google Shape;11;p2"/>
-          <p:cNvSpPr txBox="1"/>
+          <p:cNvSpPr txBox="1">
+            <a:spLocks noGrp="1"/>
+          </p:cNvSpPr>
           <p:nvPr>
             <p:ph type="ctrTitle"/>
           </p:nvPr>
@@ -1262,7 +1305,7 @@
           </a:prstGeom>
         </p:spPr>
         <p:txBody>
-          <a:bodyPr anchorCtr="0" anchor="b" bIns="91425" lIns="91425" spcFirstLastPara="1" rIns="91425" wrap="square" tIns="91425">
+          <a:bodyPr spcFirstLastPara="1" wrap="square" lIns="91425" tIns="91425" rIns="91425" bIns="91425" anchor="b" anchorCtr="0">
             <a:normAutofit/>
           </a:bodyPr>
           <a:lstStyle>
@@ -1429,15 +1472,19 @@
               </a:defRPr>
             </a:lvl9pPr>
           </a:lstStyle>
-          <a:p/>
+          <a:p>
+            <a:endParaRPr/>
+          </a:p>
         </p:txBody>
       </p:sp>
       <p:sp>
         <p:nvSpPr>
           <p:cNvPr id="12" name="Google Shape;12;p2"/>
-          <p:cNvSpPr txBox="1"/>
+          <p:cNvSpPr txBox="1">
+            <a:spLocks noGrp="1"/>
+          </p:cNvSpPr>
           <p:nvPr>
-            <p:ph idx="1" type="subTitle"/>
+            <p:ph type="subTitle" idx="1"/>
           </p:nvPr>
         </p:nvSpPr>
         <p:spPr>
@@ -1450,7 +1497,7 @@
           </a:prstGeom>
         </p:spPr>
         <p:txBody>
-          <a:bodyPr anchorCtr="0" anchor="t" bIns="91425" lIns="91425" spcFirstLastPara="1" rIns="91425" wrap="square" tIns="91425">
+          <a:bodyPr spcFirstLastPara="1" wrap="square" lIns="91425" tIns="91425" rIns="91425" bIns="91425" anchor="t" anchorCtr="0">
             <a:normAutofit/>
           </a:bodyPr>
           <a:lstStyle>
@@ -1644,15 +1691,19 @@
               </a:defRPr>
             </a:lvl9pPr>
           </a:lstStyle>
-          <a:p/>
+          <a:p>
+            <a:endParaRPr/>
+          </a:p>
         </p:txBody>
       </p:sp>
       <p:sp>
         <p:nvSpPr>
           <p:cNvPr id="13" name="Google Shape;13;p2"/>
-          <p:cNvSpPr txBox="1"/>
+          <p:cNvSpPr txBox="1">
+            <a:spLocks noGrp="1"/>
+          </p:cNvSpPr>
           <p:nvPr>
-            <p:ph idx="12" type="sldNum"/>
+            <p:ph type="sldNum" idx="12"/>
           </p:nvPr>
         </p:nvSpPr>
         <p:spPr>
@@ -1665,7 +1716,7 @@
           </a:prstGeom>
         </p:spPr>
         <p:txBody>
-          <a:bodyPr anchorCtr="0" anchor="ctr" bIns="91425" lIns="91425" spcFirstLastPara="1" rIns="91425" wrap="square" tIns="91425">
+          <a:bodyPr spcFirstLastPara="1" wrap="square" lIns="91425" tIns="91425" rIns="91425" bIns="91425" anchor="ctr" anchorCtr="0">
             <a:normAutofit/>
           </a:bodyPr>
           <a:lstStyle>
@@ -1743,7 +1794,7 @@
             </a:lvl9pPr>
           </a:lstStyle>
           <a:p>
-            <a:pPr indent="0" lvl="0" marL="0" rtl="0" algn="r">
+            <a:pPr marL="0" lvl="0" indent="0" algn="r" rtl="0">
               <a:spcBef>
                 <a:spcPts val="0"/>
               </a:spcBef>
@@ -1769,11 +1820,11 @@
 </file>
 
 <file path=ppt/slideLayouts/slideLayout10.xml><?xml version="1.0" encoding="utf-8"?>
-<p:sldLayout xmlns:a="http://schemas.openxmlformats.org/drawingml/2006/main" xmlns:r="http://schemas.openxmlformats.org/officeDocument/2006/relationships" xmlns:mc="http://schemas.openxmlformats.org/markup-compatibility/2006" xmlns:mv="urn:schemas-microsoft-com:mac:vml" xmlns:p="http://schemas.openxmlformats.org/presentationml/2006/main" xmlns:c="http://schemas.openxmlformats.org/drawingml/2006/chart" xmlns:dgm="http://schemas.openxmlformats.org/drawingml/2006/diagram" xmlns:o="urn:schemas-microsoft-com:office:office" xmlns:v="urn:schemas-microsoft-com:vml" xmlns:pvml="urn:schemas-microsoft-com:office:powerpoint" xmlns:com="http://schemas.openxmlformats.org/drawingml/2006/compatibility" xmlns:p14="http://schemas.microsoft.com/office/powerpoint/2010/main" xmlns:p15="http://schemas.microsoft.com/office/powerpoint/2012/main" xmlns:ahyp="http://schemas.microsoft.com/office/drawing/2018/hyperlinkcolor" matchingName="Big number">
+<p:sldLayout xmlns:a="http://schemas.openxmlformats.org/drawingml/2006/main" xmlns:r="http://schemas.openxmlformats.org/officeDocument/2006/relationships" xmlns:p="http://schemas.openxmlformats.org/presentationml/2006/main" matchingName="Big number">
   <p:cSld name="BIG_NUMBER">
     <p:spTree>
       <p:nvGrpSpPr>
-        <p:cNvPr id="48" name="Shape 48"/>
+        <p:cNvPr id="1" name="Shape 48"/>
         <p:cNvGrpSpPr/>
         <p:nvPr/>
       </p:nvGrpSpPr>
@@ -1807,12 +1858,12 @@
           </a:ln>
         </p:spPr>
         <p:txBody>
-          <a:bodyPr anchorCtr="0" anchor="ctr" bIns="91425" lIns="91425" spcFirstLastPara="1" rIns="91425" wrap="square" tIns="91425">
+          <a:bodyPr spcFirstLastPara="1" wrap="square" lIns="91425" tIns="91425" rIns="91425" bIns="91425" anchor="ctr" anchorCtr="0">
             <a:noAutofit/>
           </a:bodyPr>
           <a:lstStyle/>
           <a:p>
-            <a:pPr indent="0" lvl="0" marL="0" rtl="0" algn="l">
+            <a:pPr marL="0" lvl="0" indent="0" algn="l" rtl="0">
               <a:spcBef>
                 <a:spcPts val="0"/>
               </a:spcBef>
@@ -1821,9 +1872,6 @@
               </a:spcAft>
               <a:buNone/>
             </a:pPr>
-            <a:r>
-              <a:t/>
-            </a:r>
             <a:endParaRPr/>
           </a:p>
         </p:txBody>
@@ -1831,9 +1879,11 @@
       <p:sp>
         <p:nvSpPr>
           <p:cNvPr id="50" name="Google Shape;50;p11"/>
-          <p:cNvSpPr txBox="1"/>
+          <p:cNvSpPr txBox="1">
+            <a:spLocks noGrp="1"/>
+          </p:cNvSpPr>
           <p:nvPr>
-            <p:ph hasCustomPrompt="1" type="title"/>
+            <p:ph type="title" hasCustomPrompt="1"/>
           </p:nvPr>
         </p:nvSpPr>
         <p:spPr>
@@ -1846,7 +1896,7 @@
           </a:prstGeom>
         </p:spPr>
         <p:txBody>
-          <a:bodyPr anchorCtr="0" anchor="ctr" bIns="91425" lIns="91425" spcFirstLastPara="1" rIns="91425" wrap="square" tIns="91425">
+          <a:bodyPr spcFirstLastPara="1" wrap="square" lIns="91425" tIns="91425" rIns="91425" bIns="91425" anchor="ctr" anchorCtr="0">
             <a:normAutofit/>
           </a:bodyPr>
           <a:lstStyle>
@@ -1859,7 +1909,7 @@
               </a:spcAft>
               <a:buSzPts val="14000"/>
               <a:buNone/>
-              <a:defRPr b="1" sz="14000"/>
+              <a:defRPr sz="14000" b="1"/>
             </a:lvl1pPr>
             <a:lvl2pPr lvl="1" algn="ctr">
               <a:spcBef>
@@ -1870,7 +1920,7 @@
               </a:spcAft>
               <a:buSzPts val="14000"/>
               <a:buNone/>
-              <a:defRPr b="1" sz="14000"/>
+              <a:defRPr sz="14000" b="1"/>
             </a:lvl2pPr>
             <a:lvl3pPr lvl="2" algn="ctr">
               <a:spcBef>
@@ -1881,7 +1931,7 @@
               </a:spcAft>
               <a:buSzPts val="14000"/>
               <a:buNone/>
-              <a:defRPr b="1" sz="14000"/>
+              <a:defRPr sz="14000" b="1"/>
             </a:lvl3pPr>
             <a:lvl4pPr lvl="3" algn="ctr">
               <a:spcBef>
@@ -1892,7 +1942,7 @@
               </a:spcAft>
               <a:buSzPts val="14000"/>
               <a:buNone/>
-              <a:defRPr b="1" sz="14000"/>
+              <a:defRPr sz="14000" b="1"/>
             </a:lvl4pPr>
             <a:lvl5pPr lvl="4" algn="ctr">
               <a:spcBef>
@@ -1903,7 +1953,7 @@
               </a:spcAft>
               <a:buSzPts val="14000"/>
               <a:buNone/>
-              <a:defRPr b="1" sz="14000"/>
+              <a:defRPr sz="14000" b="1"/>
             </a:lvl5pPr>
             <a:lvl6pPr lvl="5" algn="ctr">
               <a:spcBef>
@@ -1914,7 +1964,7 @@
               </a:spcAft>
               <a:buSzPts val="14000"/>
               <a:buNone/>
-              <a:defRPr b="1" sz="14000"/>
+              <a:defRPr sz="14000" b="1"/>
             </a:lvl6pPr>
             <a:lvl7pPr lvl="6" algn="ctr">
               <a:spcBef>
@@ -1925,7 +1975,7 @@
               </a:spcAft>
               <a:buSzPts val="14000"/>
               <a:buNone/>
-              <a:defRPr b="1" sz="14000"/>
+              <a:defRPr sz="14000" b="1"/>
             </a:lvl7pPr>
             <a:lvl8pPr lvl="7" algn="ctr">
               <a:spcBef>
@@ -1936,7 +1986,7 @@
               </a:spcAft>
               <a:buSzPts val="14000"/>
               <a:buNone/>
-              <a:defRPr b="1" sz="14000"/>
+              <a:defRPr sz="14000" b="1"/>
             </a:lvl8pPr>
             <a:lvl9pPr lvl="8" algn="ctr">
               <a:spcBef>
@@ -1947,7 +1997,7 @@
               </a:spcAft>
               <a:buSzPts val="14000"/>
               <a:buNone/>
-              <a:defRPr b="1" sz="14000"/>
+              <a:defRPr sz="14000" b="1"/>
             </a:lvl9pPr>
           </a:lstStyle>
           <a:p>
@@ -1960,9 +2010,11 @@
       <p:sp>
         <p:nvSpPr>
           <p:cNvPr id="51" name="Google Shape;51;p11"/>
-          <p:cNvSpPr txBox="1"/>
+          <p:cNvSpPr txBox="1">
+            <a:spLocks noGrp="1"/>
+          </p:cNvSpPr>
           <p:nvPr>
-            <p:ph idx="1" type="body"/>
+            <p:ph type="body" idx="1"/>
           </p:nvPr>
         </p:nvSpPr>
         <p:spPr>
@@ -1975,11 +2027,11 @@
           </a:prstGeom>
         </p:spPr>
         <p:txBody>
-          <a:bodyPr anchorCtr="0" anchor="t" bIns="91425" lIns="91425" spcFirstLastPara="1" rIns="91425" wrap="square" tIns="91425">
+          <a:bodyPr spcFirstLastPara="1" wrap="square" lIns="91425" tIns="91425" rIns="91425" bIns="91425" anchor="t" anchorCtr="0">
             <a:normAutofit/>
           </a:bodyPr>
           <a:lstStyle>
-            <a:lvl1pPr indent="-342900" lvl="0" marL="457200" algn="ctr">
+            <a:lvl1pPr marL="457200" lvl="0" indent="-342900" algn="ctr">
               <a:spcBef>
                 <a:spcPts val="0"/>
               </a:spcBef>
@@ -1990,7 +2042,7 @@
               <a:buChar char="●"/>
               <a:defRPr/>
             </a:lvl1pPr>
-            <a:lvl2pPr indent="-317500" lvl="1" marL="914400" algn="ctr">
+            <a:lvl2pPr marL="914400" lvl="1" indent="-317500" algn="ctr">
               <a:spcBef>
                 <a:spcPts val="0"/>
               </a:spcBef>
@@ -2001,7 +2053,7 @@
               <a:buChar char="○"/>
               <a:defRPr/>
             </a:lvl2pPr>
-            <a:lvl3pPr indent="-317500" lvl="2" marL="1371600" algn="ctr">
+            <a:lvl3pPr marL="1371600" lvl="2" indent="-317500" algn="ctr">
               <a:spcBef>
                 <a:spcPts val="0"/>
               </a:spcBef>
@@ -2012,7 +2064,7 @@
               <a:buChar char="■"/>
               <a:defRPr/>
             </a:lvl3pPr>
-            <a:lvl4pPr indent="-317500" lvl="3" marL="1828800" algn="ctr">
+            <a:lvl4pPr marL="1828800" lvl="3" indent="-317500" algn="ctr">
               <a:spcBef>
                 <a:spcPts val="0"/>
               </a:spcBef>
@@ -2023,7 +2075,7 @@
               <a:buChar char="●"/>
               <a:defRPr/>
             </a:lvl4pPr>
-            <a:lvl5pPr indent="-317500" lvl="4" marL="2286000" algn="ctr">
+            <a:lvl5pPr marL="2286000" lvl="4" indent="-317500" algn="ctr">
               <a:spcBef>
                 <a:spcPts val="0"/>
               </a:spcBef>
@@ -2034,7 +2086,7 @@
               <a:buChar char="○"/>
               <a:defRPr/>
             </a:lvl5pPr>
-            <a:lvl6pPr indent="-317500" lvl="5" marL="2743200" algn="ctr">
+            <a:lvl6pPr marL="2743200" lvl="5" indent="-317500" algn="ctr">
               <a:spcBef>
                 <a:spcPts val="0"/>
               </a:spcBef>
@@ -2045,7 +2097,7 @@
               <a:buChar char="■"/>
               <a:defRPr/>
             </a:lvl6pPr>
-            <a:lvl7pPr indent="-317500" lvl="6" marL="3200400" algn="ctr">
+            <a:lvl7pPr marL="3200400" lvl="6" indent="-317500" algn="ctr">
               <a:spcBef>
                 <a:spcPts val="0"/>
               </a:spcBef>
@@ -2056,7 +2108,7 @@
               <a:buChar char="●"/>
               <a:defRPr/>
             </a:lvl7pPr>
-            <a:lvl8pPr indent="-317500" lvl="7" marL="3657600" algn="ctr">
+            <a:lvl8pPr marL="3657600" lvl="7" indent="-317500" algn="ctr">
               <a:spcBef>
                 <a:spcPts val="0"/>
               </a:spcBef>
@@ -2067,7 +2119,7 @@
               <a:buChar char="○"/>
               <a:defRPr/>
             </a:lvl8pPr>
-            <a:lvl9pPr indent="-317500" lvl="8" marL="4114800" algn="ctr">
+            <a:lvl9pPr marL="4114800" lvl="8" indent="-317500" algn="ctr">
               <a:spcBef>
                 <a:spcPts val="0"/>
               </a:spcBef>
@@ -2079,15 +2131,19 @@
               <a:defRPr/>
             </a:lvl9pPr>
           </a:lstStyle>
-          <a:p/>
+          <a:p>
+            <a:endParaRPr/>
+          </a:p>
         </p:txBody>
       </p:sp>
       <p:sp>
         <p:nvSpPr>
           <p:cNvPr id="52" name="Google Shape;52;p11"/>
-          <p:cNvSpPr txBox="1"/>
+          <p:cNvSpPr txBox="1">
+            <a:spLocks noGrp="1"/>
+          </p:cNvSpPr>
           <p:nvPr>
-            <p:ph idx="12" type="sldNum"/>
+            <p:ph type="sldNum" idx="12"/>
           </p:nvPr>
         </p:nvSpPr>
         <p:spPr>
@@ -2100,7 +2156,7 @@
           </a:prstGeom>
         </p:spPr>
         <p:txBody>
-          <a:bodyPr anchorCtr="0" anchor="ctr" bIns="91425" lIns="91425" spcFirstLastPara="1" rIns="91425" wrap="square" tIns="91425">
+          <a:bodyPr spcFirstLastPara="1" wrap="square" lIns="91425" tIns="91425" rIns="91425" bIns="91425" anchor="ctr" anchorCtr="0">
             <a:normAutofit/>
           </a:bodyPr>
           <a:lstStyle>
@@ -2142,7 +2198,7 @@
             </a:lvl9pPr>
           </a:lstStyle>
           <a:p>
-            <a:pPr indent="0" lvl="0" marL="0" rtl="0" algn="r">
+            <a:pPr marL="0" lvl="0" indent="0" algn="r" rtl="0">
               <a:spcBef>
                 <a:spcPts val="0"/>
               </a:spcBef>
@@ -2168,11 +2224,11 @@
 </file>
 
 <file path=ppt/slideLayouts/slideLayout11.xml><?xml version="1.0" encoding="utf-8"?>
-<p:sldLayout xmlns:a="http://schemas.openxmlformats.org/drawingml/2006/main" xmlns:r="http://schemas.openxmlformats.org/officeDocument/2006/relationships" xmlns:mc="http://schemas.openxmlformats.org/markup-compatibility/2006" xmlns:mv="urn:schemas-microsoft-com:mac:vml" xmlns:p="http://schemas.openxmlformats.org/presentationml/2006/main" xmlns:c="http://schemas.openxmlformats.org/drawingml/2006/chart" xmlns:dgm="http://schemas.openxmlformats.org/drawingml/2006/diagram" xmlns:o="urn:schemas-microsoft-com:office:office" xmlns:v="urn:schemas-microsoft-com:vml" xmlns:pvml="urn:schemas-microsoft-com:office:powerpoint" xmlns:com="http://schemas.openxmlformats.org/drawingml/2006/compatibility" xmlns:p14="http://schemas.microsoft.com/office/powerpoint/2010/main" xmlns:p15="http://schemas.microsoft.com/office/powerpoint/2012/main" xmlns:ahyp="http://schemas.microsoft.com/office/drawing/2018/hyperlinkcolor" matchingName="Blank" type="blank">
+<p:sldLayout xmlns:a="http://schemas.openxmlformats.org/drawingml/2006/main" xmlns:r="http://schemas.openxmlformats.org/officeDocument/2006/relationships" xmlns:p="http://schemas.openxmlformats.org/presentationml/2006/main" matchingName="Blank" type="blank">
   <p:cSld name="BLANK">
     <p:spTree>
       <p:nvGrpSpPr>
-        <p:cNvPr id="53" name="Shape 53"/>
+        <p:cNvPr id="1" name="Shape 53"/>
         <p:cNvGrpSpPr/>
         <p:nvPr/>
       </p:nvGrpSpPr>
@@ -2187,9 +2243,11 @@
       <p:sp>
         <p:nvSpPr>
           <p:cNvPr id="54" name="Google Shape;54;p12"/>
-          <p:cNvSpPr txBox="1"/>
+          <p:cNvSpPr txBox="1">
+            <a:spLocks noGrp="1"/>
+          </p:cNvSpPr>
           <p:nvPr>
-            <p:ph idx="12" type="sldNum"/>
+            <p:ph type="sldNum" idx="12"/>
           </p:nvPr>
         </p:nvSpPr>
         <p:spPr>
@@ -2202,7 +2260,7 @@
           </a:prstGeom>
         </p:spPr>
         <p:txBody>
-          <a:bodyPr anchorCtr="0" anchor="ctr" bIns="91425" lIns="91425" spcFirstLastPara="1" rIns="91425" wrap="square" tIns="91425">
+          <a:bodyPr spcFirstLastPara="1" wrap="square" lIns="91425" tIns="91425" rIns="91425" bIns="91425" anchor="ctr" anchorCtr="0">
             <a:normAutofit/>
           </a:bodyPr>
           <a:lstStyle>
@@ -2244,7 +2302,7 @@
             </a:lvl9pPr>
           </a:lstStyle>
           <a:p>
-            <a:pPr indent="0" lvl="0" marL="0" rtl="0" algn="r">
+            <a:pPr marL="0" lvl="0" indent="0" algn="r" rtl="0">
               <a:spcBef>
                 <a:spcPts val="0"/>
               </a:spcBef>
@@ -2270,18 +2328,19 @@
 </file>
 
 <file path=ppt/slideLayouts/slideLayout2.xml><?xml version="1.0" encoding="utf-8"?>
-<p:sldLayout xmlns:a="http://schemas.openxmlformats.org/drawingml/2006/main" xmlns:r="http://schemas.openxmlformats.org/officeDocument/2006/relationships" xmlns:mc="http://schemas.openxmlformats.org/markup-compatibility/2006" xmlns:mv="urn:schemas-microsoft-com:mac:vml" xmlns:p="http://schemas.openxmlformats.org/presentationml/2006/main" xmlns:c="http://schemas.openxmlformats.org/drawingml/2006/chart" xmlns:dgm="http://schemas.openxmlformats.org/drawingml/2006/diagram" xmlns:o="urn:schemas-microsoft-com:office:office" xmlns:v="urn:schemas-microsoft-com:vml" xmlns:pvml="urn:schemas-microsoft-com:office:powerpoint" xmlns:com="http://schemas.openxmlformats.org/drawingml/2006/compatibility" xmlns:p14="http://schemas.microsoft.com/office/powerpoint/2010/main" xmlns:p15="http://schemas.microsoft.com/office/powerpoint/2012/main" xmlns:ahyp="http://schemas.microsoft.com/office/drawing/2018/hyperlinkcolor" matchingName="Section header" type="secHead">
+<p:sldLayout xmlns:a="http://schemas.openxmlformats.org/drawingml/2006/main" xmlns:r="http://schemas.openxmlformats.org/officeDocument/2006/relationships" xmlns:p="http://schemas.openxmlformats.org/presentationml/2006/main" matchingName="Section header" type="secHead">
   <p:cSld name="SECTION_HEADER">
     <p:bg>
       <p:bgPr>
         <a:solidFill>
           <a:schemeClr val="dk1"/>
         </a:solidFill>
+        <a:effectLst/>
       </p:bgPr>
     </p:bg>
     <p:spTree>
       <p:nvGrpSpPr>
-        <p:cNvPr id="14" name="Shape 14"/>
+        <p:cNvPr id="1" name="Shape 14"/>
         <p:cNvGrpSpPr/>
         <p:nvPr/>
       </p:nvGrpSpPr>
@@ -2308,21 +2367,23 @@
             <a:avLst/>
           </a:prstGeom>
           <a:noFill/>
-          <a:ln cap="flat" cmpd="sng" w="19050">
+          <a:ln w="19050" cap="flat" cmpd="sng">
             <a:solidFill>
               <a:schemeClr val="lt2"/>
             </a:solidFill>
             <a:prstDash val="solid"/>
             <a:round/>
-            <a:headEnd len="sm" w="sm" type="none"/>
-            <a:tailEnd len="sm" w="sm" type="none"/>
+            <a:headEnd type="none" w="sm" len="sm"/>
+            <a:tailEnd type="none" w="sm" len="sm"/>
           </a:ln>
         </p:spPr>
       </p:cxnSp>
       <p:sp>
         <p:nvSpPr>
           <p:cNvPr id="16" name="Google Shape;16;p3"/>
-          <p:cNvSpPr txBox="1"/>
+          <p:cNvSpPr txBox="1">
+            <a:spLocks noGrp="1"/>
+          </p:cNvSpPr>
           <p:nvPr>
             <p:ph type="title"/>
           </p:nvPr>
@@ -2337,7 +2398,7 @@
           </a:prstGeom>
         </p:spPr>
         <p:txBody>
-          <a:bodyPr anchorCtr="0" anchor="b" bIns="91425" lIns="91425" spcFirstLastPara="1" rIns="91425" wrap="square" tIns="91425">
+          <a:bodyPr spcFirstLastPara="1" wrap="square" lIns="91425" tIns="91425" rIns="91425" bIns="91425" anchor="b" anchorCtr="0">
             <a:normAutofit/>
           </a:bodyPr>
           <a:lstStyle>
@@ -2504,15 +2565,19 @@
               </a:defRPr>
             </a:lvl9pPr>
           </a:lstStyle>
-          <a:p/>
+          <a:p>
+            <a:endParaRPr/>
+          </a:p>
         </p:txBody>
       </p:sp>
       <p:sp>
         <p:nvSpPr>
           <p:cNvPr id="17" name="Google Shape;17;p3"/>
-          <p:cNvSpPr txBox="1"/>
+          <p:cNvSpPr txBox="1">
+            <a:spLocks noGrp="1"/>
+          </p:cNvSpPr>
           <p:nvPr>
-            <p:ph idx="12" type="sldNum"/>
+            <p:ph type="sldNum" idx="12"/>
           </p:nvPr>
         </p:nvSpPr>
         <p:spPr>
@@ -2525,7 +2590,7 @@
           </a:prstGeom>
         </p:spPr>
         <p:txBody>
-          <a:bodyPr anchorCtr="0" anchor="ctr" bIns="91425" lIns="91425" spcFirstLastPara="1" rIns="91425" wrap="square" tIns="91425">
+          <a:bodyPr spcFirstLastPara="1" wrap="square" lIns="91425" tIns="91425" rIns="91425" bIns="91425" anchor="ctr" anchorCtr="0">
             <a:normAutofit/>
           </a:bodyPr>
           <a:lstStyle>
@@ -2603,7 +2668,7 @@
             </a:lvl9pPr>
           </a:lstStyle>
           <a:p>
-            <a:pPr indent="0" lvl="0" marL="0" rtl="0" algn="r">
+            <a:pPr marL="0" lvl="0" indent="0" algn="r" rtl="0">
               <a:spcBef>
                 <a:spcPts val="0"/>
               </a:spcBef>
@@ -2629,11 +2694,11 @@
 </file>
 
 <file path=ppt/slideLayouts/slideLayout3.xml><?xml version="1.0" encoding="utf-8"?>
-<p:sldLayout xmlns:a="http://schemas.openxmlformats.org/drawingml/2006/main" xmlns:r="http://schemas.openxmlformats.org/officeDocument/2006/relationships" xmlns:mc="http://schemas.openxmlformats.org/markup-compatibility/2006" xmlns:mv="urn:schemas-microsoft-com:mac:vml" xmlns:p="http://schemas.openxmlformats.org/presentationml/2006/main" xmlns:c="http://schemas.openxmlformats.org/drawingml/2006/chart" xmlns:dgm="http://schemas.openxmlformats.org/drawingml/2006/diagram" xmlns:o="urn:schemas-microsoft-com:office:office" xmlns:v="urn:schemas-microsoft-com:vml" xmlns:pvml="urn:schemas-microsoft-com:office:powerpoint" xmlns:com="http://schemas.openxmlformats.org/drawingml/2006/compatibility" xmlns:p14="http://schemas.microsoft.com/office/powerpoint/2010/main" xmlns:p15="http://schemas.microsoft.com/office/powerpoint/2012/main" xmlns:ahyp="http://schemas.microsoft.com/office/drawing/2018/hyperlinkcolor" matchingName="Title and body" type="tx">
+<p:sldLayout xmlns:a="http://schemas.openxmlformats.org/drawingml/2006/main" xmlns:r="http://schemas.openxmlformats.org/officeDocument/2006/relationships" xmlns:p="http://schemas.openxmlformats.org/presentationml/2006/main" matchingName="Title and body" type="tx">
   <p:cSld name="TITLE_AND_BODY">
     <p:spTree>
       <p:nvGrpSpPr>
-        <p:cNvPr id="18" name="Shape 18"/>
+        <p:cNvPr id="1" name="Shape 18"/>
         <p:cNvGrpSpPr/>
         <p:nvPr/>
       </p:nvGrpSpPr>
@@ -2667,12 +2732,12 @@
           </a:ln>
         </p:spPr>
         <p:txBody>
-          <a:bodyPr anchorCtr="0" anchor="ctr" bIns="91425" lIns="91425" spcFirstLastPara="1" rIns="91425" wrap="square" tIns="91425">
+          <a:bodyPr spcFirstLastPara="1" wrap="square" lIns="91425" tIns="91425" rIns="91425" bIns="91425" anchor="ctr" anchorCtr="0">
             <a:noAutofit/>
           </a:bodyPr>
           <a:lstStyle/>
           <a:p>
-            <a:pPr indent="0" lvl="0" marL="0" rtl="0" algn="l">
+            <a:pPr marL="0" lvl="0" indent="0" algn="l" rtl="0">
               <a:spcBef>
                 <a:spcPts val="0"/>
               </a:spcBef>
@@ -2681,9 +2746,6 @@
               </a:spcAft>
               <a:buNone/>
             </a:pPr>
-            <a:r>
-              <a:t/>
-            </a:r>
             <a:endParaRPr/>
           </a:p>
         </p:txBody>
@@ -2691,7 +2753,9 @@
       <p:sp>
         <p:nvSpPr>
           <p:cNvPr id="20" name="Google Shape;20;p4"/>
-          <p:cNvSpPr txBox="1"/>
+          <p:cNvSpPr txBox="1">
+            <a:spLocks noGrp="1"/>
+          </p:cNvSpPr>
           <p:nvPr>
             <p:ph type="title"/>
           </p:nvPr>
@@ -2706,7 +2770,7 @@
           </a:prstGeom>
         </p:spPr>
         <p:txBody>
-          <a:bodyPr anchorCtr="0" anchor="t" bIns="91425" lIns="91425" spcFirstLastPara="1" rIns="91425" wrap="square" tIns="91425">
+          <a:bodyPr spcFirstLastPara="1" wrap="square" lIns="91425" tIns="91425" rIns="91425" bIns="91425" anchor="t" anchorCtr="0">
             <a:normAutofit/>
           </a:bodyPr>
           <a:lstStyle>
@@ -2810,15 +2874,19 @@
               <a:defRPr/>
             </a:lvl9pPr>
           </a:lstStyle>
-          <a:p/>
+          <a:p>
+            <a:endParaRPr/>
+          </a:p>
         </p:txBody>
       </p:sp>
       <p:sp>
         <p:nvSpPr>
           <p:cNvPr id="21" name="Google Shape;21;p4"/>
-          <p:cNvSpPr txBox="1"/>
+          <p:cNvSpPr txBox="1">
+            <a:spLocks noGrp="1"/>
+          </p:cNvSpPr>
           <p:nvPr>
-            <p:ph idx="1" type="body"/>
+            <p:ph type="body" idx="1"/>
           </p:nvPr>
         </p:nvSpPr>
         <p:spPr>
@@ -2831,11 +2899,11 @@
           </a:prstGeom>
         </p:spPr>
         <p:txBody>
-          <a:bodyPr anchorCtr="0" anchor="t" bIns="91425" lIns="91425" spcFirstLastPara="1" rIns="91425" wrap="square" tIns="91425">
+          <a:bodyPr spcFirstLastPara="1" wrap="square" lIns="91425" tIns="91425" rIns="91425" bIns="91425" anchor="t" anchorCtr="0">
             <a:normAutofit/>
           </a:bodyPr>
           <a:lstStyle>
-            <a:lvl1pPr indent="-342900" lvl="0" marL="457200">
+            <a:lvl1pPr marL="457200" lvl="0" indent="-342900">
               <a:spcBef>
                 <a:spcPts val="0"/>
               </a:spcBef>
@@ -2846,7 +2914,7 @@
               <a:buChar char="●"/>
               <a:defRPr/>
             </a:lvl1pPr>
-            <a:lvl2pPr indent="-317500" lvl="1" marL="914400">
+            <a:lvl2pPr marL="914400" lvl="1" indent="-317500">
               <a:spcBef>
                 <a:spcPts val="0"/>
               </a:spcBef>
@@ -2857,7 +2925,7 @@
               <a:buChar char="○"/>
               <a:defRPr/>
             </a:lvl2pPr>
-            <a:lvl3pPr indent="-317500" lvl="2" marL="1371600">
+            <a:lvl3pPr marL="1371600" lvl="2" indent="-317500">
               <a:spcBef>
                 <a:spcPts val="0"/>
               </a:spcBef>
@@ -2868,7 +2936,7 @@
               <a:buChar char="■"/>
               <a:defRPr/>
             </a:lvl3pPr>
-            <a:lvl4pPr indent="-317500" lvl="3" marL="1828800">
+            <a:lvl4pPr marL="1828800" lvl="3" indent="-317500">
               <a:spcBef>
                 <a:spcPts val="0"/>
               </a:spcBef>
@@ -2879,7 +2947,7 @@
               <a:buChar char="●"/>
               <a:defRPr/>
             </a:lvl4pPr>
-            <a:lvl5pPr indent="-317500" lvl="4" marL="2286000">
+            <a:lvl5pPr marL="2286000" lvl="4" indent="-317500">
               <a:spcBef>
                 <a:spcPts val="0"/>
               </a:spcBef>
@@ -2890,7 +2958,7 @@
               <a:buChar char="○"/>
               <a:defRPr/>
             </a:lvl5pPr>
-            <a:lvl6pPr indent="-317500" lvl="5" marL="2743200">
+            <a:lvl6pPr marL="2743200" lvl="5" indent="-317500">
               <a:spcBef>
                 <a:spcPts val="0"/>
               </a:spcBef>
@@ -2901,7 +2969,7 @@
               <a:buChar char="■"/>
               <a:defRPr/>
             </a:lvl6pPr>
-            <a:lvl7pPr indent="-317500" lvl="6" marL="3200400">
+            <a:lvl7pPr marL="3200400" lvl="6" indent="-317500">
               <a:spcBef>
                 <a:spcPts val="0"/>
               </a:spcBef>
@@ -2912,7 +2980,7 @@
               <a:buChar char="●"/>
               <a:defRPr/>
             </a:lvl7pPr>
-            <a:lvl8pPr indent="-317500" lvl="7" marL="3657600">
+            <a:lvl8pPr marL="3657600" lvl="7" indent="-317500">
               <a:spcBef>
                 <a:spcPts val="0"/>
               </a:spcBef>
@@ -2923,7 +2991,7 @@
               <a:buChar char="○"/>
               <a:defRPr/>
             </a:lvl8pPr>
-            <a:lvl9pPr indent="-317500" lvl="8" marL="4114800">
+            <a:lvl9pPr marL="4114800" lvl="8" indent="-317500">
               <a:spcBef>
                 <a:spcPts val="0"/>
               </a:spcBef>
@@ -2935,15 +3003,19 @@
               <a:defRPr/>
             </a:lvl9pPr>
           </a:lstStyle>
-          <a:p/>
+          <a:p>
+            <a:endParaRPr/>
+          </a:p>
         </p:txBody>
       </p:sp>
       <p:sp>
         <p:nvSpPr>
           <p:cNvPr id="22" name="Google Shape;22;p4"/>
-          <p:cNvSpPr txBox="1"/>
+          <p:cNvSpPr txBox="1">
+            <a:spLocks noGrp="1"/>
+          </p:cNvSpPr>
           <p:nvPr>
-            <p:ph idx="12" type="sldNum"/>
+            <p:ph type="sldNum" idx="12"/>
           </p:nvPr>
         </p:nvSpPr>
         <p:spPr>
@@ -2956,7 +3028,7 @@
           </a:prstGeom>
         </p:spPr>
         <p:txBody>
-          <a:bodyPr anchorCtr="0" anchor="ctr" bIns="91425" lIns="91425" spcFirstLastPara="1" rIns="91425" wrap="square" tIns="91425">
+          <a:bodyPr spcFirstLastPara="1" wrap="square" lIns="91425" tIns="91425" rIns="91425" bIns="91425" anchor="ctr" anchorCtr="0">
             <a:normAutofit/>
           </a:bodyPr>
           <a:lstStyle>
@@ -2998,7 +3070,7 @@
             </a:lvl9pPr>
           </a:lstStyle>
           <a:p>
-            <a:pPr indent="0" lvl="0" marL="0" rtl="0" algn="r">
+            <a:pPr marL="0" lvl="0" indent="0" algn="r" rtl="0">
               <a:spcBef>
                 <a:spcPts val="0"/>
               </a:spcBef>
@@ -3024,11 +3096,11 @@
 </file>
 
 <file path=ppt/slideLayouts/slideLayout4.xml><?xml version="1.0" encoding="utf-8"?>
-<p:sldLayout xmlns:a="http://schemas.openxmlformats.org/drawingml/2006/main" xmlns:r="http://schemas.openxmlformats.org/officeDocument/2006/relationships" xmlns:mc="http://schemas.openxmlformats.org/markup-compatibility/2006" xmlns:mv="urn:schemas-microsoft-com:mac:vml" xmlns:p="http://schemas.openxmlformats.org/presentationml/2006/main" xmlns:c="http://schemas.openxmlformats.org/drawingml/2006/chart" xmlns:dgm="http://schemas.openxmlformats.org/drawingml/2006/diagram" xmlns:o="urn:schemas-microsoft-com:office:office" xmlns:v="urn:schemas-microsoft-com:vml" xmlns:pvml="urn:schemas-microsoft-com:office:powerpoint" xmlns:com="http://schemas.openxmlformats.org/drawingml/2006/compatibility" xmlns:p14="http://schemas.microsoft.com/office/powerpoint/2010/main" xmlns:p15="http://schemas.microsoft.com/office/powerpoint/2012/main" xmlns:ahyp="http://schemas.microsoft.com/office/drawing/2018/hyperlinkcolor" matchingName="Title and two columns" type="twoColTx">
+<p:sldLayout xmlns:a="http://schemas.openxmlformats.org/drawingml/2006/main" xmlns:r="http://schemas.openxmlformats.org/officeDocument/2006/relationships" xmlns:p="http://schemas.openxmlformats.org/presentationml/2006/main" matchingName="Title and two columns" type="twoColTx">
   <p:cSld name="TITLE_AND_TWO_COLUMNS">
     <p:spTree>
       <p:nvGrpSpPr>
-        <p:cNvPr id="23" name="Shape 23"/>
+        <p:cNvPr id="1" name="Shape 23"/>
         <p:cNvGrpSpPr/>
         <p:nvPr/>
       </p:nvGrpSpPr>
@@ -3043,7 +3115,9 @@
       <p:sp>
         <p:nvSpPr>
           <p:cNvPr id="24" name="Google Shape;24;p5"/>
-          <p:cNvSpPr txBox="1"/>
+          <p:cNvSpPr txBox="1">
+            <a:spLocks noGrp="1"/>
+          </p:cNvSpPr>
           <p:nvPr>
             <p:ph type="title"/>
           </p:nvPr>
@@ -3058,7 +3132,7 @@
           </a:prstGeom>
         </p:spPr>
         <p:txBody>
-          <a:bodyPr anchorCtr="0" anchor="t" bIns="91425" lIns="91425" spcFirstLastPara="1" rIns="91425" wrap="square" tIns="91425">
+          <a:bodyPr spcFirstLastPara="1" wrap="square" lIns="91425" tIns="91425" rIns="91425" bIns="91425" anchor="t" anchorCtr="0">
             <a:normAutofit/>
           </a:bodyPr>
           <a:lstStyle>
@@ -3162,15 +3236,19 @@
               <a:defRPr/>
             </a:lvl9pPr>
           </a:lstStyle>
-          <a:p/>
+          <a:p>
+            <a:endParaRPr/>
+          </a:p>
         </p:txBody>
       </p:sp>
       <p:sp>
         <p:nvSpPr>
           <p:cNvPr id="25" name="Google Shape;25;p5"/>
-          <p:cNvSpPr txBox="1"/>
+          <p:cNvSpPr txBox="1">
+            <a:spLocks noGrp="1"/>
+          </p:cNvSpPr>
           <p:nvPr>
-            <p:ph idx="1" type="body"/>
+            <p:ph type="body" idx="1"/>
           </p:nvPr>
         </p:nvSpPr>
         <p:spPr>
@@ -3183,11 +3261,11 @@
           </a:prstGeom>
         </p:spPr>
         <p:txBody>
-          <a:bodyPr anchorCtr="0" anchor="t" bIns="91425" lIns="91425" spcFirstLastPara="1" rIns="91425" wrap="square" tIns="91425">
+          <a:bodyPr spcFirstLastPara="1" wrap="square" lIns="91425" tIns="91425" rIns="91425" bIns="91425" anchor="t" anchorCtr="0">
             <a:normAutofit/>
           </a:bodyPr>
           <a:lstStyle>
-            <a:lvl1pPr indent="-317500" lvl="0" marL="457200">
+            <a:lvl1pPr marL="457200" lvl="0" indent="-317500">
               <a:spcBef>
                 <a:spcPts val="0"/>
               </a:spcBef>
@@ -3198,7 +3276,7 @@
               <a:buChar char="●"/>
               <a:defRPr sz="1400"/>
             </a:lvl1pPr>
-            <a:lvl2pPr indent="-304800" lvl="1" marL="914400">
+            <a:lvl2pPr marL="914400" lvl="1" indent="-304800">
               <a:spcBef>
                 <a:spcPts val="0"/>
               </a:spcBef>
@@ -3209,7 +3287,7 @@
               <a:buChar char="○"/>
               <a:defRPr sz="1200"/>
             </a:lvl2pPr>
-            <a:lvl3pPr indent="-304800" lvl="2" marL="1371600">
+            <a:lvl3pPr marL="1371600" lvl="2" indent="-304800">
               <a:spcBef>
                 <a:spcPts val="0"/>
               </a:spcBef>
@@ -3220,7 +3298,7 @@
               <a:buChar char="■"/>
               <a:defRPr sz="1200"/>
             </a:lvl3pPr>
-            <a:lvl4pPr indent="-304800" lvl="3" marL="1828800">
+            <a:lvl4pPr marL="1828800" lvl="3" indent="-304800">
               <a:spcBef>
                 <a:spcPts val="0"/>
               </a:spcBef>
@@ -3231,7 +3309,7 @@
               <a:buChar char="●"/>
               <a:defRPr sz="1200"/>
             </a:lvl4pPr>
-            <a:lvl5pPr indent="-304800" lvl="4" marL="2286000">
+            <a:lvl5pPr marL="2286000" lvl="4" indent="-304800">
               <a:spcBef>
                 <a:spcPts val="0"/>
               </a:spcBef>
@@ -3242,7 +3320,7 @@
               <a:buChar char="○"/>
               <a:defRPr sz="1200"/>
             </a:lvl5pPr>
-            <a:lvl6pPr indent="-304800" lvl="5" marL="2743200">
+            <a:lvl6pPr marL="2743200" lvl="5" indent="-304800">
               <a:spcBef>
                 <a:spcPts val="0"/>
               </a:spcBef>
@@ -3253,7 +3331,7 @@
               <a:buChar char="■"/>
               <a:defRPr sz="1200"/>
             </a:lvl6pPr>
-            <a:lvl7pPr indent="-304800" lvl="6" marL="3200400">
+            <a:lvl7pPr marL="3200400" lvl="6" indent="-304800">
               <a:spcBef>
                 <a:spcPts val="0"/>
               </a:spcBef>
@@ -3264,7 +3342,7 @@
               <a:buChar char="●"/>
               <a:defRPr sz="1200"/>
             </a:lvl7pPr>
-            <a:lvl8pPr indent="-304800" lvl="7" marL="3657600">
+            <a:lvl8pPr marL="3657600" lvl="7" indent="-304800">
               <a:spcBef>
                 <a:spcPts val="0"/>
               </a:spcBef>
@@ -3275,7 +3353,7 @@
               <a:buChar char="○"/>
               <a:defRPr sz="1200"/>
             </a:lvl8pPr>
-            <a:lvl9pPr indent="-304800" lvl="8" marL="4114800">
+            <a:lvl9pPr marL="4114800" lvl="8" indent="-304800">
               <a:spcBef>
                 <a:spcPts val="0"/>
               </a:spcBef>
@@ -3287,15 +3365,19 @@
               <a:defRPr sz="1200"/>
             </a:lvl9pPr>
           </a:lstStyle>
-          <a:p/>
+          <a:p>
+            <a:endParaRPr/>
+          </a:p>
         </p:txBody>
       </p:sp>
       <p:sp>
         <p:nvSpPr>
           <p:cNvPr id="26" name="Google Shape;26;p5"/>
-          <p:cNvSpPr txBox="1"/>
+          <p:cNvSpPr txBox="1">
+            <a:spLocks noGrp="1"/>
+          </p:cNvSpPr>
           <p:nvPr>
-            <p:ph idx="2" type="body"/>
+            <p:ph type="body" idx="2"/>
           </p:nvPr>
         </p:nvSpPr>
         <p:spPr>
@@ -3308,11 +3390,11 @@
           </a:prstGeom>
         </p:spPr>
         <p:txBody>
-          <a:bodyPr anchorCtr="0" anchor="t" bIns="91425" lIns="91425" spcFirstLastPara="1" rIns="91425" wrap="square" tIns="91425">
+          <a:bodyPr spcFirstLastPara="1" wrap="square" lIns="91425" tIns="91425" rIns="91425" bIns="91425" anchor="t" anchorCtr="0">
             <a:normAutofit/>
           </a:bodyPr>
           <a:lstStyle>
-            <a:lvl1pPr indent="-317500" lvl="0" marL="457200">
+            <a:lvl1pPr marL="457200" lvl="0" indent="-317500">
               <a:spcBef>
                 <a:spcPts val="0"/>
               </a:spcBef>
@@ -3323,7 +3405,7 @@
               <a:buChar char="●"/>
               <a:defRPr sz="1400"/>
             </a:lvl1pPr>
-            <a:lvl2pPr indent="-304800" lvl="1" marL="914400">
+            <a:lvl2pPr marL="914400" lvl="1" indent="-304800">
               <a:spcBef>
                 <a:spcPts val="0"/>
               </a:spcBef>
@@ -3334,7 +3416,7 @@
               <a:buChar char="○"/>
               <a:defRPr sz="1200"/>
             </a:lvl2pPr>
-            <a:lvl3pPr indent="-304800" lvl="2" marL="1371600">
+            <a:lvl3pPr marL="1371600" lvl="2" indent="-304800">
               <a:spcBef>
                 <a:spcPts val="0"/>
               </a:spcBef>
@@ -3345,7 +3427,7 @@
               <a:buChar char="■"/>
               <a:defRPr sz="1200"/>
             </a:lvl3pPr>
-            <a:lvl4pPr indent="-304800" lvl="3" marL="1828800">
+            <a:lvl4pPr marL="1828800" lvl="3" indent="-304800">
               <a:spcBef>
                 <a:spcPts val="0"/>
               </a:spcBef>
@@ -3356,7 +3438,7 @@
               <a:buChar char="●"/>
               <a:defRPr sz="1200"/>
             </a:lvl4pPr>
-            <a:lvl5pPr indent="-304800" lvl="4" marL="2286000">
+            <a:lvl5pPr marL="2286000" lvl="4" indent="-304800">
               <a:spcBef>
                 <a:spcPts val="0"/>
               </a:spcBef>
@@ -3367,7 +3449,7 @@
               <a:buChar char="○"/>
               <a:defRPr sz="1200"/>
             </a:lvl5pPr>
-            <a:lvl6pPr indent="-304800" lvl="5" marL="2743200">
+            <a:lvl6pPr marL="2743200" lvl="5" indent="-304800">
               <a:spcBef>
                 <a:spcPts val="0"/>
               </a:spcBef>
@@ -3378,7 +3460,7 @@
               <a:buChar char="■"/>
               <a:defRPr sz="1200"/>
             </a:lvl6pPr>
-            <a:lvl7pPr indent="-304800" lvl="6" marL="3200400">
+            <a:lvl7pPr marL="3200400" lvl="6" indent="-304800">
               <a:spcBef>
                 <a:spcPts val="0"/>
               </a:spcBef>
@@ -3389,7 +3471,7 @@
               <a:buChar char="●"/>
               <a:defRPr sz="1200"/>
             </a:lvl7pPr>
-            <a:lvl8pPr indent="-304800" lvl="7" marL="3657600">
+            <a:lvl8pPr marL="3657600" lvl="7" indent="-304800">
               <a:spcBef>
                 <a:spcPts val="0"/>
               </a:spcBef>
@@ -3400,7 +3482,7 @@
               <a:buChar char="○"/>
               <a:defRPr sz="1200"/>
             </a:lvl8pPr>
-            <a:lvl9pPr indent="-304800" lvl="8" marL="4114800">
+            <a:lvl9pPr marL="4114800" lvl="8" indent="-304800">
               <a:spcBef>
                 <a:spcPts val="0"/>
               </a:spcBef>
@@ -3412,15 +3494,19 @@
               <a:defRPr sz="1200"/>
             </a:lvl9pPr>
           </a:lstStyle>
-          <a:p/>
+          <a:p>
+            <a:endParaRPr/>
+          </a:p>
         </p:txBody>
       </p:sp>
       <p:sp>
         <p:nvSpPr>
           <p:cNvPr id="27" name="Google Shape;27;p5"/>
-          <p:cNvSpPr txBox="1"/>
+          <p:cNvSpPr txBox="1">
+            <a:spLocks noGrp="1"/>
+          </p:cNvSpPr>
           <p:nvPr>
-            <p:ph idx="12" type="sldNum"/>
+            <p:ph type="sldNum" idx="12"/>
           </p:nvPr>
         </p:nvSpPr>
         <p:spPr>
@@ -3433,7 +3519,7 @@
           </a:prstGeom>
         </p:spPr>
         <p:txBody>
-          <a:bodyPr anchorCtr="0" anchor="ctr" bIns="91425" lIns="91425" spcFirstLastPara="1" rIns="91425" wrap="square" tIns="91425">
+          <a:bodyPr spcFirstLastPara="1" wrap="square" lIns="91425" tIns="91425" rIns="91425" bIns="91425" anchor="ctr" anchorCtr="0">
             <a:normAutofit/>
           </a:bodyPr>
           <a:lstStyle>
@@ -3475,7 +3561,7 @@
             </a:lvl9pPr>
           </a:lstStyle>
           <a:p>
-            <a:pPr indent="0" lvl="0" marL="0" rtl="0" algn="r">
+            <a:pPr marL="0" lvl="0" indent="0" algn="r" rtl="0">
               <a:spcBef>
                 <a:spcPts val="0"/>
               </a:spcBef>
@@ -3501,11 +3587,11 @@
 </file>
 
 <file path=ppt/slideLayouts/slideLayout5.xml><?xml version="1.0" encoding="utf-8"?>
-<p:sldLayout xmlns:a="http://schemas.openxmlformats.org/drawingml/2006/main" xmlns:r="http://schemas.openxmlformats.org/officeDocument/2006/relationships" xmlns:mc="http://schemas.openxmlformats.org/markup-compatibility/2006" xmlns:mv="urn:schemas-microsoft-com:mac:vml" xmlns:p="http://schemas.openxmlformats.org/presentationml/2006/main" xmlns:c="http://schemas.openxmlformats.org/drawingml/2006/chart" xmlns:dgm="http://schemas.openxmlformats.org/drawingml/2006/diagram" xmlns:o="urn:schemas-microsoft-com:office:office" xmlns:v="urn:schemas-microsoft-com:vml" xmlns:pvml="urn:schemas-microsoft-com:office:powerpoint" xmlns:com="http://schemas.openxmlformats.org/drawingml/2006/compatibility" xmlns:p14="http://schemas.microsoft.com/office/powerpoint/2010/main" xmlns:p15="http://schemas.microsoft.com/office/powerpoint/2012/main" xmlns:ahyp="http://schemas.microsoft.com/office/drawing/2018/hyperlinkcolor" matchingName="Title only" type="titleOnly">
+<p:sldLayout xmlns:a="http://schemas.openxmlformats.org/drawingml/2006/main" xmlns:r="http://schemas.openxmlformats.org/officeDocument/2006/relationships" xmlns:p="http://schemas.openxmlformats.org/presentationml/2006/main" matchingName="Title only" type="titleOnly">
   <p:cSld name="TITLE_ONLY">
     <p:spTree>
       <p:nvGrpSpPr>
-        <p:cNvPr id="28" name="Shape 28"/>
+        <p:cNvPr id="1" name="Shape 28"/>
         <p:cNvGrpSpPr/>
         <p:nvPr/>
       </p:nvGrpSpPr>
@@ -3520,7 +3606,9 @@
       <p:sp>
         <p:nvSpPr>
           <p:cNvPr id="29" name="Google Shape;29;p6"/>
-          <p:cNvSpPr txBox="1"/>
+          <p:cNvSpPr txBox="1">
+            <a:spLocks noGrp="1"/>
+          </p:cNvSpPr>
           <p:nvPr>
             <p:ph type="title"/>
           </p:nvPr>
@@ -3535,7 +3623,7 @@
           </a:prstGeom>
         </p:spPr>
         <p:txBody>
-          <a:bodyPr anchorCtr="0" anchor="t" bIns="91425" lIns="91425" spcFirstLastPara="1" rIns="91425" wrap="square" tIns="91425">
+          <a:bodyPr spcFirstLastPara="1" wrap="square" lIns="91425" tIns="91425" rIns="91425" bIns="91425" anchor="t" anchorCtr="0">
             <a:normAutofit/>
           </a:bodyPr>
           <a:lstStyle>
@@ -3639,15 +3727,19 @@
               <a:defRPr/>
             </a:lvl9pPr>
           </a:lstStyle>
-          <a:p/>
+          <a:p>
+            <a:endParaRPr/>
+          </a:p>
         </p:txBody>
       </p:sp>
       <p:sp>
         <p:nvSpPr>
           <p:cNvPr id="30" name="Google Shape;30;p6"/>
-          <p:cNvSpPr txBox="1"/>
+          <p:cNvSpPr txBox="1">
+            <a:spLocks noGrp="1"/>
+          </p:cNvSpPr>
           <p:nvPr>
-            <p:ph idx="12" type="sldNum"/>
+            <p:ph type="sldNum" idx="12"/>
           </p:nvPr>
         </p:nvSpPr>
         <p:spPr>
@@ -3660,7 +3752,7 @@
           </a:prstGeom>
         </p:spPr>
         <p:txBody>
-          <a:bodyPr anchorCtr="0" anchor="ctr" bIns="91425" lIns="91425" spcFirstLastPara="1" rIns="91425" wrap="square" tIns="91425">
+          <a:bodyPr spcFirstLastPara="1" wrap="square" lIns="91425" tIns="91425" rIns="91425" bIns="91425" anchor="ctr" anchorCtr="0">
             <a:normAutofit/>
           </a:bodyPr>
           <a:lstStyle>
@@ -3702,7 +3794,7 @@
             </a:lvl9pPr>
           </a:lstStyle>
           <a:p>
-            <a:pPr indent="0" lvl="0" marL="0" rtl="0" algn="r">
+            <a:pPr marL="0" lvl="0" indent="0" algn="r" rtl="0">
               <a:spcBef>
                 <a:spcPts val="0"/>
               </a:spcBef>
@@ -3728,11 +3820,11 @@
 </file>
 
 <file path=ppt/slideLayouts/slideLayout6.xml><?xml version="1.0" encoding="utf-8"?>
-<p:sldLayout xmlns:a="http://schemas.openxmlformats.org/drawingml/2006/main" xmlns:r="http://schemas.openxmlformats.org/officeDocument/2006/relationships" xmlns:mc="http://schemas.openxmlformats.org/markup-compatibility/2006" xmlns:mv="urn:schemas-microsoft-com:mac:vml" xmlns:p="http://schemas.openxmlformats.org/presentationml/2006/main" xmlns:c="http://schemas.openxmlformats.org/drawingml/2006/chart" xmlns:dgm="http://schemas.openxmlformats.org/drawingml/2006/diagram" xmlns:o="urn:schemas-microsoft-com:office:office" xmlns:v="urn:schemas-microsoft-com:vml" xmlns:pvml="urn:schemas-microsoft-com:office:powerpoint" xmlns:com="http://schemas.openxmlformats.org/drawingml/2006/compatibility" xmlns:p14="http://schemas.microsoft.com/office/powerpoint/2010/main" xmlns:p15="http://schemas.microsoft.com/office/powerpoint/2012/main" xmlns:ahyp="http://schemas.microsoft.com/office/drawing/2018/hyperlinkcolor" matchingName="One column text">
+<p:sldLayout xmlns:a="http://schemas.openxmlformats.org/drawingml/2006/main" xmlns:r="http://schemas.openxmlformats.org/officeDocument/2006/relationships" xmlns:p="http://schemas.openxmlformats.org/presentationml/2006/main" matchingName="One column text">
   <p:cSld name="ONE_COLUMN_TEXT">
     <p:spTree>
       <p:nvGrpSpPr>
-        <p:cNvPr id="31" name="Shape 31"/>
+        <p:cNvPr id="1" name="Shape 31"/>
         <p:cNvGrpSpPr/>
         <p:nvPr/>
       </p:nvGrpSpPr>
@@ -3747,7 +3839,9 @@
       <p:sp>
         <p:nvSpPr>
           <p:cNvPr id="32" name="Google Shape;32;p7"/>
-          <p:cNvSpPr txBox="1"/>
+          <p:cNvSpPr txBox="1">
+            <a:spLocks noGrp="1"/>
+          </p:cNvSpPr>
           <p:nvPr>
             <p:ph type="title"/>
           </p:nvPr>
@@ -3762,7 +3856,7 @@
           </a:prstGeom>
         </p:spPr>
         <p:txBody>
-          <a:bodyPr anchorCtr="0" anchor="b" bIns="91425" lIns="91425" spcFirstLastPara="1" rIns="91425" wrap="square" tIns="91425">
+          <a:bodyPr spcFirstLastPara="1" wrap="square" lIns="91425" tIns="91425" rIns="91425" bIns="91425" anchor="b" anchorCtr="0">
             <a:normAutofit/>
           </a:bodyPr>
           <a:lstStyle>
@@ -3866,15 +3960,19 @@
               <a:defRPr sz="2400"/>
             </a:lvl9pPr>
           </a:lstStyle>
-          <a:p/>
+          <a:p>
+            <a:endParaRPr/>
+          </a:p>
         </p:txBody>
       </p:sp>
       <p:sp>
         <p:nvSpPr>
           <p:cNvPr id="33" name="Google Shape;33;p7"/>
-          <p:cNvSpPr txBox="1"/>
+          <p:cNvSpPr txBox="1">
+            <a:spLocks noGrp="1"/>
+          </p:cNvSpPr>
           <p:nvPr>
-            <p:ph idx="1" type="body"/>
+            <p:ph type="body" idx="1"/>
           </p:nvPr>
         </p:nvSpPr>
         <p:spPr>
@@ -3887,11 +3985,11 @@
           </a:prstGeom>
         </p:spPr>
         <p:txBody>
-          <a:bodyPr anchorCtr="0" anchor="t" bIns="91425" lIns="91425" spcFirstLastPara="1" rIns="91425" wrap="square" tIns="91425">
+          <a:bodyPr spcFirstLastPara="1" wrap="square" lIns="91425" tIns="91425" rIns="91425" bIns="91425" anchor="t" anchorCtr="0">
             <a:normAutofit/>
           </a:bodyPr>
           <a:lstStyle>
-            <a:lvl1pPr indent="-304800" lvl="0" marL="457200">
+            <a:lvl1pPr marL="457200" lvl="0" indent="-304800">
               <a:spcBef>
                 <a:spcPts val="0"/>
               </a:spcBef>
@@ -3902,7 +4000,7 @@
               <a:buChar char="●"/>
               <a:defRPr sz="1200"/>
             </a:lvl1pPr>
-            <a:lvl2pPr indent="-304800" lvl="1" marL="914400">
+            <a:lvl2pPr marL="914400" lvl="1" indent="-304800">
               <a:spcBef>
                 <a:spcPts val="0"/>
               </a:spcBef>
@@ -3913,7 +4011,7 @@
               <a:buChar char="○"/>
               <a:defRPr sz="1200"/>
             </a:lvl2pPr>
-            <a:lvl3pPr indent="-304800" lvl="2" marL="1371600">
+            <a:lvl3pPr marL="1371600" lvl="2" indent="-304800">
               <a:spcBef>
                 <a:spcPts val="0"/>
               </a:spcBef>
@@ -3924,7 +4022,7 @@
               <a:buChar char="■"/>
               <a:defRPr sz="1200"/>
             </a:lvl3pPr>
-            <a:lvl4pPr indent="-304800" lvl="3" marL="1828800">
+            <a:lvl4pPr marL="1828800" lvl="3" indent="-304800">
               <a:spcBef>
                 <a:spcPts val="0"/>
               </a:spcBef>
@@ -3935,7 +4033,7 @@
               <a:buChar char="●"/>
               <a:defRPr sz="1200"/>
             </a:lvl4pPr>
-            <a:lvl5pPr indent="-304800" lvl="4" marL="2286000">
+            <a:lvl5pPr marL="2286000" lvl="4" indent="-304800">
               <a:spcBef>
                 <a:spcPts val="0"/>
               </a:spcBef>
@@ -3946,7 +4044,7 @@
               <a:buChar char="○"/>
               <a:defRPr sz="1200"/>
             </a:lvl5pPr>
-            <a:lvl6pPr indent="-304800" lvl="5" marL="2743200">
+            <a:lvl6pPr marL="2743200" lvl="5" indent="-304800">
               <a:spcBef>
                 <a:spcPts val="0"/>
               </a:spcBef>
@@ -3957,7 +4055,7 @@
               <a:buChar char="■"/>
               <a:defRPr sz="1200"/>
             </a:lvl6pPr>
-            <a:lvl7pPr indent="-304800" lvl="6" marL="3200400">
+            <a:lvl7pPr marL="3200400" lvl="6" indent="-304800">
               <a:spcBef>
                 <a:spcPts val="0"/>
               </a:spcBef>
@@ -3968,7 +4066,7 @@
               <a:buChar char="●"/>
               <a:defRPr sz="1200"/>
             </a:lvl7pPr>
-            <a:lvl8pPr indent="-304800" lvl="7" marL="3657600">
+            <a:lvl8pPr marL="3657600" lvl="7" indent="-304800">
               <a:spcBef>
                 <a:spcPts val="0"/>
               </a:spcBef>
@@ -3979,7 +4077,7 @@
               <a:buChar char="○"/>
               <a:defRPr sz="1200"/>
             </a:lvl8pPr>
-            <a:lvl9pPr indent="-304800" lvl="8" marL="4114800">
+            <a:lvl9pPr marL="4114800" lvl="8" indent="-304800">
               <a:spcBef>
                 <a:spcPts val="0"/>
               </a:spcBef>
@@ -3991,15 +4089,19 @@
               <a:defRPr sz="1200"/>
             </a:lvl9pPr>
           </a:lstStyle>
-          <a:p/>
+          <a:p>
+            <a:endParaRPr/>
+          </a:p>
         </p:txBody>
       </p:sp>
       <p:sp>
         <p:nvSpPr>
           <p:cNvPr id="34" name="Google Shape;34;p7"/>
-          <p:cNvSpPr txBox="1"/>
+          <p:cNvSpPr txBox="1">
+            <a:spLocks noGrp="1"/>
+          </p:cNvSpPr>
           <p:nvPr>
-            <p:ph idx="12" type="sldNum"/>
+            <p:ph type="sldNum" idx="12"/>
           </p:nvPr>
         </p:nvSpPr>
         <p:spPr>
@@ -4012,7 +4114,7 @@
           </a:prstGeom>
         </p:spPr>
         <p:txBody>
-          <a:bodyPr anchorCtr="0" anchor="ctr" bIns="91425" lIns="91425" spcFirstLastPara="1" rIns="91425" wrap="square" tIns="91425">
+          <a:bodyPr spcFirstLastPara="1" wrap="square" lIns="91425" tIns="91425" rIns="91425" bIns="91425" anchor="ctr" anchorCtr="0">
             <a:normAutofit/>
           </a:bodyPr>
           <a:lstStyle>
@@ -4054,7 +4156,7 @@
             </a:lvl9pPr>
           </a:lstStyle>
           <a:p>
-            <a:pPr indent="0" lvl="0" marL="0" rtl="0" algn="r">
+            <a:pPr marL="0" lvl="0" indent="0" algn="r" rtl="0">
               <a:spcBef>
                 <a:spcPts val="0"/>
               </a:spcBef>
@@ -4080,18 +4182,19 @@
 </file>
 
 <file path=ppt/slideLayouts/slideLayout7.xml><?xml version="1.0" encoding="utf-8"?>
-<p:sldLayout xmlns:a="http://schemas.openxmlformats.org/drawingml/2006/main" xmlns:r="http://schemas.openxmlformats.org/officeDocument/2006/relationships" xmlns:mc="http://schemas.openxmlformats.org/markup-compatibility/2006" xmlns:mv="urn:schemas-microsoft-com:mac:vml" xmlns:p="http://schemas.openxmlformats.org/presentationml/2006/main" xmlns:c="http://schemas.openxmlformats.org/drawingml/2006/chart" xmlns:dgm="http://schemas.openxmlformats.org/drawingml/2006/diagram" xmlns:o="urn:schemas-microsoft-com:office:office" xmlns:v="urn:schemas-microsoft-com:vml" xmlns:pvml="urn:schemas-microsoft-com:office:powerpoint" xmlns:com="http://schemas.openxmlformats.org/drawingml/2006/compatibility" xmlns:p14="http://schemas.microsoft.com/office/powerpoint/2010/main" xmlns:p15="http://schemas.microsoft.com/office/powerpoint/2012/main" xmlns:ahyp="http://schemas.microsoft.com/office/drawing/2018/hyperlinkcolor" matchingName="Main point">
+<p:sldLayout xmlns:a="http://schemas.openxmlformats.org/drawingml/2006/main" xmlns:r="http://schemas.openxmlformats.org/officeDocument/2006/relationships" xmlns:p="http://schemas.openxmlformats.org/presentationml/2006/main" matchingName="Main point">
   <p:cSld name="MAIN_POINT">
     <p:bg>
       <p:bgPr>
         <a:solidFill>
           <a:schemeClr val="lt2"/>
         </a:solidFill>
+        <a:effectLst/>
       </p:bgPr>
     </p:bg>
     <p:spTree>
       <p:nvGrpSpPr>
-        <p:cNvPr id="35" name="Shape 35"/>
+        <p:cNvPr id="1" name="Shape 35"/>
         <p:cNvGrpSpPr/>
         <p:nvPr/>
       </p:nvGrpSpPr>
@@ -4106,7 +4209,9 @@
       <p:sp>
         <p:nvSpPr>
           <p:cNvPr id="36" name="Google Shape;36;p8"/>
-          <p:cNvSpPr txBox="1"/>
+          <p:cNvSpPr txBox="1">
+            <a:spLocks noGrp="1"/>
+          </p:cNvSpPr>
           <p:nvPr>
             <p:ph type="title"/>
           </p:nvPr>
@@ -4121,7 +4226,7 @@
           </a:prstGeom>
         </p:spPr>
         <p:txBody>
-          <a:bodyPr anchorCtr="0" anchor="ctr" bIns="91425" lIns="91425" spcFirstLastPara="1" rIns="91425" wrap="square" tIns="91425">
+          <a:bodyPr spcFirstLastPara="1" wrap="square" lIns="91425" tIns="91425" rIns="91425" bIns="91425" anchor="ctr" anchorCtr="0">
             <a:normAutofit/>
           </a:bodyPr>
           <a:lstStyle>
@@ -4225,15 +4330,19 @@
               <a:defRPr sz="4800"/>
             </a:lvl9pPr>
           </a:lstStyle>
-          <a:p/>
+          <a:p>
+            <a:endParaRPr/>
+          </a:p>
         </p:txBody>
       </p:sp>
       <p:sp>
         <p:nvSpPr>
           <p:cNvPr id="37" name="Google Shape;37;p8"/>
-          <p:cNvSpPr txBox="1"/>
+          <p:cNvSpPr txBox="1">
+            <a:spLocks noGrp="1"/>
+          </p:cNvSpPr>
           <p:nvPr>
-            <p:ph idx="12" type="sldNum"/>
+            <p:ph type="sldNum" idx="12"/>
           </p:nvPr>
         </p:nvSpPr>
         <p:spPr>
@@ -4246,7 +4355,7 @@
           </a:prstGeom>
         </p:spPr>
         <p:txBody>
-          <a:bodyPr anchorCtr="0" anchor="ctr" bIns="91425" lIns="91425" spcFirstLastPara="1" rIns="91425" wrap="square" tIns="91425">
+          <a:bodyPr spcFirstLastPara="1" wrap="square" lIns="91425" tIns="91425" rIns="91425" bIns="91425" anchor="ctr" anchorCtr="0">
             <a:normAutofit/>
           </a:bodyPr>
           <a:lstStyle>
@@ -4288,7 +4397,7 @@
             </a:lvl9pPr>
           </a:lstStyle>
           <a:p>
-            <a:pPr indent="0" lvl="0" marL="0" rtl="0" algn="r">
+            <a:pPr marL="0" lvl="0" indent="0" algn="r" rtl="0">
               <a:spcBef>
                 <a:spcPts val="0"/>
               </a:spcBef>
@@ -4314,11 +4423,11 @@
 </file>
 
 <file path=ppt/slideLayouts/slideLayout8.xml><?xml version="1.0" encoding="utf-8"?>
-<p:sldLayout xmlns:a="http://schemas.openxmlformats.org/drawingml/2006/main" xmlns:r="http://schemas.openxmlformats.org/officeDocument/2006/relationships" xmlns:mc="http://schemas.openxmlformats.org/markup-compatibility/2006" xmlns:mv="urn:schemas-microsoft-com:mac:vml" xmlns:p="http://schemas.openxmlformats.org/presentationml/2006/main" xmlns:c="http://schemas.openxmlformats.org/drawingml/2006/chart" xmlns:dgm="http://schemas.openxmlformats.org/drawingml/2006/diagram" xmlns:o="urn:schemas-microsoft-com:office:office" xmlns:v="urn:schemas-microsoft-com:vml" xmlns:pvml="urn:schemas-microsoft-com:office:powerpoint" xmlns:com="http://schemas.openxmlformats.org/drawingml/2006/compatibility" xmlns:p14="http://schemas.microsoft.com/office/powerpoint/2010/main" xmlns:p15="http://schemas.microsoft.com/office/powerpoint/2012/main" xmlns:ahyp="http://schemas.microsoft.com/office/drawing/2018/hyperlinkcolor" matchingName="Section title and description">
+<p:sldLayout xmlns:a="http://schemas.openxmlformats.org/drawingml/2006/main" xmlns:r="http://schemas.openxmlformats.org/officeDocument/2006/relationships" xmlns:p="http://schemas.openxmlformats.org/presentationml/2006/main" matchingName="Section title and description">
   <p:cSld name="SECTION_TITLE_AND_DESCRIPTION">
     <p:spTree>
       <p:nvGrpSpPr>
-        <p:cNvPr id="38" name="Shape 38"/>
+        <p:cNvPr id="1" name="Shape 38"/>
         <p:cNvGrpSpPr/>
         <p:nvPr/>
       </p:nvGrpSpPr>
@@ -4352,12 +4461,12 @@
           </a:ln>
         </p:spPr>
         <p:txBody>
-          <a:bodyPr anchorCtr="0" anchor="ctr" bIns="91425" lIns="91425" spcFirstLastPara="1" rIns="91425" wrap="square" tIns="91425">
+          <a:bodyPr spcFirstLastPara="1" wrap="square" lIns="91425" tIns="91425" rIns="91425" bIns="91425" anchor="ctr" anchorCtr="0">
             <a:noAutofit/>
           </a:bodyPr>
           <a:lstStyle/>
           <a:p>
-            <a:pPr indent="0" lvl="0" marL="0" rtl="0" algn="l">
+            <a:pPr marL="0" lvl="0" indent="0" algn="l" rtl="0">
               <a:spcBef>
                 <a:spcPts val="0"/>
               </a:spcBef>
@@ -4366,9 +4475,6 @@
               </a:spcAft>
               <a:buNone/>
             </a:pPr>
-            <a:r>
-              <a:t/>
-            </a:r>
             <a:endParaRPr/>
           </a:p>
         </p:txBody>
@@ -4388,21 +4494,23 @@
             <a:avLst/>
           </a:prstGeom>
           <a:noFill/>
-          <a:ln cap="flat" cmpd="sng" w="19050">
+          <a:ln w="19050" cap="flat" cmpd="sng">
             <a:solidFill>
               <a:schemeClr val="lt2"/>
             </a:solidFill>
             <a:prstDash val="solid"/>
             <a:round/>
-            <a:headEnd len="sm" w="sm" type="none"/>
-            <a:tailEnd len="sm" w="sm" type="none"/>
+            <a:headEnd type="none" w="sm" len="sm"/>
+            <a:tailEnd type="none" w="sm" len="sm"/>
           </a:ln>
         </p:spPr>
       </p:cxnSp>
       <p:sp>
         <p:nvSpPr>
           <p:cNvPr id="41" name="Google Shape;41;p9"/>
-          <p:cNvSpPr txBox="1"/>
+          <p:cNvSpPr txBox="1">
+            <a:spLocks noGrp="1"/>
+          </p:cNvSpPr>
           <p:nvPr>
             <p:ph type="title"/>
           </p:nvPr>
@@ -4417,7 +4525,7 @@
           </a:prstGeom>
         </p:spPr>
         <p:txBody>
-          <a:bodyPr anchorCtr="0" anchor="b" bIns="91425" lIns="91425" spcFirstLastPara="1" rIns="91425" wrap="square" tIns="91425">
+          <a:bodyPr spcFirstLastPara="1" wrap="square" lIns="91425" tIns="91425" rIns="91425" bIns="91425" anchor="b" anchorCtr="0">
             <a:normAutofit/>
           </a:bodyPr>
           <a:lstStyle>
@@ -4521,15 +4629,19 @@
               <a:defRPr sz="4200"/>
             </a:lvl9pPr>
           </a:lstStyle>
-          <a:p/>
+          <a:p>
+            <a:endParaRPr/>
+          </a:p>
         </p:txBody>
       </p:sp>
       <p:sp>
         <p:nvSpPr>
           <p:cNvPr id="42" name="Google Shape;42;p9"/>
-          <p:cNvSpPr txBox="1"/>
+          <p:cNvSpPr txBox="1">
+            <a:spLocks noGrp="1"/>
+          </p:cNvSpPr>
           <p:nvPr>
-            <p:ph idx="1" type="subTitle"/>
+            <p:ph type="subTitle" idx="1"/>
           </p:nvPr>
         </p:nvSpPr>
         <p:spPr>
@@ -4542,7 +4654,7 @@
           </a:prstGeom>
         </p:spPr>
         <p:txBody>
-          <a:bodyPr anchorCtr="0" anchor="t" bIns="91425" lIns="91425" spcFirstLastPara="1" rIns="91425" wrap="square" tIns="91425">
+          <a:bodyPr spcFirstLastPara="1" wrap="square" lIns="91425" tIns="91425" rIns="91425" bIns="91425" anchor="t" anchorCtr="0">
             <a:normAutofit/>
           </a:bodyPr>
           <a:lstStyle>
@@ -4673,15 +4785,19 @@
               <a:defRPr sz="2100"/>
             </a:lvl9pPr>
           </a:lstStyle>
-          <a:p/>
+          <a:p>
+            <a:endParaRPr/>
+          </a:p>
         </p:txBody>
       </p:sp>
       <p:sp>
         <p:nvSpPr>
           <p:cNvPr id="43" name="Google Shape;43;p9"/>
-          <p:cNvSpPr txBox="1"/>
+          <p:cNvSpPr txBox="1">
+            <a:spLocks noGrp="1"/>
+          </p:cNvSpPr>
           <p:nvPr>
-            <p:ph idx="2" type="body"/>
+            <p:ph type="body" idx="2"/>
           </p:nvPr>
         </p:nvSpPr>
         <p:spPr>
@@ -4694,11 +4810,11 @@
           </a:prstGeom>
         </p:spPr>
         <p:txBody>
-          <a:bodyPr anchorCtr="0" anchor="ctr" bIns="91425" lIns="91425" spcFirstLastPara="1" rIns="91425" wrap="square" tIns="91425">
+          <a:bodyPr spcFirstLastPara="1" wrap="square" lIns="91425" tIns="91425" rIns="91425" bIns="91425" anchor="ctr" anchorCtr="0">
             <a:normAutofit/>
           </a:bodyPr>
           <a:lstStyle>
-            <a:lvl1pPr indent="-342900" lvl="0" marL="457200">
+            <a:lvl1pPr marL="457200" lvl="0" indent="-342900">
               <a:spcBef>
                 <a:spcPts val="0"/>
               </a:spcBef>
@@ -4716,7 +4832,7 @@
                 </a:solidFill>
               </a:defRPr>
             </a:lvl1pPr>
-            <a:lvl2pPr indent="-317500" lvl="1" marL="914400">
+            <a:lvl2pPr marL="914400" lvl="1" indent="-317500">
               <a:spcBef>
                 <a:spcPts val="0"/>
               </a:spcBef>
@@ -4734,7 +4850,7 @@
                 </a:solidFill>
               </a:defRPr>
             </a:lvl2pPr>
-            <a:lvl3pPr indent="-317500" lvl="2" marL="1371600">
+            <a:lvl3pPr marL="1371600" lvl="2" indent="-317500">
               <a:spcBef>
                 <a:spcPts val="0"/>
               </a:spcBef>
@@ -4752,7 +4868,7 @@
                 </a:solidFill>
               </a:defRPr>
             </a:lvl3pPr>
-            <a:lvl4pPr indent="-317500" lvl="3" marL="1828800">
+            <a:lvl4pPr marL="1828800" lvl="3" indent="-317500">
               <a:spcBef>
                 <a:spcPts val="0"/>
               </a:spcBef>
@@ -4770,7 +4886,7 @@
                 </a:solidFill>
               </a:defRPr>
             </a:lvl4pPr>
-            <a:lvl5pPr indent="-317500" lvl="4" marL="2286000">
+            <a:lvl5pPr marL="2286000" lvl="4" indent="-317500">
               <a:spcBef>
                 <a:spcPts val="0"/>
               </a:spcBef>
@@ -4788,7 +4904,7 @@
                 </a:solidFill>
               </a:defRPr>
             </a:lvl5pPr>
-            <a:lvl6pPr indent="-317500" lvl="5" marL="2743200">
+            <a:lvl6pPr marL="2743200" lvl="5" indent="-317500">
               <a:spcBef>
                 <a:spcPts val="0"/>
               </a:spcBef>
@@ -4806,7 +4922,7 @@
                 </a:solidFill>
               </a:defRPr>
             </a:lvl6pPr>
-            <a:lvl7pPr indent="-317500" lvl="6" marL="3200400">
+            <a:lvl7pPr marL="3200400" lvl="6" indent="-317500">
               <a:spcBef>
                 <a:spcPts val="0"/>
               </a:spcBef>
@@ -4824,7 +4940,7 @@
                 </a:solidFill>
               </a:defRPr>
             </a:lvl7pPr>
-            <a:lvl8pPr indent="-317500" lvl="7" marL="3657600">
+            <a:lvl8pPr marL="3657600" lvl="7" indent="-317500">
               <a:spcBef>
                 <a:spcPts val="0"/>
               </a:spcBef>
@@ -4842,7 +4958,7 @@
                 </a:solidFill>
               </a:defRPr>
             </a:lvl8pPr>
-            <a:lvl9pPr indent="-317500" lvl="8" marL="4114800">
+            <a:lvl9pPr marL="4114800" lvl="8" indent="-317500">
               <a:spcBef>
                 <a:spcPts val="0"/>
               </a:spcBef>
@@ -4861,15 +4977,19 @@
               </a:defRPr>
             </a:lvl9pPr>
           </a:lstStyle>
-          <a:p/>
+          <a:p>
+            <a:endParaRPr/>
+          </a:p>
         </p:txBody>
       </p:sp>
       <p:sp>
         <p:nvSpPr>
           <p:cNvPr id="44" name="Google Shape;44;p9"/>
-          <p:cNvSpPr txBox="1"/>
+          <p:cNvSpPr txBox="1">
+            <a:spLocks noGrp="1"/>
+          </p:cNvSpPr>
           <p:nvPr>
-            <p:ph idx="12" type="sldNum"/>
+            <p:ph type="sldNum" idx="12"/>
           </p:nvPr>
         </p:nvSpPr>
         <p:spPr>
@@ -4882,7 +5002,7 @@
           </a:prstGeom>
         </p:spPr>
         <p:txBody>
-          <a:bodyPr anchorCtr="0" anchor="ctr" bIns="91425" lIns="91425" spcFirstLastPara="1" rIns="91425" wrap="square" tIns="91425">
+          <a:bodyPr spcFirstLastPara="1" wrap="square" lIns="91425" tIns="91425" rIns="91425" bIns="91425" anchor="ctr" anchorCtr="0">
             <a:normAutofit/>
           </a:bodyPr>
           <a:lstStyle>
@@ -4960,7 +5080,7 @@
             </a:lvl9pPr>
           </a:lstStyle>
           <a:p>
-            <a:pPr indent="0" lvl="0" marL="0" rtl="0" algn="r">
+            <a:pPr marL="0" lvl="0" indent="0" algn="r" rtl="0">
               <a:spcBef>
                 <a:spcPts val="0"/>
               </a:spcBef>
@@ -4986,11 +5106,11 @@
 </file>
 
 <file path=ppt/slideLayouts/slideLayout9.xml><?xml version="1.0" encoding="utf-8"?>
-<p:sldLayout xmlns:a="http://schemas.openxmlformats.org/drawingml/2006/main" xmlns:r="http://schemas.openxmlformats.org/officeDocument/2006/relationships" xmlns:mc="http://schemas.openxmlformats.org/markup-compatibility/2006" xmlns:mv="urn:schemas-microsoft-com:mac:vml" xmlns:p="http://schemas.openxmlformats.org/presentationml/2006/main" xmlns:c="http://schemas.openxmlformats.org/drawingml/2006/chart" xmlns:dgm="http://schemas.openxmlformats.org/drawingml/2006/diagram" xmlns:o="urn:schemas-microsoft-com:office:office" xmlns:v="urn:schemas-microsoft-com:vml" xmlns:pvml="urn:schemas-microsoft-com:office:powerpoint" xmlns:com="http://schemas.openxmlformats.org/drawingml/2006/compatibility" xmlns:p14="http://schemas.microsoft.com/office/powerpoint/2010/main" xmlns:p15="http://schemas.microsoft.com/office/powerpoint/2012/main" xmlns:ahyp="http://schemas.microsoft.com/office/drawing/2018/hyperlinkcolor" matchingName="Caption">
+<p:sldLayout xmlns:a="http://schemas.openxmlformats.org/drawingml/2006/main" xmlns:r="http://schemas.openxmlformats.org/officeDocument/2006/relationships" xmlns:p="http://schemas.openxmlformats.org/presentationml/2006/main" matchingName="Caption">
   <p:cSld name="CAPTION_ONLY">
     <p:spTree>
       <p:nvGrpSpPr>
-        <p:cNvPr id="45" name="Shape 45"/>
+        <p:cNvPr id="1" name="Shape 45"/>
         <p:cNvGrpSpPr/>
         <p:nvPr/>
       </p:nvGrpSpPr>
@@ -5005,9 +5125,11 @@
       <p:sp>
         <p:nvSpPr>
           <p:cNvPr id="46" name="Google Shape;46;p10"/>
-          <p:cNvSpPr txBox="1"/>
+          <p:cNvSpPr txBox="1">
+            <a:spLocks noGrp="1"/>
+          </p:cNvSpPr>
           <p:nvPr>
-            <p:ph idx="1" type="body"/>
+            <p:ph type="body" idx="1"/>
           </p:nvPr>
         </p:nvSpPr>
         <p:spPr>
@@ -5020,11 +5142,11 @@
           </a:prstGeom>
         </p:spPr>
         <p:txBody>
-          <a:bodyPr anchorCtr="0" anchor="ctr" bIns="91425" lIns="91425" spcFirstLastPara="1" rIns="91425" wrap="square" tIns="91425">
+          <a:bodyPr spcFirstLastPara="1" wrap="square" lIns="91425" tIns="91425" rIns="91425" bIns="91425" anchor="ctr" anchorCtr="0">
             <a:normAutofit/>
           </a:bodyPr>
           <a:lstStyle>
-            <a:lvl1pPr indent="-228600" lvl="0" marL="457200">
+            <a:lvl1pPr marL="457200" lvl="0" indent="-228600">
               <a:lnSpc>
                 <a:spcPct val="100000"/>
               </a:lnSpc>
@@ -5039,15 +5161,19 @@
               <a:defRPr sz="2100"/>
             </a:lvl1pPr>
           </a:lstStyle>
-          <a:p/>
+          <a:p>
+            <a:endParaRPr/>
+          </a:p>
         </p:txBody>
       </p:sp>
       <p:sp>
         <p:nvSpPr>
           <p:cNvPr id="47" name="Google Shape;47;p10"/>
-          <p:cNvSpPr txBox="1"/>
+          <p:cNvSpPr txBox="1">
+            <a:spLocks noGrp="1"/>
+          </p:cNvSpPr>
           <p:nvPr>
-            <p:ph idx="12" type="sldNum"/>
+            <p:ph type="sldNum" idx="12"/>
           </p:nvPr>
         </p:nvSpPr>
         <p:spPr>
@@ -5060,7 +5186,7 @@
           </a:prstGeom>
         </p:spPr>
         <p:txBody>
-          <a:bodyPr anchorCtr="0" anchor="ctr" bIns="91425" lIns="91425" spcFirstLastPara="1" rIns="91425" wrap="square" tIns="91425">
+          <a:bodyPr spcFirstLastPara="1" wrap="square" lIns="91425" tIns="91425" rIns="91425" bIns="91425" anchor="ctr" anchorCtr="0">
             <a:normAutofit/>
           </a:bodyPr>
           <a:lstStyle>
@@ -5102,7 +5228,7 @@
             </a:lvl9pPr>
           </a:lstStyle>
           <a:p>
-            <a:pPr indent="0" lvl="0" marL="0" rtl="0" algn="r">
+            <a:pPr marL="0" lvl="0" indent="0" algn="r" rtl="0">
               <a:spcBef>
                 <a:spcPts val="0"/>
               </a:spcBef>
@@ -5128,18 +5254,19 @@
 </file>
 
 <file path=ppt/slideMasters/slideMaster1.xml><?xml version="1.0" encoding="utf-8"?>
-<p:sldMaster xmlns:a="http://schemas.openxmlformats.org/drawingml/2006/main" xmlns:r="http://schemas.openxmlformats.org/officeDocument/2006/relationships" xmlns:mc="http://schemas.openxmlformats.org/markup-compatibility/2006" xmlns:mv="urn:schemas-microsoft-com:mac:vml" xmlns:p="http://schemas.openxmlformats.org/presentationml/2006/main" xmlns:c="http://schemas.openxmlformats.org/drawingml/2006/chart" xmlns:dgm="http://schemas.openxmlformats.org/drawingml/2006/diagram" xmlns:o="urn:schemas-microsoft-com:office:office" xmlns:v="urn:schemas-microsoft-com:vml" xmlns:pvml="urn:schemas-microsoft-com:office:powerpoint" xmlns:com="http://schemas.openxmlformats.org/drawingml/2006/compatibility" xmlns:p14="http://schemas.microsoft.com/office/powerpoint/2010/main" xmlns:p15="http://schemas.microsoft.com/office/powerpoint/2012/main" xmlns:ahyp="http://schemas.microsoft.com/office/drawing/2018/hyperlinkcolor">
+<p:sldMaster xmlns:a="http://schemas.openxmlformats.org/drawingml/2006/main" xmlns:r="http://schemas.openxmlformats.org/officeDocument/2006/relationships" xmlns:p="http://schemas.openxmlformats.org/presentationml/2006/main">
   <p:cSld name="spearmint">
     <p:bg>
       <p:bgPr>
         <a:solidFill>
           <a:schemeClr val="lt1"/>
         </a:solidFill>
+        <a:effectLst/>
       </p:bgPr>
     </p:bg>
     <p:spTree>
       <p:nvGrpSpPr>
-        <p:cNvPr id="5" name="Shape 5"/>
+        <p:cNvPr id="1" name="Shape 5"/>
         <p:cNvGrpSpPr/>
         <p:nvPr/>
       </p:nvGrpSpPr>
@@ -5154,7 +5281,9 @@
       <p:sp>
         <p:nvSpPr>
           <p:cNvPr id="6" name="Google Shape;6;p1"/>
-          <p:cNvSpPr txBox="1"/>
+          <p:cNvSpPr txBox="1">
+            <a:spLocks noGrp="1"/>
+          </p:cNvSpPr>
           <p:nvPr>
             <p:ph type="title"/>
           </p:nvPr>
@@ -5173,7 +5302,7 @@
           </a:ln>
         </p:spPr>
         <p:txBody>
-          <a:bodyPr anchorCtr="0" anchor="t" bIns="91425" lIns="91425" spcFirstLastPara="1" rIns="91425" wrap="square" tIns="91425">
+          <a:bodyPr spcFirstLastPara="1" wrap="square" lIns="91425" tIns="91425" rIns="91425" bIns="91425" anchor="t" anchorCtr="0">
             <a:normAutofit/>
           </a:bodyPr>
           <a:lstStyle>
@@ -5385,15 +5514,19 @@
               </a:defRPr>
             </a:lvl9pPr>
           </a:lstStyle>
-          <a:p/>
+          <a:p>
+            <a:endParaRPr/>
+          </a:p>
         </p:txBody>
       </p:sp>
       <p:sp>
         <p:nvSpPr>
           <p:cNvPr id="7" name="Google Shape;7;p1"/>
-          <p:cNvSpPr txBox="1"/>
+          <p:cNvSpPr txBox="1">
+            <a:spLocks noGrp="1"/>
+          </p:cNvSpPr>
           <p:nvPr>
-            <p:ph idx="1" type="body"/>
+            <p:ph type="body" idx="1"/>
           </p:nvPr>
         </p:nvSpPr>
         <p:spPr>
@@ -5410,11 +5543,11 @@
           </a:ln>
         </p:spPr>
         <p:txBody>
-          <a:bodyPr anchorCtr="0" anchor="t" bIns="91425" lIns="91425" spcFirstLastPara="1" rIns="91425" wrap="square" tIns="91425">
+          <a:bodyPr spcFirstLastPara="1" wrap="square" lIns="91425" tIns="91425" rIns="91425" bIns="91425" anchor="t" anchorCtr="0">
             <a:normAutofit/>
           </a:bodyPr>
           <a:lstStyle>
-            <a:lvl1pPr indent="-342900" lvl="0" marL="457200">
+            <a:lvl1pPr marL="457200" lvl="0" indent="-342900">
               <a:lnSpc>
                 <a:spcPct val="115000"/>
               </a:lnSpc>
@@ -5440,7 +5573,7 @@
                 <a:sym typeface="Proxima Nova"/>
               </a:defRPr>
             </a:lvl1pPr>
-            <a:lvl2pPr indent="-317500" lvl="1" marL="914400">
+            <a:lvl2pPr marL="914400" lvl="1" indent="-317500">
               <a:lnSpc>
                 <a:spcPct val="115000"/>
               </a:lnSpc>
@@ -5466,7 +5599,7 @@
                 <a:sym typeface="Proxima Nova"/>
               </a:defRPr>
             </a:lvl2pPr>
-            <a:lvl3pPr indent="-317500" lvl="2" marL="1371600">
+            <a:lvl3pPr marL="1371600" lvl="2" indent="-317500">
               <a:lnSpc>
                 <a:spcPct val="115000"/>
               </a:lnSpc>
@@ -5492,7 +5625,7 @@
                 <a:sym typeface="Proxima Nova"/>
               </a:defRPr>
             </a:lvl3pPr>
-            <a:lvl4pPr indent="-317500" lvl="3" marL="1828800">
+            <a:lvl4pPr marL="1828800" lvl="3" indent="-317500">
               <a:lnSpc>
                 <a:spcPct val="115000"/>
               </a:lnSpc>
@@ -5518,7 +5651,7 @@
                 <a:sym typeface="Proxima Nova"/>
               </a:defRPr>
             </a:lvl4pPr>
-            <a:lvl5pPr indent="-317500" lvl="4" marL="2286000">
+            <a:lvl5pPr marL="2286000" lvl="4" indent="-317500">
               <a:lnSpc>
                 <a:spcPct val="115000"/>
               </a:lnSpc>
@@ -5544,7 +5677,7 @@
                 <a:sym typeface="Proxima Nova"/>
               </a:defRPr>
             </a:lvl5pPr>
-            <a:lvl6pPr indent="-317500" lvl="5" marL="2743200">
+            <a:lvl6pPr marL="2743200" lvl="5" indent="-317500">
               <a:lnSpc>
                 <a:spcPct val="115000"/>
               </a:lnSpc>
@@ -5570,7 +5703,7 @@
                 <a:sym typeface="Proxima Nova"/>
               </a:defRPr>
             </a:lvl6pPr>
-            <a:lvl7pPr indent="-317500" lvl="6" marL="3200400">
+            <a:lvl7pPr marL="3200400" lvl="6" indent="-317500">
               <a:lnSpc>
                 <a:spcPct val="115000"/>
               </a:lnSpc>
@@ -5596,7 +5729,7 @@
                 <a:sym typeface="Proxima Nova"/>
               </a:defRPr>
             </a:lvl7pPr>
-            <a:lvl8pPr indent="-317500" lvl="7" marL="3657600">
+            <a:lvl8pPr marL="3657600" lvl="7" indent="-317500">
               <a:lnSpc>
                 <a:spcPct val="115000"/>
               </a:lnSpc>
@@ -5622,7 +5755,7 @@
                 <a:sym typeface="Proxima Nova"/>
               </a:defRPr>
             </a:lvl8pPr>
-            <a:lvl9pPr indent="-317500" lvl="8" marL="4114800">
+            <a:lvl9pPr marL="4114800" lvl="8" indent="-317500">
               <a:lnSpc>
                 <a:spcPct val="115000"/>
               </a:lnSpc>
@@ -5649,15 +5782,19 @@
               </a:defRPr>
             </a:lvl9pPr>
           </a:lstStyle>
-          <a:p/>
+          <a:p>
+            <a:endParaRPr/>
+          </a:p>
         </p:txBody>
       </p:sp>
       <p:sp>
         <p:nvSpPr>
           <p:cNvPr id="8" name="Google Shape;8;p1"/>
-          <p:cNvSpPr txBox="1"/>
+          <p:cNvSpPr txBox="1">
+            <a:spLocks noGrp="1"/>
+          </p:cNvSpPr>
           <p:nvPr>
-            <p:ph idx="12" type="sldNum"/>
+            <p:ph type="sldNum" idx="12"/>
           </p:nvPr>
         </p:nvSpPr>
         <p:spPr>
@@ -5674,7 +5811,7 @@
           </a:ln>
         </p:spPr>
         <p:txBody>
-          <a:bodyPr anchorCtr="0" anchor="ctr" bIns="91425" lIns="91425" spcFirstLastPara="1" rIns="91425" wrap="square" tIns="91425">
+          <a:bodyPr spcFirstLastPara="1" wrap="square" lIns="91425" tIns="91425" rIns="91425" bIns="91425" anchor="ctr" anchorCtr="0">
             <a:normAutofit/>
           </a:bodyPr>
           <a:lstStyle>
@@ -5788,7 +5925,7 @@
             </a:lvl9pPr>
           </a:lstStyle>
           <a:p>
-            <a:pPr indent="0" lvl="0" marL="0" rtl="0" algn="r">
+            <a:pPr marL="0" lvl="0" indent="0" algn="r" rtl="0">
               <a:spcBef>
                 <a:spcPts val="0"/>
               </a:spcBef>
@@ -5807,7 +5944,7 @@
       </p:sp>
     </p:spTree>
   </p:cSld>
-  <p:clrMap accent1="accent1" accent2="accent2" accent3="accent3" accent4="accent4" accent5="accent5" accent6="accent6" bg1="lt1" bg2="dk2" tx1="dk1" tx2="lt2" folHlink="folHlink" hlink="hlink"/>
+  <p:clrMap bg1="lt1" tx1="dk1" bg2="dk2" tx2="lt2" accent1="accent1" accent2="accent2" accent3="accent3" accent4="accent4" accent5="accent5" accent6="accent6" hlink="hlink" folHlink="folHlink"/>
   <p:sldLayoutIdLst>
     <p:sldLayoutId id="2147483648" r:id="rId1"/>
     <p:sldLayoutId id="2147483649" r:id="rId2"/>
@@ -5821,10 +5958,10 @@
     <p:sldLayoutId id="2147483657" r:id="rId10"/>
     <p:sldLayoutId id="2147483658" r:id="rId11"/>
   </p:sldLayoutIdLst>
-  <p:hf dt="0" ftr="0" hdr="0" sldNum="0"/>
+  <p:hf sldNum="0" hdr="0" ftr="0" dt="0"/>
   <p:txStyles>
     <p:titleStyle>
-      <a:defPPr lvl="0" marR="0" rtl="0" algn="l">
+      <a:defPPr marR="0" lvl="0" algn="l" rtl="0">
         <a:lnSpc>
           <a:spcPct val="100000"/>
         </a:lnSpc>
@@ -5835,7 +5972,7 @@
           <a:spcPts val="0"/>
         </a:spcAft>
       </a:defPPr>
-      <a:lvl1pPr lvl="0" marR="0" rtl="0" algn="l">
+      <a:lvl1pPr marR="0" lvl="0" algn="l" rtl="0">
         <a:lnSpc>
           <a:spcPct val="100000"/>
         </a:lnSpc>
@@ -5849,7 +5986,7 @@
           <a:srgbClr val="000000"/>
         </a:buClr>
         <a:buFont typeface="Arial"/>
-        <a:defRPr b="0" i="0" sz="1400" u="none" cap="none" strike="noStrike">
+        <a:defRPr sz="1400" b="0" i="0" u="none" strike="noStrike" cap="none">
           <a:solidFill>
             <a:srgbClr val="000000"/>
           </a:solidFill>
@@ -5859,7 +5996,7 @@
           <a:sym typeface="Arial"/>
         </a:defRPr>
       </a:lvl1pPr>
-      <a:lvl2pPr lvl="1" marR="0" rtl="0" algn="l">
+      <a:lvl2pPr marR="0" lvl="1" algn="l" rtl="0">
         <a:lnSpc>
           <a:spcPct val="100000"/>
         </a:lnSpc>
@@ -5873,7 +6010,7 @@
           <a:srgbClr val="000000"/>
         </a:buClr>
         <a:buFont typeface="Arial"/>
-        <a:defRPr b="0" i="0" sz="1400" u="none" cap="none" strike="noStrike">
+        <a:defRPr sz="1400" b="0" i="0" u="none" strike="noStrike" cap="none">
           <a:solidFill>
             <a:srgbClr val="000000"/>
           </a:solidFill>
@@ -5883,7 +6020,7 @@
           <a:sym typeface="Arial"/>
         </a:defRPr>
       </a:lvl2pPr>
-      <a:lvl3pPr lvl="2" marR="0" rtl="0" algn="l">
+      <a:lvl3pPr marR="0" lvl="2" algn="l" rtl="0">
         <a:lnSpc>
           <a:spcPct val="100000"/>
         </a:lnSpc>
@@ -5897,7 +6034,7 @@
           <a:srgbClr val="000000"/>
         </a:buClr>
         <a:buFont typeface="Arial"/>
-        <a:defRPr b="0" i="0" sz="1400" u="none" cap="none" strike="noStrike">
+        <a:defRPr sz="1400" b="0" i="0" u="none" strike="noStrike" cap="none">
           <a:solidFill>
             <a:srgbClr val="000000"/>
           </a:solidFill>
@@ -5907,7 +6044,7 @@
           <a:sym typeface="Arial"/>
         </a:defRPr>
       </a:lvl3pPr>
-      <a:lvl4pPr lvl="3" marR="0" rtl="0" algn="l">
+      <a:lvl4pPr marR="0" lvl="3" algn="l" rtl="0">
         <a:lnSpc>
           <a:spcPct val="100000"/>
         </a:lnSpc>
@@ -5921,7 +6058,7 @@
           <a:srgbClr val="000000"/>
         </a:buClr>
         <a:buFont typeface="Arial"/>
-        <a:defRPr b="0" i="0" sz="1400" u="none" cap="none" strike="noStrike">
+        <a:defRPr sz="1400" b="0" i="0" u="none" strike="noStrike" cap="none">
           <a:solidFill>
             <a:srgbClr val="000000"/>
           </a:solidFill>
@@ -5931,7 +6068,7 @@
           <a:sym typeface="Arial"/>
         </a:defRPr>
       </a:lvl4pPr>
-      <a:lvl5pPr lvl="4" marR="0" rtl="0" algn="l">
+      <a:lvl5pPr marR="0" lvl="4" algn="l" rtl="0">
         <a:lnSpc>
           <a:spcPct val="100000"/>
         </a:lnSpc>
@@ -5945,7 +6082,7 @@
           <a:srgbClr val="000000"/>
         </a:buClr>
         <a:buFont typeface="Arial"/>
-        <a:defRPr b="0" i="0" sz="1400" u="none" cap="none" strike="noStrike">
+        <a:defRPr sz="1400" b="0" i="0" u="none" strike="noStrike" cap="none">
           <a:solidFill>
             <a:srgbClr val="000000"/>
           </a:solidFill>
@@ -5955,7 +6092,7 @@
           <a:sym typeface="Arial"/>
         </a:defRPr>
       </a:lvl5pPr>
-      <a:lvl6pPr lvl="5" marR="0" rtl="0" algn="l">
+      <a:lvl6pPr marR="0" lvl="5" algn="l" rtl="0">
         <a:lnSpc>
           <a:spcPct val="100000"/>
         </a:lnSpc>
@@ -5969,7 +6106,7 @@
           <a:srgbClr val="000000"/>
         </a:buClr>
         <a:buFont typeface="Arial"/>
-        <a:defRPr b="0" i="0" sz="1400" u="none" cap="none" strike="noStrike">
+        <a:defRPr sz="1400" b="0" i="0" u="none" strike="noStrike" cap="none">
           <a:solidFill>
             <a:srgbClr val="000000"/>
           </a:solidFill>
@@ -5979,7 +6116,7 @@
           <a:sym typeface="Arial"/>
         </a:defRPr>
       </a:lvl6pPr>
-      <a:lvl7pPr lvl="6" marR="0" rtl="0" algn="l">
+      <a:lvl7pPr marR="0" lvl="6" algn="l" rtl="0">
         <a:lnSpc>
           <a:spcPct val="100000"/>
         </a:lnSpc>
@@ -5993,7 +6130,7 @@
           <a:srgbClr val="000000"/>
         </a:buClr>
         <a:buFont typeface="Arial"/>
-        <a:defRPr b="0" i="0" sz="1400" u="none" cap="none" strike="noStrike">
+        <a:defRPr sz="1400" b="0" i="0" u="none" strike="noStrike" cap="none">
           <a:solidFill>
             <a:srgbClr val="000000"/>
           </a:solidFill>
@@ -6003,7 +6140,7 @@
           <a:sym typeface="Arial"/>
         </a:defRPr>
       </a:lvl7pPr>
-      <a:lvl8pPr lvl="7" marR="0" rtl="0" algn="l">
+      <a:lvl8pPr marR="0" lvl="7" algn="l" rtl="0">
         <a:lnSpc>
           <a:spcPct val="100000"/>
         </a:lnSpc>
@@ -6017,7 +6154,7 @@
           <a:srgbClr val="000000"/>
         </a:buClr>
         <a:buFont typeface="Arial"/>
-        <a:defRPr b="0" i="0" sz="1400" u="none" cap="none" strike="noStrike">
+        <a:defRPr sz="1400" b="0" i="0" u="none" strike="noStrike" cap="none">
           <a:solidFill>
             <a:srgbClr val="000000"/>
           </a:solidFill>
@@ -6027,7 +6164,7 @@
           <a:sym typeface="Arial"/>
         </a:defRPr>
       </a:lvl8pPr>
-      <a:lvl9pPr lvl="8" marR="0" rtl="0" algn="l">
+      <a:lvl9pPr marR="0" lvl="8" algn="l" rtl="0">
         <a:lnSpc>
           <a:spcPct val="100000"/>
         </a:lnSpc>
@@ -6041,7 +6178,7 @@
           <a:srgbClr val="000000"/>
         </a:buClr>
         <a:buFont typeface="Arial"/>
-        <a:defRPr b="0" i="0" sz="1400" u="none" cap="none" strike="noStrike">
+        <a:defRPr sz="1400" b="0" i="0" u="none" strike="noStrike" cap="none">
           <a:solidFill>
             <a:srgbClr val="000000"/>
           </a:solidFill>
@@ -6053,7 +6190,7 @@
       </a:lvl9pPr>
     </p:titleStyle>
     <p:bodyStyle>
-      <a:defPPr lvl="0" marR="0" rtl="0" algn="l">
+      <a:defPPr marR="0" lvl="0" algn="l" rtl="0">
         <a:lnSpc>
           <a:spcPct val="100000"/>
         </a:lnSpc>
@@ -6064,7 +6201,7 @@
           <a:spcPts val="0"/>
         </a:spcAft>
       </a:defPPr>
-      <a:lvl1pPr lvl="0" marR="0" rtl="0" algn="l">
+      <a:lvl1pPr marR="0" lvl="0" algn="l" rtl="0">
         <a:lnSpc>
           <a:spcPct val="100000"/>
         </a:lnSpc>
@@ -6078,7 +6215,7 @@
           <a:srgbClr val="000000"/>
         </a:buClr>
         <a:buFont typeface="Arial"/>
-        <a:defRPr b="0" i="0" sz="1400" u="none" cap="none" strike="noStrike">
+        <a:defRPr sz="1400" b="0" i="0" u="none" strike="noStrike" cap="none">
           <a:solidFill>
             <a:srgbClr val="000000"/>
           </a:solidFill>
@@ -6088,7 +6225,7 @@
           <a:sym typeface="Arial"/>
         </a:defRPr>
       </a:lvl1pPr>
-      <a:lvl2pPr lvl="1" marR="0" rtl="0" algn="l">
+      <a:lvl2pPr marR="0" lvl="1" algn="l" rtl="0">
         <a:lnSpc>
           <a:spcPct val="100000"/>
         </a:lnSpc>
@@ -6102,7 +6239,7 @@
           <a:srgbClr val="000000"/>
         </a:buClr>
         <a:buFont typeface="Arial"/>
-        <a:defRPr b="0" i="0" sz="1400" u="none" cap="none" strike="noStrike">
+        <a:defRPr sz="1400" b="0" i="0" u="none" strike="noStrike" cap="none">
           <a:solidFill>
             <a:srgbClr val="000000"/>
           </a:solidFill>
@@ -6112,7 +6249,7 @@
           <a:sym typeface="Arial"/>
         </a:defRPr>
       </a:lvl2pPr>
-      <a:lvl3pPr lvl="2" marR="0" rtl="0" algn="l">
+      <a:lvl3pPr marR="0" lvl="2" algn="l" rtl="0">
         <a:lnSpc>
           <a:spcPct val="100000"/>
         </a:lnSpc>
@@ -6126,7 +6263,7 @@
           <a:srgbClr val="000000"/>
         </a:buClr>
         <a:buFont typeface="Arial"/>
-        <a:defRPr b="0" i="0" sz="1400" u="none" cap="none" strike="noStrike">
+        <a:defRPr sz="1400" b="0" i="0" u="none" strike="noStrike" cap="none">
           <a:solidFill>
             <a:srgbClr val="000000"/>
           </a:solidFill>
@@ -6136,7 +6273,7 @@
           <a:sym typeface="Arial"/>
         </a:defRPr>
       </a:lvl3pPr>
-      <a:lvl4pPr lvl="3" marR="0" rtl="0" algn="l">
+      <a:lvl4pPr marR="0" lvl="3" algn="l" rtl="0">
         <a:lnSpc>
           <a:spcPct val="100000"/>
         </a:lnSpc>
@@ -6150,7 +6287,7 @@
           <a:srgbClr val="000000"/>
         </a:buClr>
         <a:buFont typeface="Arial"/>
-        <a:defRPr b="0" i="0" sz="1400" u="none" cap="none" strike="noStrike">
+        <a:defRPr sz="1400" b="0" i="0" u="none" strike="noStrike" cap="none">
           <a:solidFill>
             <a:srgbClr val="000000"/>
           </a:solidFill>
@@ -6160,7 +6297,7 @@
           <a:sym typeface="Arial"/>
         </a:defRPr>
       </a:lvl4pPr>
-      <a:lvl5pPr lvl="4" marR="0" rtl="0" algn="l">
+      <a:lvl5pPr marR="0" lvl="4" algn="l" rtl="0">
         <a:lnSpc>
           <a:spcPct val="100000"/>
         </a:lnSpc>
@@ -6174,7 +6311,7 @@
           <a:srgbClr val="000000"/>
         </a:buClr>
         <a:buFont typeface="Arial"/>
-        <a:defRPr b="0" i="0" sz="1400" u="none" cap="none" strike="noStrike">
+        <a:defRPr sz="1400" b="0" i="0" u="none" strike="noStrike" cap="none">
           <a:solidFill>
             <a:srgbClr val="000000"/>
           </a:solidFill>
@@ -6184,7 +6321,7 @@
           <a:sym typeface="Arial"/>
         </a:defRPr>
       </a:lvl5pPr>
-      <a:lvl6pPr lvl="5" marR="0" rtl="0" algn="l">
+      <a:lvl6pPr marR="0" lvl="5" algn="l" rtl="0">
         <a:lnSpc>
           <a:spcPct val="100000"/>
         </a:lnSpc>
@@ -6198,7 +6335,7 @@
           <a:srgbClr val="000000"/>
         </a:buClr>
         <a:buFont typeface="Arial"/>
-        <a:defRPr b="0" i="0" sz="1400" u="none" cap="none" strike="noStrike">
+        <a:defRPr sz="1400" b="0" i="0" u="none" strike="noStrike" cap="none">
           <a:solidFill>
             <a:srgbClr val="000000"/>
           </a:solidFill>
@@ -6208,7 +6345,7 @@
           <a:sym typeface="Arial"/>
         </a:defRPr>
       </a:lvl6pPr>
-      <a:lvl7pPr lvl="6" marR="0" rtl="0" algn="l">
+      <a:lvl7pPr marR="0" lvl="6" algn="l" rtl="0">
         <a:lnSpc>
           <a:spcPct val="100000"/>
         </a:lnSpc>
@@ -6222,7 +6359,7 @@
           <a:srgbClr val="000000"/>
         </a:buClr>
         <a:buFont typeface="Arial"/>
-        <a:defRPr b="0" i="0" sz="1400" u="none" cap="none" strike="noStrike">
+        <a:defRPr sz="1400" b="0" i="0" u="none" strike="noStrike" cap="none">
           <a:solidFill>
             <a:srgbClr val="000000"/>
           </a:solidFill>
@@ -6232,7 +6369,7 @@
           <a:sym typeface="Arial"/>
         </a:defRPr>
       </a:lvl7pPr>
-      <a:lvl8pPr lvl="7" marR="0" rtl="0" algn="l">
+      <a:lvl8pPr marR="0" lvl="7" algn="l" rtl="0">
         <a:lnSpc>
           <a:spcPct val="100000"/>
         </a:lnSpc>
@@ -6246,7 +6383,7 @@
           <a:srgbClr val="000000"/>
         </a:buClr>
         <a:buFont typeface="Arial"/>
-        <a:defRPr b="0" i="0" sz="1400" u="none" cap="none" strike="noStrike">
+        <a:defRPr sz="1400" b="0" i="0" u="none" strike="noStrike" cap="none">
           <a:solidFill>
             <a:srgbClr val="000000"/>
           </a:solidFill>
@@ -6256,7 +6393,7 @@
           <a:sym typeface="Arial"/>
         </a:defRPr>
       </a:lvl8pPr>
-      <a:lvl9pPr lvl="8" marR="0" rtl="0" algn="l">
+      <a:lvl9pPr marR="0" lvl="8" algn="l" rtl="0">
         <a:lnSpc>
           <a:spcPct val="100000"/>
         </a:lnSpc>
@@ -6270,7 +6407,7 @@
           <a:srgbClr val="000000"/>
         </a:buClr>
         <a:buFont typeface="Arial"/>
-        <a:defRPr b="0" i="0" sz="1400" u="none" cap="none" strike="noStrike">
+        <a:defRPr sz="1400" b="0" i="0" u="none" strike="noStrike" cap="none">
           <a:solidFill>
             <a:srgbClr val="000000"/>
           </a:solidFill>
@@ -6282,7 +6419,7 @@
       </a:lvl9pPr>
     </p:bodyStyle>
     <p:otherStyle>
-      <a:defPPr lvl="0" marR="0" rtl="0" algn="l">
+      <a:defPPr marR="0" lvl="0" algn="l" rtl="0">
         <a:lnSpc>
           <a:spcPct val="100000"/>
         </a:lnSpc>
@@ -6293,7 +6430,7 @@
           <a:spcPts val="0"/>
         </a:spcAft>
       </a:defPPr>
-      <a:lvl1pPr lvl="0" marR="0" rtl="0" algn="l">
+      <a:lvl1pPr marR="0" lvl="0" algn="l" rtl="0">
         <a:lnSpc>
           <a:spcPct val="100000"/>
         </a:lnSpc>
@@ -6307,7 +6444,7 @@
           <a:srgbClr val="000000"/>
         </a:buClr>
         <a:buFont typeface="Arial"/>
-        <a:defRPr b="0" i="0" sz="1400" u="none" cap="none" strike="noStrike">
+        <a:defRPr sz="1400" b="0" i="0" u="none" strike="noStrike" cap="none">
           <a:solidFill>
             <a:srgbClr val="000000"/>
           </a:solidFill>
@@ -6317,7 +6454,7 @@
           <a:sym typeface="Arial"/>
         </a:defRPr>
       </a:lvl1pPr>
-      <a:lvl2pPr lvl="1" marR="0" rtl="0" algn="l">
+      <a:lvl2pPr marR="0" lvl="1" algn="l" rtl="0">
         <a:lnSpc>
           <a:spcPct val="100000"/>
         </a:lnSpc>
@@ -6331,7 +6468,7 @@
           <a:srgbClr val="000000"/>
         </a:buClr>
         <a:buFont typeface="Arial"/>
-        <a:defRPr b="0" i="0" sz="1400" u="none" cap="none" strike="noStrike">
+        <a:defRPr sz="1400" b="0" i="0" u="none" strike="noStrike" cap="none">
           <a:solidFill>
             <a:srgbClr val="000000"/>
           </a:solidFill>
@@ -6341,7 +6478,7 @@
           <a:sym typeface="Arial"/>
         </a:defRPr>
       </a:lvl2pPr>
-      <a:lvl3pPr lvl="2" marR="0" rtl="0" algn="l">
+      <a:lvl3pPr marR="0" lvl="2" algn="l" rtl="0">
         <a:lnSpc>
           <a:spcPct val="100000"/>
         </a:lnSpc>
@@ -6355,7 +6492,7 @@
           <a:srgbClr val="000000"/>
         </a:buClr>
         <a:buFont typeface="Arial"/>
-        <a:defRPr b="0" i="0" sz="1400" u="none" cap="none" strike="noStrike">
+        <a:defRPr sz="1400" b="0" i="0" u="none" strike="noStrike" cap="none">
           <a:solidFill>
             <a:srgbClr val="000000"/>
           </a:solidFill>
@@ -6365,7 +6502,7 @@
           <a:sym typeface="Arial"/>
         </a:defRPr>
       </a:lvl3pPr>
-      <a:lvl4pPr lvl="3" marR="0" rtl="0" algn="l">
+      <a:lvl4pPr marR="0" lvl="3" algn="l" rtl="0">
         <a:lnSpc>
           <a:spcPct val="100000"/>
         </a:lnSpc>
@@ -6379,7 +6516,7 @@
           <a:srgbClr val="000000"/>
         </a:buClr>
         <a:buFont typeface="Arial"/>
-        <a:defRPr b="0" i="0" sz="1400" u="none" cap="none" strike="noStrike">
+        <a:defRPr sz="1400" b="0" i="0" u="none" strike="noStrike" cap="none">
           <a:solidFill>
             <a:srgbClr val="000000"/>
           </a:solidFill>
@@ -6389,7 +6526,7 @@
           <a:sym typeface="Arial"/>
         </a:defRPr>
       </a:lvl4pPr>
-      <a:lvl5pPr lvl="4" marR="0" rtl="0" algn="l">
+      <a:lvl5pPr marR="0" lvl="4" algn="l" rtl="0">
         <a:lnSpc>
           <a:spcPct val="100000"/>
         </a:lnSpc>
@@ -6403,7 +6540,7 @@
           <a:srgbClr val="000000"/>
         </a:buClr>
         <a:buFont typeface="Arial"/>
-        <a:defRPr b="0" i="0" sz="1400" u="none" cap="none" strike="noStrike">
+        <a:defRPr sz="1400" b="0" i="0" u="none" strike="noStrike" cap="none">
           <a:solidFill>
             <a:srgbClr val="000000"/>
           </a:solidFill>
@@ -6413,7 +6550,7 @@
           <a:sym typeface="Arial"/>
         </a:defRPr>
       </a:lvl5pPr>
-      <a:lvl6pPr lvl="5" marR="0" rtl="0" algn="l">
+      <a:lvl6pPr marR="0" lvl="5" algn="l" rtl="0">
         <a:lnSpc>
           <a:spcPct val="100000"/>
         </a:lnSpc>
@@ -6427,7 +6564,7 @@
           <a:srgbClr val="000000"/>
         </a:buClr>
         <a:buFont typeface="Arial"/>
-        <a:defRPr b="0" i="0" sz="1400" u="none" cap="none" strike="noStrike">
+        <a:defRPr sz="1400" b="0" i="0" u="none" strike="noStrike" cap="none">
           <a:solidFill>
             <a:srgbClr val="000000"/>
           </a:solidFill>
@@ -6437,7 +6574,7 @@
           <a:sym typeface="Arial"/>
         </a:defRPr>
       </a:lvl6pPr>
-      <a:lvl7pPr lvl="6" marR="0" rtl="0" algn="l">
+      <a:lvl7pPr marR="0" lvl="6" algn="l" rtl="0">
         <a:lnSpc>
           <a:spcPct val="100000"/>
         </a:lnSpc>
@@ -6451,7 +6588,7 @@
           <a:srgbClr val="000000"/>
         </a:buClr>
         <a:buFont typeface="Arial"/>
-        <a:defRPr b="0" i="0" sz="1400" u="none" cap="none" strike="noStrike">
+        <a:defRPr sz="1400" b="0" i="0" u="none" strike="noStrike" cap="none">
           <a:solidFill>
             <a:srgbClr val="000000"/>
           </a:solidFill>
@@ -6461,7 +6598,7 @@
           <a:sym typeface="Arial"/>
         </a:defRPr>
       </a:lvl7pPr>
-      <a:lvl8pPr lvl="7" marR="0" rtl="0" algn="l">
+      <a:lvl8pPr marR="0" lvl="7" algn="l" rtl="0">
         <a:lnSpc>
           <a:spcPct val="100000"/>
         </a:lnSpc>
@@ -6475,7 +6612,7 @@
           <a:srgbClr val="000000"/>
         </a:buClr>
         <a:buFont typeface="Arial"/>
-        <a:defRPr b="0" i="0" sz="1400" u="none" cap="none" strike="noStrike">
+        <a:defRPr sz="1400" b="0" i="0" u="none" strike="noStrike" cap="none">
           <a:solidFill>
             <a:srgbClr val="000000"/>
           </a:solidFill>
@@ -6485,7 +6622,7 @@
           <a:sym typeface="Arial"/>
         </a:defRPr>
       </a:lvl8pPr>
-      <a:lvl9pPr lvl="8" marR="0" rtl="0" algn="l">
+      <a:lvl9pPr marR="0" lvl="8" algn="l" rtl="0">
         <a:lnSpc>
           <a:spcPct val="100000"/>
         </a:lnSpc>
@@ -6499,7 +6636,7 @@
           <a:srgbClr val="000000"/>
         </a:buClr>
         <a:buFont typeface="Arial"/>
-        <a:defRPr b="0" i="0" sz="1400" u="none" cap="none" strike="noStrike">
+        <a:defRPr sz="1400" b="0" i="0" u="none" strike="noStrike" cap="none">
           <a:solidFill>
             <a:srgbClr val="000000"/>
           </a:solidFill>
@@ -6515,11 +6652,11 @@
 </file>
 
 <file path=ppt/slides/slide1.xml><?xml version="1.0" encoding="utf-8"?>
-<p:sld xmlns:a="http://schemas.openxmlformats.org/drawingml/2006/main" xmlns:r="http://schemas.openxmlformats.org/officeDocument/2006/relationships" xmlns:mc="http://schemas.openxmlformats.org/markup-compatibility/2006" xmlns:mv="urn:schemas-microsoft-com:mac:vml" xmlns:p="http://schemas.openxmlformats.org/presentationml/2006/main" xmlns:c="http://schemas.openxmlformats.org/drawingml/2006/chart" xmlns:dgm="http://schemas.openxmlformats.org/drawingml/2006/diagram" xmlns:o="urn:schemas-microsoft-com:office:office" xmlns:v="urn:schemas-microsoft-com:vml" xmlns:pvml="urn:schemas-microsoft-com:office:powerpoint" xmlns:com="http://schemas.openxmlformats.org/drawingml/2006/compatibility" xmlns:p14="http://schemas.microsoft.com/office/powerpoint/2010/main" xmlns:p15="http://schemas.microsoft.com/office/powerpoint/2012/main" xmlns:ahyp="http://schemas.microsoft.com/office/drawing/2018/hyperlinkcolor">
+<p:sld xmlns:a="http://schemas.openxmlformats.org/drawingml/2006/main" xmlns:r="http://schemas.openxmlformats.org/officeDocument/2006/relationships" xmlns:p="http://schemas.openxmlformats.org/presentationml/2006/main">
   <p:cSld>
     <p:spTree>
       <p:nvGrpSpPr>
-        <p:cNvPr id="58" name="Shape 58"/>
+        <p:cNvPr id="1" name="Shape 58"/>
         <p:cNvGrpSpPr/>
         <p:nvPr/>
       </p:nvGrpSpPr>
@@ -6534,7 +6671,9 @@
       <p:sp>
         <p:nvSpPr>
           <p:cNvPr id="59" name="Google Shape;59;p13"/>
-          <p:cNvSpPr txBox="1"/>
+          <p:cNvSpPr txBox="1">
+            <a:spLocks noGrp="1"/>
+          </p:cNvSpPr>
           <p:nvPr>
             <p:ph type="ctrTitle"/>
           </p:nvPr>
@@ -6549,12 +6688,12 @@
           </a:prstGeom>
         </p:spPr>
         <p:txBody>
-          <a:bodyPr anchorCtr="0" anchor="b" bIns="91425" lIns="91425" spcFirstLastPara="1" rIns="91425" wrap="square" tIns="91425">
+          <a:bodyPr spcFirstLastPara="1" wrap="square" lIns="91425" tIns="91425" rIns="91425" bIns="91425" anchor="b" anchorCtr="0">
             <a:normAutofit fontScale="90000"/>
           </a:bodyPr>
           <a:lstStyle/>
           <a:p>
-            <a:pPr indent="0" lvl="0" marL="0" rtl="0" algn="l">
+            <a:pPr marL="0" lvl="0" indent="0" algn="l" rtl="0">
               <a:spcBef>
                 <a:spcPts val="0"/>
               </a:spcBef>
@@ -6574,9 +6713,11 @@
       <p:sp>
         <p:nvSpPr>
           <p:cNvPr id="60" name="Google Shape;60;p13"/>
-          <p:cNvSpPr txBox="1"/>
+          <p:cNvSpPr txBox="1">
+            <a:spLocks noGrp="1"/>
+          </p:cNvSpPr>
           <p:nvPr>
-            <p:ph idx="1" type="subTitle"/>
+            <p:ph type="subTitle" idx="1"/>
           </p:nvPr>
         </p:nvSpPr>
         <p:spPr>
@@ -6589,12 +6730,12 @@
           </a:prstGeom>
         </p:spPr>
         <p:txBody>
-          <a:bodyPr anchorCtr="0" anchor="t" bIns="91425" lIns="91425" spcFirstLastPara="1" rIns="91425" wrap="square" tIns="91425">
+          <a:bodyPr spcFirstLastPara="1" wrap="square" lIns="91425" tIns="91425" rIns="91425" bIns="91425" anchor="t" anchorCtr="0">
             <a:normAutofit/>
           </a:bodyPr>
           <a:lstStyle/>
           <a:p>
-            <a:pPr indent="0" lvl="0" marL="0" rtl="0" algn="l">
+            <a:pPr marL="0" lvl="0" indent="0" algn="l" rtl="0">
               <a:spcBef>
                 <a:spcPts val="0"/>
               </a:spcBef>
@@ -6620,11 +6761,11 @@
 </file>
 
 <file path=ppt/slides/slide2.xml><?xml version="1.0" encoding="utf-8"?>
-<p:sld xmlns:a="http://schemas.openxmlformats.org/drawingml/2006/main" xmlns:r="http://schemas.openxmlformats.org/officeDocument/2006/relationships" xmlns:mc="http://schemas.openxmlformats.org/markup-compatibility/2006" xmlns:mv="urn:schemas-microsoft-com:mac:vml" xmlns:p="http://schemas.openxmlformats.org/presentationml/2006/main" xmlns:c="http://schemas.openxmlformats.org/drawingml/2006/chart" xmlns:dgm="http://schemas.openxmlformats.org/drawingml/2006/diagram" xmlns:o="urn:schemas-microsoft-com:office:office" xmlns:v="urn:schemas-microsoft-com:vml" xmlns:pvml="urn:schemas-microsoft-com:office:powerpoint" xmlns:com="http://schemas.openxmlformats.org/drawingml/2006/compatibility" xmlns:p14="http://schemas.microsoft.com/office/powerpoint/2010/main" xmlns:p15="http://schemas.microsoft.com/office/powerpoint/2012/main" xmlns:ahyp="http://schemas.microsoft.com/office/drawing/2018/hyperlinkcolor">
+<p:sld xmlns:a="http://schemas.openxmlformats.org/drawingml/2006/main" xmlns:r="http://schemas.openxmlformats.org/officeDocument/2006/relationships" xmlns:p="http://schemas.openxmlformats.org/presentationml/2006/main">
   <p:cSld>
     <p:spTree>
       <p:nvGrpSpPr>
-        <p:cNvPr id="64" name="Shape 64"/>
+        <p:cNvPr id="1" name="Shape 64"/>
         <p:cNvGrpSpPr/>
         <p:nvPr/>
       </p:nvGrpSpPr>
@@ -6639,7 +6780,9 @@
       <p:sp>
         <p:nvSpPr>
           <p:cNvPr id="65" name="Google Shape;65;p14"/>
-          <p:cNvSpPr txBox="1"/>
+          <p:cNvSpPr txBox="1">
+            <a:spLocks noGrp="1"/>
+          </p:cNvSpPr>
           <p:nvPr>
             <p:ph type="title"/>
           </p:nvPr>
@@ -6654,12 +6797,12 @@
           </a:prstGeom>
         </p:spPr>
         <p:txBody>
-          <a:bodyPr anchorCtr="0" anchor="t" bIns="91425" lIns="91425" spcFirstLastPara="1" rIns="91425" wrap="square" tIns="91425">
+          <a:bodyPr spcFirstLastPara="1" wrap="square" lIns="91425" tIns="91425" rIns="91425" bIns="91425" anchor="t" anchorCtr="0">
             <a:normAutofit fontScale="90000"/>
           </a:bodyPr>
           <a:lstStyle/>
           <a:p>
-            <a:pPr indent="0" lvl="0" marL="0" rtl="0" algn="l">
+            <a:pPr marL="0" lvl="0" indent="0" algn="l" rtl="0">
               <a:spcBef>
                 <a:spcPts val="0"/>
               </a:spcBef>
@@ -6679,9 +6822,11 @@
       <p:sp>
         <p:nvSpPr>
           <p:cNvPr id="66" name="Google Shape;66;p14"/>
-          <p:cNvSpPr txBox="1"/>
+          <p:cNvSpPr txBox="1">
+            <a:spLocks noGrp="1"/>
+          </p:cNvSpPr>
           <p:nvPr>
-            <p:ph idx="1" type="body"/>
+            <p:ph type="body" idx="1"/>
           </p:nvPr>
         </p:nvSpPr>
         <p:spPr>
@@ -6694,12 +6839,12 @@
           </a:prstGeom>
         </p:spPr>
         <p:txBody>
-          <a:bodyPr anchorCtr="0" anchor="t" bIns="91425" lIns="91425" spcFirstLastPara="1" rIns="91425" wrap="square" tIns="91425">
+          <a:bodyPr spcFirstLastPara="1" wrap="square" lIns="91425" tIns="91425" rIns="91425" bIns="91425" anchor="t" anchorCtr="0">
             <a:normAutofit/>
           </a:bodyPr>
           <a:lstStyle/>
           <a:p>
-            <a:pPr indent="0" lvl="0" marL="0" rtl="0" algn="l">
+            <a:pPr marL="0" lvl="0" indent="0" algn="l" rtl="0">
               <a:spcBef>
                 <a:spcPts val="0"/>
               </a:spcBef>
@@ -6710,16 +6855,12 @@
             </a:pPr>
             <a:r>
               <a:rPr lang="en"/>
-              <a:t>To b</a:t>
-            </a:r>
-            <a:r>
-              <a:rPr lang="en"/>
-              <a:t>uild a model that is able to accurately identify the presence of breast cancer in a screening mammogram.</a:t>
+              <a:t>To build a model that is able to accurately identify the presence of breast cancer in a screening mammogram.</a:t>
             </a:r>
             <a:endParaRPr/>
           </a:p>
           <a:p>
-            <a:pPr indent="0" lvl="0" marL="0" rtl="0" algn="l">
+            <a:pPr marL="0" lvl="0" indent="0" algn="l" rtl="0">
               <a:spcBef>
                 <a:spcPts val="1200"/>
               </a:spcBef>
@@ -6735,7 +6876,7 @@
             <a:endParaRPr/>
           </a:p>
           <a:p>
-            <a:pPr indent="0" lvl="0" marL="0" rtl="0" algn="l">
+            <a:pPr marL="0" lvl="0" indent="0" algn="l" rtl="0">
               <a:spcBef>
                 <a:spcPts val="1200"/>
               </a:spcBef>
@@ -6744,9 +6885,6 @@
               </a:spcAft>
               <a:buNone/>
             </a:pPr>
-            <a:r>
-              <a:t/>
-            </a:r>
             <a:endParaRPr/>
           </a:p>
         </p:txBody>
@@ -6760,11 +6898,11 @@
 </file>
 
 <file path=ppt/slides/slide3.xml><?xml version="1.0" encoding="utf-8"?>
-<p:sld xmlns:a="http://schemas.openxmlformats.org/drawingml/2006/main" xmlns:r="http://schemas.openxmlformats.org/officeDocument/2006/relationships" xmlns:mc="http://schemas.openxmlformats.org/markup-compatibility/2006" xmlns:mv="urn:schemas-microsoft-com:mac:vml" xmlns:p="http://schemas.openxmlformats.org/presentationml/2006/main" xmlns:c="http://schemas.openxmlformats.org/drawingml/2006/chart" xmlns:dgm="http://schemas.openxmlformats.org/drawingml/2006/diagram" xmlns:o="urn:schemas-microsoft-com:office:office" xmlns:v="urn:schemas-microsoft-com:vml" xmlns:pvml="urn:schemas-microsoft-com:office:powerpoint" xmlns:com="http://schemas.openxmlformats.org/drawingml/2006/compatibility" xmlns:p14="http://schemas.microsoft.com/office/powerpoint/2010/main" xmlns:p15="http://schemas.microsoft.com/office/powerpoint/2012/main" xmlns:ahyp="http://schemas.microsoft.com/office/drawing/2018/hyperlinkcolor">
+<p:sld xmlns:a="http://schemas.openxmlformats.org/drawingml/2006/main" xmlns:r="http://schemas.openxmlformats.org/officeDocument/2006/relationships" xmlns:p="http://schemas.openxmlformats.org/presentationml/2006/main">
   <p:cSld>
     <p:spTree>
       <p:nvGrpSpPr>
-        <p:cNvPr id="70" name="Shape 70"/>
+        <p:cNvPr id="1" name="Shape 70"/>
         <p:cNvGrpSpPr/>
         <p:nvPr/>
       </p:nvGrpSpPr>
@@ -6779,7 +6917,9 @@
       <p:sp>
         <p:nvSpPr>
           <p:cNvPr id="71" name="Google Shape;71;p15"/>
-          <p:cNvSpPr txBox="1"/>
+          <p:cNvSpPr txBox="1">
+            <a:spLocks noGrp="1"/>
+          </p:cNvSpPr>
           <p:nvPr>
             <p:ph type="title"/>
           </p:nvPr>
@@ -6794,12 +6934,12 @@
           </a:prstGeom>
         </p:spPr>
         <p:txBody>
-          <a:bodyPr anchorCtr="0" anchor="t" bIns="91425" lIns="91425" spcFirstLastPara="1" rIns="91425" wrap="square" tIns="91425">
+          <a:bodyPr spcFirstLastPara="1" wrap="square" lIns="91425" tIns="91425" rIns="91425" bIns="91425" anchor="t" anchorCtr="0">
             <a:normAutofit fontScale="90000"/>
           </a:bodyPr>
           <a:lstStyle/>
           <a:p>
-            <a:pPr indent="0" lvl="0" marL="0" rtl="0" algn="l">
+            <a:pPr marL="0" lvl="0" indent="0" algn="l" rtl="0">
               <a:spcBef>
                 <a:spcPts val="0"/>
               </a:spcBef>
@@ -6819,9 +6959,11 @@
       <p:sp>
         <p:nvSpPr>
           <p:cNvPr id="72" name="Google Shape;72;p15"/>
-          <p:cNvSpPr txBox="1"/>
+          <p:cNvSpPr txBox="1">
+            <a:spLocks noGrp="1"/>
+          </p:cNvSpPr>
           <p:nvPr>
-            <p:ph idx="1" type="body"/>
+            <p:ph type="body" idx="1"/>
           </p:nvPr>
         </p:nvSpPr>
         <p:spPr>
@@ -6834,12 +6976,12 @@
           </a:prstGeom>
         </p:spPr>
         <p:txBody>
-          <a:bodyPr anchorCtr="0" anchor="t" bIns="91425" lIns="91425" spcFirstLastPara="1" rIns="91425" wrap="square" tIns="91425">
+          <a:bodyPr spcFirstLastPara="1" wrap="square" lIns="91425" tIns="91425" rIns="91425" bIns="91425" anchor="t" anchorCtr="0">
             <a:normAutofit/>
           </a:bodyPr>
           <a:lstStyle/>
           <a:p>
-            <a:pPr indent="0" lvl="0" marL="0" rtl="0" algn="l">
+            <a:pPr marL="0" lvl="0" indent="0" algn="l" rtl="0">
               <a:spcBef>
                 <a:spcPts val="0"/>
               </a:spcBef>
@@ -6848,9 +6990,6 @@
               </a:spcAft>
               <a:buNone/>
             </a:pPr>
-            <a:r>
-              <a:t/>
-            </a:r>
             <a:endParaRPr/>
           </a:p>
         </p:txBody>
@@ -6864,11 +7003,11 @@
 </file>
 
 <file path=ppt/slides/slide4.xml><?xml version="1.0" encoding="utf-8"?>
-<p:sld xmlns:a="http://schemas.openxmlformats.org/drawingml/2006/main" xmlns:r="http://schemas.openxmlformats.org/officeDocument/2006/relationships" xmlns:mc="http://schemas.openxmlformats.org/markup-compatibility/2006" xmlns:mv="urn:schemas-microsoft-com:mac:vml" xmlns:p="http://schemas.openxmlformats.org/presentationml/2006/main" xmlns:c="http://schemas.openxmlformats.org/drawingml/2006/chart" xmlns:dgm="http://schemas.openxmlformats.org/drawingml/2006/diagram" xmlns:o="urn:schemas-microsoft-com:office:office" xmlns:v="urn:schemas-microsoft-com:vml" xmlns:pvml="urn:schemas-microsoft-com:office:powerpoint" xmlns:com="http://schemas.openxmlformats.org/drawingml/2006/compatibility" xmlns:p14="http://schemas.microsoft.com/office/powerpoint/2010/main" xmlns:p15="http://schemas.microsoft.com/office/powerpoint/2012/main" xmlns:ahyp="http://schemas.microsoft.com/office/drawing/2018/hyperlinkcolor">
+<p:sld xmlns:a="http://schemas.openxmlformats.org/drawingml/2006/main" xmlns:r="http://schemas.openxmlformats.org/officeDocument/2006/relationships" xmlns:p="http://schemas.openxmlformats.org/presentationml/2006/main">
   <p:cSld>
     <p:spTree>
       <p:nvGrpSpPr>
-        <p:cNvPr id="76" name="Shape 76"/>
+        <p:cNvPr id="1" name="Shape 76"/>
         <p:cNvGrpSpPr/>
         <p:nvPr/>
       </p:nvGrpSpPr>
@@ -6883,7 +7022,9 @@
       <p:sp>
         <p:nvSpPr>
           <p:cNvPr id="77" name="Google Shape;77;p16"/>
-          <p:cNvSpPr txBox="1"/>
+          <p:cNvSpPr txBox="1">
+            <a:spLocks noGrp="1"/>
+          </p:cNvSpPr>
           <p:nvPr>
             <p:ph type="title"/>
           </p:nvPr>
@@ -6898,12 +7039,12 @@
           </a:prstGeom>
         </p:spPr>
         <p:txBody>
-          <a:bodyPr anchorCtr="0" anchor="t" bIns="91425" lIns="91425" spcFirstLastPara="1" rIns="91425" wrap="square" tIns="91425">
+          <a:bodyPr spcFirstLastPara="1" wrap="square" lIns="91425" tIns="91425" rIns="91425" bIns="91425" anchor="t" anchorCtr="0">
             <a:normAutofit fontScale="90000"/>
           </a:bodyPr>
           <a:lstStyle/>
           <a:p>
-            <a:pPr indent="0" lvl="0" marL="0" rtl="0" algn="l">
+            <a:pPr marL="0" lvl="0" indent="0" algn="l" rtl="0">
               <a:spcBef>
                 <a:spcPts val="0"/>
               </a:spcBef>
@@ -6923,9 +7064,11 @@
       <p:sp>
         <p:nvSpPr>
           <p:cNvPr id="78" name="Google Shape;78;p16"/>
-          <p:cNvSpPr txBox="1"/>
+          <p:cNvSpPr txBox="1">
+            <a:spLocks noGrp="1"/>
+          </p:cNvSpPr>
           <p:nvPr>
-            <p:ph idx="1" type="body"/>
+            <p:ph type="body" idx="1"/>
           </p:nvPr>
         </p:nvSpPr>
         <p:spPr>
@@ -6938,12 +7081,12 @@
           </a:prstGeom>
         </p:spPr>
         <p:txBody>
-          <a:bodyPr anchorCtr="0" anchor="t" bIns="91425" lIns="91425" spcFirstLastPara="1" rIns="91425" wrap="square" tIns="91425">
+          <a:bodyPr spcFirstLastPara="1" wrap="square" lIns="91425" tIns="91425" rIns="91425" bIns="91425" anchor="t" anchorCtr="0">
             <a:normAutofit/>
           </a:bodyPr>
           <a:lstStyle/>
           <a:p>
-            <a:pPr indent="0" lvl="0" marL="0" rtl="0" algn="l">
+            <a:pPr marL="0" lvl="0" indent="0" algn="l" rtl="0">
               <a:spcBef>
                 <a:spcPts val="0"/>
               </a:spcBef>
@@ -6953,7 +7096,7 @@
               <a:buNone/>
             </a:pPr>
             <a:r>
-              <a:rPr lang="en" u="sng">
+              <a:rPr lang="en" u="sng" dirty="0">
                 <a:solidFill>
                   <a:schemeClr val="hlink"/>
                 </a:solidFill>
@@ -6961,10 +7104,10 @@
               </a:rPr>
               <a:t>Kaggle Notebook Link</a:t>
             </a:r>
-            <a:endParaRPr/>
+            <a:endParaRPr dirty="0"/>
           </a:p>
           <a:p>
-            <a:pPr indent="0" lvl="0" marL="0" rtl="0" algn="l">
+            <a:pPr marL="0" lvl="0" indent="0" algn="l" rtl="0">
               <a:spcBef>
                 <a:spcPts val="1200"/>
               </a:spcBef>
@@ -6974,10 +7117,10 @@
               <a:buNone/>
             </a:pPr>
             <a:r>
-              <a:rPr lang="en"/>
-              <a:t>The above link contains the code that implements the approach. Run using GPUs.</a:t>
+              <a:rPr lang="en" dirty="0"/>
+              <a:t>The above link contains the code that implements the approach. Run using GPUs. The output is of the form attached below:</a:t>
             </a:r>
-            <a:endParaRPr/>
+            <a:endParaRPr dirty="0"/>
           </a:p>
         </p:txBody>
       </p:sp>
@@ -6997,7 +7140,7 @@
         </p:blipFill>
         <p:spPr>
           <a:xfrm>
-            <a:off x="311700" y="2211000"/>
+            <a:off x="311700" y="2554326"/>
             <a:ext cx="4724400" cy="1809750"/>
           </a:xfrm>
           <a:prstGeom prst="rect">
@@ -7018,11 +7161,11 @@
 </file>
 
 <file path=ppt/slides/slide5.xml><?xml version="1.0" encoding="utf-8"?>
-<p:sld xmlns:a="http://schemas.openxmlformats.org/drawingml/2006/main" xmlns:r="http://schemas.openxmlformats.org/officeDocument/2006/relationships" xmlns:mc="http://schemas.openxmlformats.org/markup-compatibility/2006" xmlns:mv="urn:schemas-microsoft-com:mac:vml" xmlns:p="http://schemas.openxmlformats.org/presentationml/2006/main" xmlns:c="http://schemas.openxmlformats.org/drawingml/2006/chart" xmlns:dgm="http://schemas.openxmlformats.org/drawingml/2006/diagram" xmlns:o="urn:schemas-microsoft-com:office:office" xmlns:v="urn:schemas-microsoft-com:vml" xmlns:pvml="urn:schemas-microsoft-com:office:powerpoint" xmlns:com="http://schemas.openxmlformats.org/drawingml/2006/compatibility" xmlns:p14="http://schemas.microsoft.com/office/powerpoint/2010/main" xmlns:p15="http://schemas.microsoft.com/office/powerpoint/2012/main" xmlns:ahyp="http://schemas.microsoft.com/office/drawing/2018/hyperlinkcolor">
+<p:sld xmlns:a="http://schemas.openxmlformats.org/drawingml/2006/main" xmlns:r="http://schemas.openxmlformats.org/officeDocument/2006/relationships" xmlns:p="http://schemas.openxmlformats.org/presentationml/2006/main">
   <p:cSld>
     <p:spTree>
       <p:nvGrpSpPr>
-        <p:cNvPr id="83" name="Shape 83"/>
+        <p:cNvPr id="1" name="Shape 83"/>
         <p:cNvGrpSpPr/>
         <p:nvPr/>
       </p:nvGrpSpPr>
@@ -7037,7 +7180,9 @@
       <p:sp>
         <p:nvSpPr>
           <p:cNvPr id="84" name="Google Shape;84;p17"/>
-          <p:cNvSpPr txBox="1"/>
+          <p:cNvSpPr txBox="1">
+            <a:spLocks noGrp="1"/>
+          </p:cNvSpPr>
           <p:nvPr>
             <p:ph type="title"/>
           </p:nvPr>
@@ -7052,12 +7197,12 @@
           </a:prstGeom>
         </p:spPr>
         <p:txBody>
-          <a:bodyPr anchorCtr="0" anchor="t" bIns="91425" lIns="91425" spcFirstLastPara="1" rIns="91425" wrap="square" tIns="91425">
+          <a:bodyPr spcFirstLastPara="1" wrap="square" lIns="91425" tIns="91425" rIns="91425" bIns="91425" anchor="t" anchorCtr="0">
             <a:normAutofit fontScale="90000"/>
           </a:bodyPr>
           <a:lstStyle/>
           <a:p>
-            <a:pPr indent="0" lvl="0" marL="0" rtl="0" algn="l">
+            <a:pPr marL="0" lvl="0" indent="0" algn="l" rtl="0">
               <a:spcBef>
                 <a:spcPts val="0"/>
               </a:spcBef>
@@ -7111,7 +7256,288 @@
 </file>
 
 <file path=ppt/theme/theme1.xml><?xml version="1.0" encoding="utf-8"?>
-<a:theme xmlns:a="http://schemas.openxmlformats.org/drawingml/2006/main" xmlns:r="http://schemas.openxmlformats.org/officeDocument/2006/relationships">
+<a:theme xmlns:a="http://schemas.openxmlformats.org/drawingml/2006/main" name="Spearmint">
+  <a:themeElements>
+    <a:clrScheme name="Spearmint">
+      <a:dk1>
+        <a:srgbClr val="202729"/>
+      </a:dk1>
+      <a:lt1>
+        <a:srgbClr val="FFFFFF"/>
+      </a:lt1>
+      <a:dk2>
+        <a:srgbClr val="4BA173"/>
+      </a:dk2>
+      <a:lt2>
+        <a:srgbClr val="63D297"/>
+      </a:lt2>
+      <a:accent1>
+        <a:srgbClr val="353744"/>
+      </a:accent1>
+      <a:accent2>
+        <a:srgbClr val="424242"/>
+      </a:accent2>
+      <a:accent3>
+        <a:srgbClr val="616161"/>
+      </a:accent3>
+      <a:accent4>
+        <a:srgbClr val="999999"/>
+      </a:accent4>
+      <a:accent5>
+        <a:srgbClr val="FF5252"/>
+      </a:accent5>
+      <a:accent6>
+        <a:srgbClr val="FFF176"/>
+      </a:accent6>
+      <a:hlink>
+        <a:srgbClr val="FF5252"/>
+      </a:hlink>
+      <a:folHlink>
+        <a:srgbClr val="FF5252"/>
+      </a:folHlink>
+    </a:clrScheme>
+    <a:fontScheme name="Office">
+      <a:majorFont>
+        <a:latin typeface="Arial"/>
+        <a:ea typeface=""/>
+        <a:cs typeface=""/>
+        <a:font script="Jpan" typeface="ＭＳ Ｐゴシック"/>
+        <a:font script="Hang" typeface="맑은 고딕"/>
+        <a:font script="Hans" typeface="宋体"/>
+        <a:font script="Hant" typeface="新細明體"/>
+        <a:font script="Arab" typeface="Times New Roman"/>
+        <a:font script="Hebr" typeface="Times New Roman"/>
+        <a:font script="Thai" typeface="Angsana New"/>
+        <a:font script="Ethi" typeface="Nyala"/>
+        <a:font script="Beng" typeface="Vrinda"/>
+        <a:font script="Gujr" typeface="Shruti"/>
+        <a:font script="Khmr" typeface="MoolBoran"/>
+        <a:font script="Knda" typeface="Tunga"/>
+        <a:font script="Guru" typeface="Raavi"/>
+        <a:font script="Cans" typeface="Euphemia"/>
+        <a:font script="Cher" typeface="Plantagenet Cherokee"/>
+        <a:font script="Yiii" typeface="Microsoft Yi Baiti"/>
+        <a:font script="Tibt" typeface="Microsoft Himalaya"/>
+        <a:font script="Thaa" typeface="MV Boli"/>
+        <a:font script="Deva" typeface="Mangal"/>
+        <a:font script="Telu" typeface="Gautami"/>
+        <a:font script="Taml" typeface="Latha"/>
+        <a:font script="Syrc" typeface="Estrangelo Edessa"/>
+        <a:font script="Orya" typeface="Kalinga"/>
+        <a:font script="Mlym" typeface="Kartika"/>
+        <a:font script="Laoo" typeface="DokChampa"/>
+        <a:font script="Sinh" typeface="Iskoola Pota"/>
+        <a:font script="Mong" typeface="Mongolian Baiti"/>
+        <a:font script="Viet" typeface="Times New Roman"/>
+        <a:font script="Uigh" typeface="Microsoft Uighur"/>
+        <a:font script="Geor" typeface="Sylfaen"/>
+      </a:majorFont>
+      <a:minorFont>
+        <a:latin typeface="Arial"/>
+        <a:ea typeface=""/>
+        <a:cs typeface=""/>
+        <a:font script="Jpan" typeface="ＭＳ Ｐゴシック"/>
+        <a:font script="Hang" typeface="맑은 고딕"/>
+        <a:font script="Hans" typeface="宋体"/>
+        <a:font script="Hant" typeface="新細明體"/>
+        <a:font script="Arab" typeface="Arial"/>
+        <a:font script="Hebr" typeface="Arial"/>
+        <a:font script="Thai" typeface="Cordia New"/>
+        <a:font script="Ethi" typeface="Nyala"/>
+        <a:font script="Beng" typeface="Vrinda"/>
+        <a:font script="Gujr" typeface="Shruti"/>
+        <a:font script="Khmr" typeface="DaunPenh"/>
+        <a:font script="Knda" typeface="Tunga"/>
+        <a:font script="Guru" typeface="Raavi"/>
+        <a:font script="Cans" typeface="Euphemia"/>
+        <a:font script="Cher" typeface="Plantagenet Cherokee"/>
+        <a:font script="Yiii" typeface="Microsoft Yi Baiti"/>
+        <a:font script="Tibt" typeface="Microsoft Himalaya"/>
+        <a:font script="Thaa" typeface="MV Boli"/>
+        <a:font script="Deva" typeface="Mangal"/>
+        <a:font script="Telu" typeface="Gautami"/>
+        <a:font script="Taml" typeface="Latha"/>
+        <a:font script="Syrc" typeface="Estrangelo Edessa"/>
+        <a:font script="Orya" typeface="Kalinga"/>
+        <a:font script="Mlym" typeface="Kartika"/>
+        <a:font script="Laoo" typeface="DokChampa"/>
+        <a:font script="Sinh" typeface="Iskoola Pota"/>
+        <a:font script="Mong" typeface="Mongolian Baiti"/>
+        <a:font script="Viet" typeface="Arial"/>
+        <a:font script="Uigh" typeface="Microsoft Uighur"/>
+        <a:font script="Geor" typeface="Sylfaen"/>
+      </a:minorFont>
+    </a:fontScheme>
+    <a:fmtScheme name="Office">
+      <a:fillStyleLst>
+        <a:solidFill>
+          <a:schemeClr val="phClr"/>
+        </a:solidFill>
+        <a:gradFill rotWithShape="1">
+          <a:gsLst>
+            <a:gs pos="0">
+              <a:schemeClr val="phClr">
+                <a:tint val="50000"/>
+                <a:satMod val="300000"/>
+              </a:schemeClr>
+            </a:gs>
+            <a:gs pos="35000">
+              <a:schemeClr val="phClr">
+                <a:tint val="37000"/>
+                <a:satMod val="300000"/>
+              </a:schemeClr>
+            </a:gs>
+            <a:gs pos="100000">
+              <a:schemeClr val="phClr">
+                <a:tint val="15000"/>
+                <a:satMod val="350000"/>
+              </a:schemeClr>
+            </a:gs>
+          </a:gsLst>
+          <a:lin ang="16200000" scaled="1"/>
+        </a:gradFill>
+        <a:gradFill rotWithShape="1">
+          <a:gsLst>
+            <a:gs pos="0">
+              <a:schemeClr val="phClr">
+                <a:tint val="100000"/>
+                <a:shade val="100000"/>
+                <a:satMod val="130000"/>
+              </a:schemeClr>
+            </a:gs>
+            <a:gs pos="100000">
+              <a:schemeClr val="phClr">
+                <a:tint val="50000"/>
+                <a:shade val="100000"/>
+                <a:satMod val="350000"/>
+              </a:schemeClr>
+            </a:gs>
+          </a:gsLst>
+          <a:lin ang="16200000" scaled="0"/>
+        </a:gradFill>
+      </a:fillStyleLst>
+      <a:lnStyleLst>
+        <a:ln w="9525" cap="flat" cmpd="sng" algn="ctr">
+          <a:solidFill>
+            <a:schemeClr val="phClr">
+              <a:shade val="95000"/>
+              <a:satMod val="105000"/>
+            </a:schemeClr>
+          </a:solidFill>
+          <a:prstDash val="solid"/>
+        </a:ln>
+        <a:ln w="25400" cap="flat" cmpd="sng" algn="ctr">
+          <a:solidFill>
+            <a:schemeClr val="phClr"/>
+          </a:solidFill>
+          <a:prstDash val="solid"/>
+        </a:ln>
+        <a:ln w="38100" cap="flat" cmpd="sng" algn="ctr">
+          <a:solidFill>
+            <a:schemeClr val="phClr"/>
+          </a:solidFill>
+          <a:prstDash val="solid"/>
+        </a:ln>
+      </a:lnStyleLst>
+      <a:effectStyleLst>
+        <a:effectStyle>
+          <a:effectLst>
+            <a:outerShdw blurRad="40000" dist="20000" dir="5400000" rotWithShape="0">
+              <a:srgbClr val="000000">
+                <a:alpha val="38000"/>
+              </a:srgbClr>
+            </a:outerShdw>
+          </a:effectLst>
+        </a:effectStyle>
+        <a:effectStyle>
+          <a:effectLst>
+            <a:outerShdw blurRad="40000" dist="23000" dir="5400000" rotWithShape="0">
+              <a:srgbClr val="000000">
+                <a:alpha val="35000"/>
+              </a:srgbClr>
+            </a:outerShdw>
+          </a:effectLst>
+        </a:effectStyle>
+        <a:effectStyle>
+          <a:effectLst>
+            <a:outerShdw blurRad="40000" dist="23000" dir="5400000" rotWithShape="0">
+              <a:srgbClr val="000000">
+                <a:alpha val="35000"/>
+              </a:srgbClr>
+            </a:outerShdw>
+          </a:effectLst>
+          <a:scene3d>
+            <a:camera prst="orthographicFront">
+              <a:rot lat="0" lon="0" rev="0"/>
+            </a:camera>
+            <a:lightRig rig="threePt" dir="t">
+              <a:rot lat="0" lon="0" rev="1200000"/>
+            </a:lightRig>
+          </a:scene3d>
+          <a:sp3d>
+            <a:bevelT w="63500" h="25400"/>
+          </a:sp3d>
+        </a:effectStyle>
+      </a:effectStyleLst>
+      <a:bgFillStyleLst>
+        <a:solidFill>
+          <a:schemeClr val="phClr"/>
+        </a:solidFill>
+        <a:gradFill rotWithShape="1">
+          <a:gsLst>
+            <a:gs pos="0">
+              <a:schemeClr val="phClr">
+                <a:tint val="40000"/>
+                <a:satMod val="350000"/>
+              </a:schemeClr>
+            </a:gs>
+            <a:gs pos="40000">
+              <a:schemeClr val="phClr">
+                <a:tint val="45000"/>
+                <a:shade val="99000"/>
+                <a:satMod val="350000"/>
+              </a:schemeClr>
+            </a:gs>
+            <a:gs pos="100000">
+              <a:schemeClr val="phClr">
+                <a:shade val="20000"/>
+                <a:satMod val="255000"/>
+              </a:schemeClr>
+            </a:gs>
+          </a:gsLst>
+          <a:path path="circle">
+            <a:fillToRect l="50000" t="-80000" r="50000" b="180000"/>
+          </a:path>
+        </a:gradFill>
+        <a:gradFill rotWithShape="1">
+          <a:gsLst>
+            <a:gs pos="0">
+              <a:schemeClr val="phClr">
+                <a:tint val="80000"/>
+                <a:satMod val="300000"/>
+              </a:schemeClr>
+            </a:gs>
+            <a:gs pos="100000">
+              <a:schemeClr val="phClr">
+                <a:shade val="30000"/>
+                <a:satMod val="200000"/>
+              </a:schemeClr>
+            </a:gs>
+          </a:gsLst>
+          <a:path path="circle">
+            <a:fillToRect l="50000" t="50000" r="50000" b="50000"/>
+          </a:path>
+        </a:gradFill>
+      </a:bgFillStyleLst>
+    </a:fmtScheme>
+  </a:themeElements>
+  <a:objectDefaults/>
+  <a:extraClrSchemeLst/>
+</a:theme>
+</file>
+
+<file path=ppt/theme/theme2.xml><?xml version="1.0" encoding="utf-8"?>
+<a:theme xmlns:a="http://schemas.openxmlformats.org/drawingml/2006/main">
   <a:themeElements>
     <a:clrScheme name="Default">
       <a:dk1>
@@ -7386,284 +7812,7 @@
       </a:bgFillStyleLst>
     </a:fmtScheme>
   </a:themeElements>
-</a:theme>
-</file>
-
-<file path=ppt/theme/theme2.xml><?xml version="1.0" encoding="utf-8"?>
-<a:theme xmlns:a="http://schemas.openxmlformats.org/drawingml/2006/main" xmlns:r="http://schemas.openxmlformats.org/officeDocument/2006/relationships" name="Spearmint">
-  <a:themeElements>
-    <a:clrScheme name="Spearmint">
-      <a:dk1>
-        <a:srgbClr val="202729"/>
-      </a:dk1>
-      <a:lt1>
-        <a:srgbClr val="FFFFFF"/>
-      </a:lt1>
-      <a:dk2>
-        <a:srgbClr val="4BA173"/>
-      </a:dk2>
-      <a:lt2>
-        <a:srgbClr val="63D297"/>
-      </a:lt2>
-      <a:accent1>
-        <a:srgbClr val="353744"/>
-      </a:accent1>
-      <a:accent2>
-        <a:srgbClr val="424242"/>
-      </a:accent2>
-      <a:accent3>
-        <a:srgbClr val="616161"/>
-      </a:accent3>
-      <a:accent4>
-        <a:srgbClr val="999999"/>
-      </a:accent4>
-      <a:accent5>
-        <a:srgbClr val="FF5252"/>
-      </a:accent5>
-      <a:accent6>
-        <a:srgbClr val="FFF176"/>
-      </a:accent6>
-      <a:hlink>
-        <a:srgbClr val="FF5252"/>
-      </a:hlink>
-      <a:folHlink>
-        <a:srgbClr val="FF5252"/>
-      </a:folHlink>
-    </a:clrScheme>
-    <a:fontScheme name="Office">
-      <a:majorFont>
-        <a:latin typeface="Arial"/>
-        <a:ea typeface=""/>
-        <a:cs typeface=""/>
-        <a:font script="Jpan" typeface="ＭＳ Ｐゴシック"/>
-        <a:font script="Hang" typeface="맑은 고딕"/>
-        <a:font script="Hans" typeface="宋体"/>
-        <a:font script="Hant" typeface="新細明體"/>
-        <a:font script="Arab" typeface="Times New Roman"/>
-        <a:font script="Hebr" typeface="Times New Roman"/>
-        <a:font script="Thai" typeface="Angsana New"/>
-        <a:font script="Ethi" typeface="Nyala"/>
-        <a:font script="Beng" typeface="Vrinda"/>
-        <a:font script="Gujr" typeface="Shruti"/>
-        <a:font script="Khmr" typeface="MoolBoran"/>
-        <a:font script="Knda" typeface="Tunga"/>
-        <a:font script="Guru" typeface="Raavi"/>
-        <a:font script="Cans" typeface="Euphemia"/>
-        <a:font script="Cher" typeface="Plantagenet Cherokee"/>
-        <a:font script="Yiii" typeface="Microsoft Yi Baiti"/>
-        <a:font script="Tibt" typeface="Microsoft Himalaya"/>
-        <a:font script="Thaa" typeface="MV Boli"/>
-        <a:font script="Deva" typeface="Mangal"/>
-        <a:font script="Telu" typeface="Gautami"/>
-        <a:font script="Taml" typeface="Latha"/>
-        <a:font script="Syrc" typeface="Estrangelo Edessa"/>
-        <a:font script="Orya" typeface="Kalinga"/>
-        <a:font script="Mlym" typeface="Kartika"/>
-        <a:font script="Laoo" typeface="DokChampa"/>
-        <a:font script="Sinh" typeface="Iskoola Pota"/>
-        <a:font script="Mong" typeface="Mongolian Baiti"/>
-        <a:font script="Viet" typeface="Times New Roman"/>
-        <a:font script="Uigh" typeface="Microsoft Uighur"/>
-        <a:font script="Geor" typeface="Sylfaen"/>
-      </a:majorFont>
-      <a:minorFont>
-        <a:latin typeface="Arial"/>
-        <a:ea typeface=""/>
-        <a:cs typeface=""/>
-        <a:font script="Jpan" typeface="ＭＳ Ｐゴシック"/>
-        <a:font script="Hang" typeface="맑은 고딕"/>
-        <a:font script="Hans" typeface="宋体"/>
-        <a:font script="Hant" typeface="新細明體"/>
-        <a:font script="Arab" typeface="Arial"/>
-        <a:font script="Hebr" typeface="Arial"/>
-        <a:font script="Thai" typeface="Cordia New"/>
-        <a:font script="Ethi" typeface="Nyala"/>
-        <a:font script="Beng" typeface="Vrinda"/>
-        <a:font script="Gujr" typeface="Shruti"/>
-        <a:font script="Khmr" typeface="DaunPenh"/>
-        <a:font script="Knda" typeface="Tunga"/>
-        <a:font script="Guru" typeface="Raavi"/>
-        <a:font script="Cans" typeface="Euphemia"/>
-        <a:font script="Cher" typeface="Plantagenet Cherokee"/>
-        <a:font script="Yiii" typeface="Microsoft Yi Baiti"/>
-        <a:font script="Tibt" typeface="Microsoft Himalaya"/>
-        <a:font script="Thaa" typeface="MV Boli"/>
-        <a:font script="Deva" typeface="Mangal"/>
-        <a:font script="Telu" typeface="Gautami"/>
-        <a:font script="Taml" typeface="Latha"/>
-        <a:font script="Syrc" typeface="Estrangelo Edessa"/>
-        <a:font script="Orya" typeface="Kalinga"/>
-        <a:font script="Mlym" typeface="Kartika"/>
-        <a:font script="Laoo" typeface="DokChampa"/>
-        <a:font script="Sinh" typeface="Iskoola Pota"/>
-        <a:font script="Mong" typeface="Mongolian Baiti"/>
-        <a:font script="Viet" typeface="Arial"/>
-        <a:font script="Uigh" typeface="Microsoft Uighur"/>
-        <a:font script="Geor" typeface="Sylfaen"/>
-      </a:minorFont>
-    </a:fontScheme>
-    <a:fmtScheme name="Office">
-      <a:fillStyleLst>
-        <a:solidFill>
-          <a:schemeClr val="phClr"/>
-        </a:solidFill>
-        <a:gradFill rotWithShape="1">
-          <a:gsLst>
-            <a:gs pos="0">
-              <a:schemeClr val="phClr">
-                <a:tint val="50000"/>
-                <a:satMod val="300000"/>
-              </a:schemeClr>
-            </a:gs>
-            <a:gs pos="35000">
-              <a:schemeClr val="phClr">
-                <a:tint val="37000"/>
-                <a:satMod val="300000"/>
-              </a:schemeClr>
-            </a:gs>
-            <a:gs pos="100000">
-              <a:schemeClr val="phClr">
-                <a:tint val="15000"/>
-                <a:satMod val="350000"/>
-              </a:schemeClr>
-            </a:gs>
-          </a:gsLst>
-          <a:lin ang="16200000" scaled="1"/>
-        </a:gradFill>
-        <a:gradFill rotWithShape="1">
-          <a:gsLst>
-            <a:gs pos="0">
-              <a:schemeClr val="phClr">
-                <a:tint val="100000"/>
-                <a:shade val="100000"/>
-                <a:satMod val="130000"/>
-              </a:schemeClr>
-            </a:gs>
-            <a:gs pos="100000">
-              <a:schemeClr val="phClr">
-                <a:tint val="50000"/>
-                <a:shade val="100000"/>
-                <a:satMod val="350000"/>
-              </a:schemeClr>
-            </a:gs>
-          </a:gsLst>
-          <a:lin ang="16200000" scaled="0"/>
-        </a:gradFill>
-      </a:fillStyleLst>
-      <a:lnStyleLst>
-        <a:ln w="9525" cap="flat" cmpd="sng" algn="ctr">
-          <a:solidFill>
-            <a:schemeClr val="phClr">
-              <a:shade val="95000"/>
-              <a:satMod val="105000"/>
-            </a:schemeClr>
-          </a:solidFill>
-          <a:prstDash val="solid"/>
-        </a:ln>
-        <a:ln w="25400" cap="flat" cmpd="sng" algn="ctr">
-          <a:solidFill>
-            <a:schemeClr val="phClr"/>
-          </a:solidFill>
-          <a:prstDash val="solid"/>
-        </a:ln>
-        <a:ln w="38100" cap="flat" cmpd="sng" algn="ctr">
-          <a:solidFill>
-            <a:schemeClr val="phClr"/>
-          </a:solidFill>
-          <a:prstDash val="solid"/>
-        </a:ln>
-      </a:lnStyleLst>
-      <a:effectStyleLst>
-        <a:effectStyle>
-          <a:effectLst>
-            <a:outerShdw blurRad="40000" dist="20000" dir="5400000" rotWithShape="0">
-              <a:srgbClr val="000000">
-                <a:alpha val="38000"/>
-              </a:srgbClr>
-            </a:outerShdw>
-          </a:effectLst>
-        </a:effectStyle>
-        <a:effectStyle>
-          <a:effectLst>
-            <a:outerShdw blurRad="40000" dist="23000" dir="5400000" rotWithShape="0">
-              <a:srgbClr val="000000">
-                <a:alpha val="35000"/>
-              </a:srgbClr>
-            </a:outerShdw>
-          </a:effectLst>
-        </a:effectStyle>
-        <a:effectStyle>
-          <a:effectLst>
-            <a:outerShdw blurRad="40000" dist="23000" dir="5400000" rotWithShape="0">
-              <a:srgbClr val="000000">
-                <a:alpha val="35000"/>
-              </a:srgbClr>
-            </a:outerShdw>
-          </a:effectLst>
-          <a:scene3d>
-            <a:camera prst="orthographicFront">
-              <a:rot lat="0" lon="0" rev="0"/>
-            </a:camera>
-            <a:lightRig rig="threePt" dir="t">
-              <a:rot lat="0" lon="0" rev="1200000"/>
-            </a:lightRig>
-          </a:scene3d>
-          <a:sp3d>
-            <a:bevelT w="63500" h="25400"/>
-          </a:sp3d>
-        </a:effectStyle>
-      </a:effectStyleLst>
-      <a:bgFillStyleLst>
-        <a:solidFill>
-          <a:schemeClr val="phClr"/>
-        </a:solidFill>
-        <a:gradFill rotWithShape="1">
-          <a:gsLst>
-            <a:gs pos="0">
-              <a:schemeClr val="phClr">
-                <a:tint val="40000"/>
-                <a:satMod val="350000"/>
-              </a:schemeClr>
-            </a:gs>
-            <a:gs pos="40000">
-              <a:schemeClr val="phClr">
-                <a:tint val="45000"/>
-                <a:shade val="99000"/>
-                <a:satMod val="350000"/>
-              </a:schemeClr>
-            </a:gs>
-            <a:gs pos="100000">
-              <a:schemeClr val="phClr">
-                <a:shade val="20000"/>
-                <a:satMod val="255000"/>
-              </a:schemeClr>
-            </a:gs>
-          </a:gsLst>
-          <a:path path="circle">
-            <a:fillToRect l="50000" t="-80000" r="50000" b="180000"/>
-          </a:path>
-        </a:gradFill>
-        <a:gradFill rotWithShape="1">
-          <a:gsLst>
-            <a:gs pos="0">
-              <a:schemeClr val="phClr">
-                <a:tint val="80000"/>
-                <a:satMod val="300000"/>
-              </a:schemeClr>
-            </a:gs>
-            <a:gs pos="100000">
-              <a:schemeClr val="phClr">
-                <a:shade val="30000"/>
-                <a:satMod val="200000"/>
-              </a:schemeClr>
-            </a:gs>
-          </a:gsLst>
-          <a:path path="circle">
-            <a:fillToRect l="50000" t="50000" r="50000" b="50000"/>
-          </a:path>
-        </a:gradFill>
-      </a:bgFillStyleLst>
-    </a:fmtScheme>
-  </a:themeElements>
+  <a:objectDefaults/>
+  <a:extraClrSchemeLst/>
 </a:theme>
 </file>